--- a/Effective C++.pptx
+++ b/Effective C++.pptx
@@ -25,6 +25,18 @@
     <p:sldId id="275" r:id="rId19"/>
     <p:sldId id="276" r:id="rId20"/>
     <p:sldId id="273" r:id="rId21"/>
+    <p:sldId id="277" r:id="rId22"/>
+    <p:sldId id="278" r:id="rId23"/>
+    <p:sldId id="279" r:id="rId24"/>
+    <p:sldId id="280" r:id="rId25"/>
+    <p:sldId id="281" r:id="rId26"/>
+    <p:sldId id="282" r:id="rId27"/>
+    <p:sldId id="283" r:id="rId28"/>
+    <p:sldId id="284" r:id="rId29"/>
+    <p:sldId id="285" r:id="rId30"/>
+    <p:sldId id="286" r:id="rId31"/>
+    <p:sldId id="287" r:id="rId32"/>
+    <p:sldId id="288" r:id="rId33"/>
   </p:sldIdLst>
   <p:sldSz cx="12192000" cy="6858000"/>
   <p:notesSz cx="6858000" cy="9144000"/>
@@ -278,7 +290,7 @@
           <a:p>
             <a:fld id="{59EB4AD5-82D3-40A8-B2CF-B12DB38635C7}" type="datetimeFigureOut">
               <a:rPr lang="zh-CN" altLang="en-US" smtClean="0"/>
-              <a:t>2022/2/14</a:t>
+              <a:t>2022/2/15</a:t>
             </a:fld>
             <a:endParaRPr lang="zh-CN" altLang="en-US"/>
           </a:p>
@@ -476,7 +488,7 @@
           <a:p>
             <a:fld id="{59EB4AD5-82D3-40A8-B2CF-B12DB38635C7}" type="datetimeFigureOut">
               <a:rPr lang="zh-CN" altLang="en-US" smtClean="0"/>
-              <a:t>2022/2/14</a:t>
+              <a:t>2022/2/15</a:t>
             </a:fld>
             <a:endParaRPr lang="zh-CN" altLang="en-US"/>
           </a:p>
@@ -684,7 +696,7 @@
           <a:p>
             <a:fld id="{59EB4AD5-82D3-40A8-B2CF-B12DB38635C7}" type="datetimeFigureOut">
               <a:rPr lang="zh-CN" altLang="en-US" smtClean="0"/>
-              <a:t>2022/2/14</a:t>
+              <a:t>2022/2/15</a:t>
             </a:fld>
             <a:endParaRPr lang="zh-CN" altLang="en-US"/>
           </a:p>
@@ -882,7 +894,7 @@
           <a:p>
             <a:fld id="{59EB4AD5-82D3-40A8-B2CF-B12DB38635C7}" type="datetimeFigureOut">
               <a:rPr lang="zh-CN" altLang="en-US" smtClean="0"/>
-              <a:t>2022/2/14</a:t>
+              <a:t>2022/2/15</a:t>
             </a:fld>
             <a:endParaRPr lang="zh-CN" altLang="en-US"/>
           </a:p>
@@ -1157,7 +1169,7 @@
           <a:p>
             <a:fld id="{59EB4AD5-82D3-40A8-B2CF-B12DB38635C7}" type="datetimeFigureOut">
               <a:rPr lang="zh-CN" altLang="en-US" smtClean="0"/>
-              <a:t>2022/2/14</a:t>
+              <a:t>2022/2/15</a:t>
             </a:fld>
             <a:endParaRPr lang="zh-CN" altLang="en-US"/>
           </a:p>
@@ -1422,7 +1434,7 @@
           <a:p>
             <a:fld id="{59EB4AD5-82D3-40A8-B2CF-B12DB38635C7}" type="datetimeFigureOut">
               <a:rPr lang="zh-CN" altLang="en-US" smtClean="0"/>
-              <a:t>2022/2/14</a:t>
+              <a:t>2022/2/15</a:t>
             </a:fld>
             <a:endParaRPr lang="zh-CN" altLang="en-US"/>
           </a:p>
@@ -1834,7 +1846,7 @@
           <a:p>
             <a:fld id="{59EB4AD5-82D3-40A8-B2CF-B12DB38635C7}" type="datetimeFigureOut">
               <a:rPr lang="zh-CN" altLang="en-US" smtClean="0"/>
-              <a:t>2022/2/14</a:t>
+              <a:t>2022/2/15</a:t>
             </a:fld>
             <a:endParaRPr lang="zh-CN" altLang="en-US"/>
           </a:p>
@@ -1975,7 +1987,7 @@
           <a:p>
             <a:fld id="{59EB4AD5-82D3-40A8-B2CF-B12DB38635C7}" type="datetimeFigureOut">
               <a:rPr lang="zh-CN" altLang="en-US" smtClean="0"/>
-              <a:t>2022/2/14</a:t>
+              <a:t>2022/2/15</a:t>
             </a:fld>
             <a:endParaRPr lang="zh-CN" altLang="en-US"/>
           </a:p>
@@ -2088,7 +2100,7 @@
           <a:p>
             <a:fld id="{59EB4AD5-82D3-40A8-B2CF-B12DB38635C7}" type="datetimeFigureOut">
               <a:rPr lang="zh-CN" altLang="en-US" smtClean="0"/>
-              <a:t>2022/2/14</a:t>
+              <a:t>2022/2/15</a:t>
             </a:fld>
             <a:endParaRPr lang="zh-CN" altLang="en-US"/>
           </a:p>
@@ -2399,7 +2411,7 @@
           <a:p>
             <a:fld id="{59EB4AD5-82D3-40A8-B2CF-B12DB38635C7}" type="datetimeFigureOut">
               <a:rPr lang="zh-CN" altLang="en-US" smtClean="0"/>
-              <a:t>2022/2/14</a:t>
+              <a:t>2022/2/15</a:t>
             </a:fld>
             <a:endParaRPr lang="zh-CN" altLang="en-US"/>
           </a:p>
@@ -2687,7 +2699,7 @@
           <a:p>
             <a:fld id="{59EB4AD5-82D3-40A8-B2CF-B12DB38635C7}" type="datetimeFigureOut">
               <a:rPr lang="zh-CN" altLang="en-US" smtClean="0"/>
-              <a:t>2022/2/14</a:t>
+              <a:t>2022/2/15</a:t>
             </a:fld>
             <a:endParaRPr lang="zh-CN" altLang="en-US"/>
           </a:p>
@@ -2928,7 +2940,7 @@
           <a:p>
             <a:fld id="{59EB4AD5-82D3-40A8-B2CF-B12DB38635C7}" type="datetimeFigureOut">
               <a:rPr lang="zh-CN" altLang="en-US" smtClean="0"/>
-              <a:t>2022/2/14</a:t>
+              <a:t>2022/2/15</a:t>
             </a:fld>
             <a:endParaRPr lang="zh-CN" altLang="en-US"/>
           </a:p>
@@ -9140,6 +9152,3833 @@
 </p:sld>
 </file>
 
+<file path=ppt/slides/slide21.xml><?xml version="1.0" encoding="utf-8"?>
+<p:sld xmlns:a="http://schemas.openxmlformats.org/drawingml/2006/main" xmlns:r="http://schemas.openxmlformats.org/officeDocument/2006/relationships" xmlns:p="http://schemas.openxmlformats.org/presentationml/2006/main">
+  <p:cSld>
+    <p:spTree>
+      <p:nvGrpSpPr>
+        <p:cNvPr id="1" name=""/>
+        <p:cNvGrpSpPr/>
+        <p:nvPr/>
+      </p:nvGrpSpPr>
+      <p:grpSpPr>
+        <a:xfrm>
+          <a:off x="0" y="0"/>
+          <a:ext cx="0" cy="0"/>
+          <a:chOff x="0" y="0"/>
+          <a:chExt cx="0" cy="0"/>
+        </a:xfrm>
+      </p:grpSpPr>
+      <p:sp>
+        <p:nvSpPr>
+          <p:cNvPr id="4" name="标题 3">
+            <a:extLst>
+              <a:ext uri="{FF2B5EF4-FFF2-40B4-BE49-F238E27FC236}">
+                <a16:creationId xmlns:a16="http://schemas.microsoft.com/office/drawing/2014/main" id="{A826082B-89A8-4697-A20A-7D66180BE9E7}"/>
+              </a:ext>
+            </a:extLst>
+          </p:cNvPr>
+          <p:cNvSpPr>
+            <a:spLocks noGrp="1"/>
+          </p:cNvSpPr>
+          <p:nvPr>
+            <p:ph type="ctrTitle"/>
+          </p:nvPr>
+        </p:nvSpPr>
+        <p:spPr/>
+        <p:txBody>
+          <a:bodyPr>
+            <a:normAutofit fontScale="90000"/>
+          </a:bodyPr>
+          <a:lstStyle/>
+          <a:p>
+            <a:r>
+              <a:rPr lang="zh-CN" altLang="en-US" dirty="0"/>
+              <a:t>条款</a:t>
+            </a:r>
+            <a:r>
+              <a:rPr lang="en-US" altLang="zh-CN" dirty="0"/>
+              <a:t>06</a:t>
+            </a:r>
+            <a:r>
+              <a:rPr lang="zh-CN" altLang="en-US" dirty="0"/>
+              <a:t>：若不想使用编译器生成的函数，就该明确拒绝</a:t>
+            </a:r>
+          </a:p>
+        </p:txBody>
+      </p:sp>
+    </p:spTree>
+    <p:extLst>
+      <p:ext uri="{BB962C8B-B14F-4D97-AF65-F5344CB8AC3E}">
+        <p14:creationId xmlns:p14="http://schemas.microsoft.com/office/powerpoint/2010/main" val="354511943"/>
+      </p:ext>
+    </p:extLst>
+  </p:cSld>
+  <p:clrMapOvr>
+    <a:masterClrMapping/>
+  </p:clrMapOvr>
+</p:sld>
+</file>
+
+<file path=ppt/slides/slide22.xml><?xml version="1.0" encoding="utf-8"?>
+<p:sld xmlns:a="http://schemas.openxmlformats.org/drawingml/2006/main" xmlns:r="http://schemas.openxmlformats.org/officeDocument/2006/relationships" xmlns:p="http://schemas.openxmlformats.org/presentationml/2006/main">
+  <p:cSld>
+    <p:spTree>
+      <p:nvGrpSpPr>
+        <p:cNvPr id="1" name=""/>
+        <p:cNvGrpSpPr/>
+        <p:nvPr/>
+      </p:nvGrpSpPr>
+      <p:grpSpPr>
+        <a:xfrm>
+          <a:off x="0" y="0"/>
+          <a:ext cx="0" cy="0"/>
+          <a:chOff x="0" y="0"/>
+          <a:chExt cx="0" cy="0"/>
+        </a:xfrm>
+      </p:grpSpPr>
+      <p:sp>
+        <p:nvSpPr>
+          <p:cNvPr id="2" name="标题 1">
+            <a:extLst>
+              <a:ext uri="{FF2B5EF4-FFF2-40B4-BE49-F238E27FC236}">
+                <a16:creationId xmlns:a16="http://schemas.microsoft.com/office/drawing/2014/main" id="{A5D86E82-7544-41C8-9FEC-2612B7DC93EE}"/>
+              </a:ext>
+            </a:extLst>
+          </p:cNvPr>
+          <p:cNvSpPr>
+            <a:spLocks noGrp="1"/>
+          </p:cNvSpPr>
+          <p:nvPr>
+            <p:ph type="title"/>
+          </p:nvPr>
+        </p:nvSpPr>
+        <p:spPr/>
+        <p:txBody>
+          <a:bodyPr/>
+          <a:lstStyle/>
+          <a:p>
+            <a:r>
+              <a:rPr lang="zh-CN" altLang="en-US" dirty="0"/>
+              <a:t>私有化</a:t>
+            </a:r>
+            <a:r>
+              <a:rPr lang="en-US" altLang="zh-CN" dirty="0"/>
+              <a:t>copy</a:t>
+            </a:r>
+            <a:r>
+              <a:rPr lang="zh-CN" altLang="en-US" dirty="0"/>
+              <a:t>构造函数和</a:t>
+            </a:r>
+            <a:r>
+              <a:rPr lang="en-US" altLang="zh-CN" dirty="0"/>
+              <a:t>copy assignment</a:t>
+            </a:r>
+            <a:r>
+              <a:rPr lang="zh-CN" altLang="en-US" dirty="0"/>
+              <a:t>操作符</a:t>
+            </a:r>
+          </a:p>
+        </p:txBody>
+      </p:sp>
+      <p:sp>
+        <p:nvSpPr>
+          <p:cNvPr id="3" name="内容占位符 2">
+            <a:extLst>
+              <a:ext uri="{FF2B5EF4-FFF2-40B4-BE49-F238E27FC236}">
+                <a16:creationId xmlns:a16="http://schemas.microsoft.com/office/drawing/2014/main" id="{DE7A764D-6AB9-4B74-B9FD-650676793981}"/>
+              </a:ext>
+            </a:extLst>
+          </p:cNvPr>
+          <p:cNvSpPr>
+            <a:spLocks noGrp="1"/>
+          </p:cNvSpPr>
+          <p:nvPr>
+            <p:ph idx="1"/>
+          </p:nvPr>
+        </p:nvSpPr>
+        <p:spPr/>
+        <p:txBody>
+          <a:bodyPr/>
+          <a:lstStyle/>
+          <a:p>
+            <a:r>
+              <a:rPr lang="zh-CN" altLang="en-US" dirty="0"/>
+              <a:t>有些类是独一无二的不允许被</a:t>
+            </a:r>
+            <a:r>
+              <a:rPr lang="en-US" altLang="zh-CN" dirty="0"/>
+              <a:t>copy</a:t>
+            </a:r>
+            <a:r>
+              <a:rPr lang="zh-CN" altLang="en-US" dirty="0"/>
+              <a:t>。</a:t>
+            </a:r>
+          </a:p>
+        </p:txBody>
+      </p:sp>
+      <p:sp>
+        <p:nvSpPr>
+          <p:cNvPr id="4" name="文本框 3">
+            <a:extLst>
+              <a:ext uri="{FF2B5EF4-FFF2-40B4-BE49-F238E27FC236}">
+                <a16:creationId xmlns:a16="http://schemas.microsoft.com/office/drawing/2014/main" id="{34DD314D-C8AE-4D63-ADC0-856EBB05C06D}"/>
+              </a:ext>
+            </a:extLst>
+          </p:cNvPr>
+          <p:cNvSpPr txBox="1"/>
+          <p:nvPr/>
+        </p:nvSpPr>
+        <p:spPr>
+          <a:xfrm>
+            <a:off x="3676107" y="3291841"/>
+            <a:ext cx="4839786" cy="2308324"/>
+          </a:xfrm>
+          <a:prstGeom prst="rect">
+            <a:avLst/>
+          </a:prstGeom>
+          <a:solidFill>
+            <a:schemeClr val="tx1"/>
+          </a:solidFill>
+        </p:spPr>
+        <p:txBody>
+          <a:bodyPr wrap="none" rtlCol="0">
+            <a:spAutoFit/>
+          </a:bodyPr>
+          <a:lstStyle/>
+          <a:p>
+            <a:r>
+              <a:rPr lang="en-US" altLang="zh-CN" b="0" dirty="0">
+                <a:solidFill>
+                  <a:srgbClr val="569CD6"/>
+                </a:solidFill>
+                <a:effectLst/>
+                <a:latin typeface="Consolas" panose="020B0609020204030204" pitchFamily="49" charset="0"/>
+              </a:rPr>
+              <a:t>class</a:t>
+            </a:r>
+            <a:r>
+              <a:rPr lang="en-US" altLang="zh-CN" b="0" dirty="0">
+                <a:solidFill>
+                  <a:srgbClr val="D4D4D4"/>
+                </a:solidFill>
+                <a:effectLst/>
+                <a:latin typeface="Consolas" panose="020B0609020204030204" pitchFamily="49" charset="0"/>
+              </a:rPr>
+              <a:t> </a:t>
+            </a:r>
+            <a:r>
+              <a:rPr lang="en-US" altLang="zh-CN" b="0" dirty="0" err="1">
+                <a:solidFill>
+                  <a:srgbClr val="4EC9B0"/>
+                </a:solidFill>
+                <a:effectLst/>
+                <a:latin typeface="Consolas" panose="020B0609020204030204" pitchFamily="49" charset="0"/>
+              </a:rPr>
+              <a:t>HomeForSale</a:t>
+            </a:r>
+            <a:r>
+              <a:rPr lang="en-US" altLang="zh-CN" b="0" dirty="0">
+                <a:solidFill>
+                  <a:srgbClr val="D4D4D4"/>
+                </a:solidFill>
+                <a:effectLst/>
+                <a:latin typeface="Consolas" panose="020B0609020204030204" pitchFamily="49" charset="0"/>
+              </a:rPr>
+              <a:t> {</a:t>
+            </a:r>
+          </a:p>
+          <a:p>
+            <a:r>
+              <a:rPr lang="en-US" altLang="zh-CN" b="0" dirty="0">
+                <a:solidFill>
+                  <a:srgbClr val="D4D4D4"/>
+                </a:solidFill>
+                <a:effectLst/>
+                <a:latin typeface="Consolas" panose="020B0609020204030204" pitchFamily="49" charset="0"/>
+              </a:rPr>
+              <a:t>    ...</a:t>
+            </a:r>
+          </a:p>
+          <a:p>
+            <a:r>
+              <a:rPr lang="en-US" altLang="zh-CN" b="0" dirty="0">
+                <a:solidFill>
+                  <a:srgbClr val="D4D4D4"/>
+                </a:solidFill>
+                <a:effectLst/>
+                <a:latin typeface="Consolas" panose="020B0609020204030204" pitchFamily="49" charset="0"/>
+              </a:rPr>
+              <a:t>};</a:t>
+            </a:r>
+          </a:p>
+          <a:p>
+            <a:br>
+              <a:rPr lang="en-US" altLang="zh-CN" b="0" dirty="0">
+                <a:solidFill>
+                  <a:srgbClr val="D4D4D4"/>
+                </a:solidFill>
+                <a:effectLst/>
+                <a:latin typeface="Consolas" panose="020B0609020204030204" pitchFamily="49" charset="0"/>
+              </a:rPr>
+            </a:br>
+            <a:r>
+              <a:rPr lang="en-US" altLang="zh-CN" b="0" dirty="0" err="1">
+                <a:solidFill>
+                  <a:srgbClr val="9CDCFE"/>
+                </a:solidFill>
+                <a:effectLst/>
+                <a:latin typeface="Consolas" panose="020B0609020204030204" pitchFamily="49" charset="0"/>
+              </a:rPr>
+              <a:t>HomeForSale</a:t>
+            </a:r>
+            <a:r>
+              <a:rPr lang="en-US" altLang="zh-CN" b="0" dirty="0">
+                <a:solidFill>
+                  <a:srgbClr val="D4D4D4"/>
+                </a:solidFill>
+                <a:effectLst/>
+                <a:latin typeface="Consolas" panose="020B0609020204030204" pitchFamily="49" charset="0"/>
+              </a:rPr>
+              <a:t> h1;</a:t>
+            </a:r>
+          </a:p>
+          <a:p>
+            <a:r>
+              <a:rPr lang="en-US" altLang="zh-CN" b="0" dirty="0" err="1">
+                <a:solidFill>
+                  <a:srgbClr val="9CDCFE"/>
+                </a:solidFill>
+                <a:effectLst/>
+                <a:latin typeface="Consolas" panose="020B0609020204030204" pitchFamily="49" charset="0"/>
+              </a:rPr>
+              <a:t>HomeForSale</a:t>
+            </a:r>
+            <a:r>
+              <a:rPr lang="en-US" altLang="zh-CN" b="0" dirty="0">
+                <a:solidFill>
+                  <a:srgbClr val="D4D4D4"/>
+                </a:solidFill>
+                <a:effectLst/>
+                <a:latin typeface="Consolas" panose="020B0609020204030204" pitchFamily="49" charset="0"/>
+              </a:rPr>
+              <a:t> </a:t>
+            </a:r>
+            <a:r>
+              <a:rPr lang="en-US" altLang="zh-CN" b="0" dirty="0">
+                <a:solidFill>
+                  <a:srgbClr val="9CDCFE"/>
+                </a:solidFill>
+                <a:effectLst/>
+                <a:latin typeface="Consolas" panose="020B0609020204030204" pitchFamily="49" charset="0"/>
+              </a:rPr>
+              <a:t>h2</a:t>
+            </a:r>
+            <a:r>
+              <a:rPr lang="en-US" altLang="zh-CN" b="0" dirty="0">
+                <a:solidFill>
+                  <a:srgbClr val="D4D4D4"/>
+                </a:solidFill>
+                <a:effectLst/>
+                <a:latin typeface="Consolas" panose="020B0609020204030204" pitchFamily="49" charset="0"/>
+              </a:rPr>
+              <a:t>;</a:t>
+            </a:r>
+          </a:p>
+          <a:p>
+            <a:r>
+              <a:rPr lang="en-US" altLang="zh-CN" b="0" dirty="0" err="1">
+                <a:solidFill>
+                  <a:srgbClr val="9CDCFE"/>
+                </a:solidFill>
+                <a:effectLst/>
+                <a:latin typeface="Consolas" panose="020B0609020204030204" pitchFamily="49" charset="0"/>
+              </a:rPr>
+              <a:t>HomeForSale</a:t>
+            </a:r>
+            <a:r>
+              <a:rPr lang="en-US" altLang="zh-CN" b="0" dirty="0">
+                <a:solidFill>
+                  <a:srgbClr val="D4D4D4"/>
+                </a:solidFill>
+                <a:effectLst/>
+                <a:latin typeface="Consolas" panose="020B0609020204030204" pitchFamily="49" charset="0"/>
+              </a:rPr>
+              <a:t> </a:t>
+            </a:r>
+            <a:r>
+              <a:rPr lang="en-US" altLang="zh-CN" b="0" dirty="0">
+                <a:solidFill>
+                  <a:srgbClr val="9CDCFE"/>
+                </a:solidFill>
+                <a:effectLst/>
+                <a:latin typeface="Consolas" panose="020B0609020204030204" pitchFamily="49" charset="0"/>
+              </a:rPr>
+              <a:t>h3</a:t>
+            </a:r>
+            <a:r>
+              <a:rPr lang="en-US" altLang="zh-CN" b="0" dirty="0">
+                <a:solidFill>
+                  <a:srgbClr val="D4D4D4"/>
+                </a:solidFill>
+                <a:effectLst/>
+                <a:latin typeface="Consolas" panose="020B0609020204030204" pitchFamily="49" charset="0"/>
+              </a:rPr>
+              <a:t>(</a:t>
+            </a:r>
+            <a:r>
+              <a:rPr lang="en-US" altLang="zh-CN" b="0" dirty="0">
+                <a:solidFill>
+                  <a:srgbClr val="4EC9B0"/>
+                </a:solidFill>
+                <a:effectLst/>
+                <a:latin typeface="Consolas" panose="020B0609020204030204" pitchFamily="49" charset="0"/>
+              </a:rPr>
+              <a:t>h1</a:t>
+            </a:r>
+            <a:r>
+              <a:rPr lang="en-US" altLang="zh-CN" b="0" dirty="0">
+                <a:solidFill>
+                  <a:srgbClr val="D4D4D4"/>
+                </a:solidFill>
+                <a:effectLst/>
+                <a:latin typeface="Consolas" panose="020B0609020204030204" pitchFamily="49" charset="0"/>
+              </a:rPr>
+              <a:t>);</a:t>
+            </a:r>
+            <a:r>
+              <a:rPr lang="en-US" altLang="zh-CN" b="0" dirty="0">
+                <a:solidFill>
+                  <a:srgbClr val="6A9955"/>
+                </a:solidFill>
+                <a:effectLst/>
+                <a:latin typeface="Consolas" panose="020B0609020204030204" pitchFamily="49" charset="0"/>
+              </a:rPr>
+              <a:t>  // </a:t>
+            </a:r>
+            <a:r>
+              <a:rPr lang="zh-CN" altLang="en-US" b="0" dirty="0">
+                <a:solidFill>
+                  <a:srgbClr val="6A9955"/>
+                </a:solidFill>
+                <a:effectLst/>
+                <a:latin typeface="Consolas" panose="020B0609020204030204" pitchFamily="49" charset="0"/>
+              </a:rPr>
+              <a:t>不允许通过编译</a:t>
+            </a:r>
+            <a:endParaRPr lang="zh-CN" altLang="en-US" b="0" dirty="0">
+              <a:solidFill>
+                <a:srgbClr val="D4D4D4"/>
+              </a:solidFill>
+              <a:effectLst/>
+              <a:latin typeface="Consolas" panose="020B0609020204030204" pitchFamily="49" charset="0"/>
+            </a:endParaRPr>
+          </a:p>
+          <a:p>
+            <a:r>
+              <a:rPr lang="en-US" altLang="zh-CN" b="0" dirty="0">
+                <a:solidFill>
+                  <a:srgbClr val="9CDCFE"/>
+                </a:solidFill>
+                <a:effectLst/>
+                <a:latin typeface="Consolas" panose="020B0609020204030204" pitchFamily="49" charset="0"/>
+              </a:rPr>
+              <a:t>h1</a:t>
+            </a:r>
+            <a:r>
+              <a:rPr lang="en-US" altLang="zh-CN" b="0" dirty="0">
+                <a:solidFill>
+                  <a:srgbClr val="D4D4D4"/>
+                </a:solidFill>
+                <a:effectLst/>
+                <a:latin typeface="Consolas" panose="020B0609020204030204" pitchFamily="49" charset="0"/>
+              </a:rPr>
+              <a:t> = </a:t>
+            </a:r>
+            <a:r>
+              <a:rPr lang="en-US" altLang="zh-CN" b="0" dirty="0">
+                <a:solidFill>
+                  <a:srgbClr val="9CDCFE"/>
+                </a:solidFill>
+                <a:effectLst/>
+                <a:latin typeface="Consolas" panose="020B0609020204030204" pitchFamily="49" charset="0"/>
+              </a:rPr>
+              <a:t>h2</a:t>
+            </a:r>
+            <a:r>
+              <a:rPr lang="en-US" altLang="zh-CN" b="0" dirty="0">
+                <a:solidFill>
+                  <a:srgbClr val="D4D4D4"/>
+                </a:solidFill>
+                <a:effectLst/>
+                <a:latin typeface="Consolas" panose="020B0609020204030204" pitchFamily="49" charset="0"/>
+              </a:rPr>
+              <a:t>;</a:t>
+            </a:r>
+            <a:r>
+              <a:rPr lang="en-US" altLang="zh-CN" b="0" dirty="0">
+                <a:solidFill>
+                  <a:srgbClr val="6A9955"/>
+                </a:solidFill>
+                <a:effectLst/>
+                <a:latin typeface="Consolas" panose="020B0609020204030204" pitchFamily="49" charset="0"/>
+              </a:rPr>
+              <a:t>             // </a:t>
+            </a:r>
+            <a:r>
+              <a:rPr lang="zh-CN" altLang="en-US" b="0" dirty="0">
+                <a:solidFill>
+                  <a:srgbClr val="6A9955"/>
+                </a:solidFill>
+                <a:effectLst/>
+                <a:latin typeface="Consolas" panose="020B0609020204030204" pitchFamily="49" charset="0"/>
+              </a:rPr>
+              <a:t>不允许通过编译</a:t>
+            </a:r>
+            <a:endParaRPr lang="zh-CN" altLang="en-US" b="0" dirty="0">
+              <a:solidFill>
+                <a:srgbClr val="D4D4D4"/>
+              </a:solidFill>
+              <a:effectLst/>
+              <a:latin typeface="Consolas" panose="020B0609020204030204" pitchFamily="49" charset="0"/>
+            </a:endParaRPr>
+          </a:p>
+        </p:txBody>
+      </p:sp>
+    </p:spTree>
+    <p:extLst>
+      <p:ext uri="{BB962C8B-B14F-4D97-AF65-F5344CB8AC3E}">
+        <p14:creationId xmlns:p14="http://schemas.microsoft.com/office/powerpoint/2010/main" val="120395301"/>
+      </p:ext>
+    </p:extLst>
+  </p:cSld>
+  <p:clrMapOvr>
+    <a:masterClrMapping/>
+  </p:clrMapOvr>
+</p:sld>
+</file>
+
+<file path=ppt/slides/slide23.xml><?xml version="1.0" encoding="utf-8"?>
+<p:sld xmlns:a="http://schemas.openxmlformats.org/drawingml/2006/main" xmlns:r="http://schemas.openxmlformats.org/officeDocument/2006/relationships" xmlns:p="http://schemas.openxmlformats.org/presentationml/2006/main">
+  <p:cSld>
+    <p:spTree>
+      <p:nvGrpSpPr>
+        <p:cNvPr id="1" name=""/>
+        <p:cNvGrpSpPr/>
+        <p:nvPr/>
+      </p:nvGrpSpPr>
+      <p:grpSpPr>
+        <a:xfrm>
+          <a:off x="0" y="0"/>
+          <a:ext cx="0" cy="0"/>
+          <a:chOff x="0" y="0"/>
+          <a:chExt cx="0" cy="0"/>
+        </a:xfrm>
+      </p:grpSpPr>
+      <p:sp>
+        <p:nvSpPr>
+          <p:cNvPr id="3" name="内容占位符 2">
+            <a:extLst>
+              <a:ext uri="{FF2B5EF4-FFF2-40B4-BE49-F238E27FC236}">
+                <a16:creationId xmlns:a16="http://schemas.microsoft.com/office/drawing/2014/main" id="{84A134B5-C7BC-470F-A808-52D9F325516D}"/>
+              </a:ext>
+            </a:extLst>
+          </p:cNvPr>
+          <p:cNvSpPr>
+            <a:spLocks noGrp="1"/>
+          </p:cNvSpPr>
+          <p:nvPr>
+            <p:ph idx="1"/>
+          </p:nvPr>
+        </p:nvSpPr>
+        <p:spPr>
+          <a:xfrm>
+            <a:off x="838200" y="527125"/>
+            <a:ext cx="10515600" cy="5649838"/>
+          </a:xfrm>
+        </p:spPr>
+        <p:txBody>
+          <a:bodyPr/>
+          <a:lstStyle/>
+          <a:p>
+            <a:r>
+              <a:rPr lang="zh-CN" altLang="en-US" dirty="0"/>
+              <a:t>将</a:t>
+            </a:r>
+            <a:r>
+              <a:rPr lang="en-US" altLang="zh-CN" dirty="0"/>
+              <a:t>copy</a:t>
+            </a:r>
+            <a:r>
+              <a:rPr lang="zh-CN" altLang="en-US" dirty="0"/>
+              <a:t>构造函数和</a:t>
+            </a:r>
+            <a:r>
+              <a:rPr lang="en-US" altLang="zh-CN" dirty="0"/>
+              <a:t>copy assignment</a:t>
+            </a:r>
+            <a:r>
+              <a:rPr lang="zh-CN" altLang="en-US" dirty="0"/>
+              <a:t>操作符私有化，可以解决这个问题</a:t>
+            </a:r>
+            <a:endParaRPr lang="en-US" altLang="zh-CN" dirty="0"/>
+          </a:p>
+          <a:p>
+            <a:endParaRPr lang="en-US" altLang="zh-CN" dirty="0"/>
+          </a:p>
+          <a:p>
+            <a:endParaRPr lang="en-US" altLang="zh-CN" dirty="0"/>
+          </a:p>
+          <a:p>
+            <a:endParaRPr lang="en-US" altLang="zh-CN" dirty="0"/>
+          </a:p>
+          <a:p>
+            <a:endParaRPr lang="en-US" altLang="zh-CN" dirty="0"/>
+          </a:p>
+          <a:p>
+            <a:endParaRPr lang="en-US" altLang="zh-CN" dirty="0"/>
+          </a:p>
+          <a:p>
+            <a:endParaRPr lang="en-US" altLang="zh-CN" dirty="0"/>
+          </a:p>
+          <a:p>
+            <a:endParaRPr lang="en-US" altLang="zh-CN" dirty="0"/>
+          </a:p>
+          <a:p>
+            <a:r>
+              <a:rPr lang="en-US" altLang="zh-CN" dirty="0"/>
+              <a:t>member</a:t>
+            </a:r>
+            <a:r>
+              <a:rPr lang="zh-CN" altLang="en-US" dirty="0"/>
+              <a:t>函数和</a:t>
+            </a:r>
+            <a:r>
+              <a:rPr lang="en-US" altLang="zh-CN" dirty="0"/>
+              <a:t>friend</a:t>
+            </a:r>
+            <a:r>
+              <a:rPr lang="zh-CN" altLang="en-US" dirty="0"/>
+              <a:t>函数仍然可以调用私有的</a:t>
+            </a:r>
+            <a:r>
+              <a:rPr lang="en-US" altLang="zh-CN" dirty="0"/>
+              <a:t>copy</a:t>
+            </a:r>
+            <a:r>
+              <a:rPr lang="zh-CN" altLang="en-US" dirty="0"/>
+              <a:t>构造函数和</a:t>
+            </a:r>
+            <a:r>
+              <a:rPr lang="en-US" altLang="zh-CN" dirty="0"/>
+              <a:t>copy assignment</a:t>
+            </a:r>
+            <a:r>
+              <a:rPr lang="zh-CN" altLang="en-US" dirty="0"/>
+              <a:t>操作符</a:t>
+            </a:r>
+          </a:p>
+        </p:txBody>
+      </p:sp>
+      <p:sp>
+        <p:nvSpPr>
+          <p:cNvPr id="4" name="文本框 3">
+            <a:extLst>
+              <a:ext uri="{FF2B5EF4-FFF2-40B4-BE49-F238E27FC236}">
+                <a16:creationId xmlns:a16="http://schemas.microsoft.com/office/drawing/2014/main" id="{FDA9407B-DDFE-474D-8A5B-3092FF8FF70D}"/>
+              </a:ext>
+            </a:extLst>
+          </p:cNvPr>
+          <p:cNvSpPr txBox="1"/>
+          <p:nvPr/>
+        </p:nvSpPr>
+        <p:spPr>
+          <a:xfrm>
+            <a:off x="2368857" y="1871831"/>
+            <a:ext cx="7454285" cy="2585323"/>
+          </a:xfrm>
+          <a:prstGeom prst="rect">
+            <a:avLst/>
+          </a:prstGeom>
+          <a:solidFill>
+            <a:schemeClr val="tx1"/>
+          </a:solidFill>
+        </p:spPr>
+        <p:txBody>
+          <a:bodyPr wrap="none" rtlCol="0">
+            <a:spAutoFit/>
+          </a:bodyPr>
+          <a:lstStyle/>
+          <a:p>
+            <a:r>
+              <a:rPr lang="en-US" altLang="zh-CN" b="0" dirty="0">
+                <a:solidFill>
+                  <a:srgbClr val="569CD6"/>
+                </a:solidFill>
+                <a:effectLst/>
+                <a:latin typeface="Consolas" panose="020B0609020204030204" pitchFamily="49" charset="0"/>
+              </a:rPr>
+              <a:t>class</a:t>
+            </a:r>
+            <a:r>
+              <a:rPr lang="en-US" altLang="zh-CN" b="0" dirty="0">
+                <a:solidFill>
+                  <a:srgbClr val="D4D4D4"/>
+                </a:solidFill>
+                <a:effectLst/>
+                <a:latin typeface="Consolas" panose="020B0609020204030204" pitchFamily="49" charset="0"/>
+              </a:rPr>
+              <a:t> </a:t>
+            </a:r>
+            <a:r>
+              <a:rPr lang="en-US" altLang="zh-CN" b="0" dirty="0" err="1">
+                <a:solidFill>
+                  <a:srgbClr val="4EC9B0"/>
+                </a:solidFill>
+                <a:effectLst/>
+                <a:latin typeface="Consolas" panose="020B0609020204030204" pitchFamily="49" charset="0"/>
+              </a:rPr>
+              <a:t>HomeForSale</a:t>
+            </a:r>
+            <a:r>
+              <a:rPr lang="en-US" altLang="zh-CN" b="0" dirty="0">
+                <a:solidFill>
+                  <a:srgbClr val="D4D4D4"/>
+                </a:solidFill>
+                <a:effectLst/>
+                <a:latin typeface="Consolas" panose="020B0609020204030204" pitchFamily="49" charset="0"/>
+              </a:rPr>
+              <a:t> {</a:t>
+            </a:r>
+          </a:p>
+          <a:p>
+            <a:r>
+              <a:rPr lang="en-US" altLang="zh-CN" b="0" dirty="0">
+                <a:solidFill>
+                  <a:srgbClr val="D4D4D4"/>
+                </a:solidFill>
+                <a:effectLst/>
+                <a:latin typeface="Consolas" panose="020B0609020204030204" pitchFamily="49" charset="0"/>
+              </a:rPr>
+              <a:t>   </a:t>
+            </a:r>
+            <a:r>
+              <a:rPr lang="en-US" altLang="zh-CN" b="0" dirty="0">
+                <a:solidFill>
+                  <a:srgbClr val="569CD6"/>
+                </a:solidFill>
+                <a:effectLst/>
+                <a:latin typeface="Consolas" panose="020B0609020204030204" pitchFamily="49" charset="0"/>
+              </a:rPr>
+              <a:t>public:</a:t>
+            </a:r>
+            <a:endParaRPr lang="en-US" altLang="zh-CN" b="0" dirty="0">
+              <a:solidFill>
+                <a:srgbClr val="D4D4D4"/>
+              </a:solidFill>
+              <a:effectLst/>
+              <a:latin typeface="Consolas" panose="020B0609020204030204" pitchFamily="49" charset="0"/>
+            </a:endParaRPr>
+          </a:p>
+          <a:p>
+            <a:r>
+              <a:rPr lang="en-US" altLang="zh-CN" b="0" dirty="0">
+                <a:solidFill>
+                  <a:srgbClr val="D4D4D4"/>
+                </a:solidFill>
+                <a:effectLst/>
+                <a:latin typeface="Consolas" panose="020B0609020204030204" pitchFamily="49" charset="0"/>
+              </a:rPr>
+              <a:t>    ...;</a:t>
+            </a:r>
+          </a:p>
+          <a:p>
+            <a:br>
+              <a:rPr lang="en-US" altLang="zh-CN" b="0" dirty="0">
+                <a:solidFill>
+                  <a:srgbClr val="D4D4D4"/>
+                </a:solidFill>
+                <a:effectLst/>
+                <a:latin typeface="Consolas" panose="020B0609020204030204" pitchFamily="49" charset="0"/>
+              </a:rPr>
+            </a:br>
+            <a:r>
+              <a:rPr lang="en-US" altLang="zh-CN" b="0" dirty="0">
+                <a:solidFill>
+                  <a:srgbClr val="D4D4D4"/>
+                </a:solidFill>
+                <a:effectLst/>
+                <a:latin typeface="Consolas" panose="020B0609020204030204" pitchFamily="49" charset="0"/>
+              </a:rPr>
+              <a:t>   </a:t>
+            </a:r>
+            <a:r>
+              <a:rPr lang="en-US" altLang="zh-CN" b="0" dirty="0">
+                <a:solidFill>
+                  <a:srgbClr val="569CD6"/>
+                </a:solidFill>
+                <a:effectLst/>
+                <a:latin typeface="Consolas" panose="020B0609020204030204" pitchFamily="49" charset="0"/>
+              </a:rPr>
+              <a:t>private:</a:t>
+            </a:r>
+            <a:endParaRPr lang="en-US" altLang="zh-CN" b="0" dirty="0">
+              <a:solidFill>
+                <a:srgbClr val="D4D4D4"/>
+              </a:solidFill>
+              <a:effectLst/>
+              <a:latin typeface="Consolas" panose="020B0609020204030204" pitchFamily="49" charset="0"/>
+            </a:endParaRPr>
+          </a:p>
+          <a:p>
+            <a:r>
+              <a:rPr lang="en-US" altLang="zh-CN" b="0" dirty="0">
+                <a:solidFill>
+                  <a:srgbClr val="D4D4D4"/>
+                </a:solidFill>
+                <a:effectLst/>
+                <a:latin typeface="Consolas" panose="020B0609020204030204" pitchFamily="49" charset="0"/>
+              </a:rPr>
+              <a:t>    ...;</a:t>
+            </a:r>
+          </a:p>
+          <a:p>
+            <a:r>
+              <a:rPr lang="en-US" altLang="zh-CN" b="0" dirty="0">
+                <a:solidFill>
+                  <a:srgbClr val="D4D4D4"/>
+                </a:solidFill>
+                <a:effectLst/>
+                <a:latin typeface="Consolas" panose="020B0609020204030204" pitchFamily="49" charset="0"/>
+              </a:rPr>
+              <a:t>    </a:t>
+            </a:r>
+            <a:r>
+              <a:rPr lang="en-US" altLang="zh-CN" b="0" dirty="0" err="1">
+                <a:solidFill>
+                  <a:srgbClr val="DCDCAA"/>
+                </a:solidFill>
+                <a:effectLst/>
+                <a:latin typeface="Consolas" panose="020B0609020204030204" pitchFamily="49" charset="0"/>
+              </a:rPr>
+              <a:t>HomeForSale</a:t>
+            </a:r>
+            <a:r>
+              <a:rPr lang="en-US" altLang="zh-CN" b="0" dirty="0">
+                <a:solidFill>
+                  <a:srgbClr val="D4D4D4"/>
+                </a:solidFill>
+                <a:effectLst/>
+                <a:latin typeface="Consolas" panose="020B0609020204030204" pitchFamily="49" charset="0"/>
+              </a:rPr>
+              <a:t>(</a:t>
+            </a:r>
+            <a:r>
+              <a:rPr lang="en-US" altLang="zh-CN" b="0" dirty="0">
+                <a:solidFill>
+                  <a:srgbClr val="569CD6"/>
+                </a:solidFill>
+                <a:effectLst/>
+                <a:latin typeface="Consolas" panose="020B0609020204030204" pitchFamily="49" charset="0"/>
+              </a:rPr>
+              <a:t>const</a:t>
+            </a:r>
+            <a:r>
+              <a:rPr lang="en-US" altLang="zh-CN" b="0" dirty="0">
+                <a:solidFill>
+                  <a:srgbClr val="D4D4D4"/>
+                </a:solidFill>
+                <a:effectLst/>
+                <a:latin typeface="Consolas" panose="020B0609020204030204" pitchFamily="49" charset="0"/>
+              </a:rPr>
+              <a:t> </a:t>
+            </a:r>
+            <a:r>
+              <a:rPr lang="en-US" altLang="zh-CN" b="0" dirty="0" err="1">
+                <a:solidFill>
+                  <a:srgbClr val="4EC9B0"/>
+                </a:solidFill>
+                <a:effectLst/>
+                <a:latin typeface="Consolas" panose="020B0609020204030204" pitchFamily="49" charset="0"/>
+              </a:rPr>
+              <a:t>HomeForSale</a:t>
+            </a:r>
+            <a:r>
+              <a:rPr lang="en-US" altLang="zh-CN" b="0" dirty="0">
+                <a:solidFill>
+                  <a:srgbClr val="569CD6"/>
+                </a:solidFill>
+                <a:effectLst/>
+                <a:latin typeface="Consolas" panose="020B0609020204030204" pitchFamily="49" charset="0"/>
+              </a:rPr>
+              <a:t>&amp;</a:t>
+            </a:r>
+            <a:r>
+              <a:rPr lang="en-US" altLang="zh-CN" b="0" dirty="0">
+                <a:solidFill>
+                  <a:srgbClr val="D4D4D4"/>
+                </a:solidFill>
+                <a:effectLst/>
+                <a:latin typeface="Consolas" panose="020B0609020204030204" pitchFamily="49" charset="0"/>
+              </a:rPr>
+              <a:t>);</a:t>
+            </a:r>
+            <a:r>
+              <a:rPr lang="en-US" altLang="zh-CN" b="0" dirty="0">
+                <a:solidFill>
+                  <a:srgbClr val="6A9955"/>
+                </a:solidFill>
+                <a:effectLst/>
+                <a:latin typeface="Consolas" panose="020B0609020204030204" pitchFamily="49" charset="0"/>
+              </a:rPr>
+              <a:t>  // </a:t>
+            </a:r>
+            <a:r>
+              <a:rPr lang="zh-CN" altLang="en-US" b="0" dirty="0">
+                <a:solidFill>
+                  <a:srgbClr val="6A9955"/>
+                </a:solidFill>
+                <a:effectLst/>
+                <a:latin typeface="Consolas" panose="020B0609020204030204" pitchFamily="49" charset="0"/>
+              </a:rPr>
+              <a:t>只有声明，不去实现</a:t>
+            </a:r>
+            <a:endParaRPr lang="zh-CN" altLang="en-US" b="0" dirty="0">
+              <a:solidFill>
+                <a:srgbClr val="D4D4D4"/>
+              </a:solidFill>
+              <a:effectLst/>
+              <a:latin typeface="Consolas" panose="020B0609020204030204" pitchFamily="49" charset="0"/>
+            </a:endParaRPr>
+          </a:p>
+          <a:p>
+            <a:r>
+              <a:rPr lang="zh-CN" altLang="en-US" b="0" dirty="0">
+                <a:solidFill>
+                  <a:srgbClr val="D4D4D4"/>
+                </a:solidFill>
+                <a:effectLst/>
+                <a:latin typeface="Consolas" panose="020B0609020204030204" pitchFamily="49" charset="0"/>
+              </a:rPr>
+              <a:t>    </a:t>
+            </a:r>
+            <a:r>
+              <a:rPr lang="en-US" altLang="zh-CN" b="0" dirty="0" err="1">
+                <a:solidFill>
+                  <a:srgbClr val="4EC9B0"/>
+                </a:solidFill>
+                <a:effectLst/>
+                <a:latin typeface="Consolas" panose="020B0609020204030204" pitchFamily="49" charset="0"/>
+              </a:rPr>
+              <a:t>HomeForSale</a:t>
+            </a:r>
+            <a:r>
+              <a:rPr lang="en-US" altLang="zh-CN" b="0" dirty="0">
+                <a:solidFill>
+                  <a:srgbClr val="569CD6"/>
+                </a:solidFill>
+                <a:effectLst/>
+                <a:latin typeface="Consolas" panose="020B0609020204030204" pitchFamily="49" charset="0"/>
+              </a:rPr>
+              <a:t>&amp;</a:t>
+            </a:r>
+            <a:r>
+              <a:rPr lang="en-US" altLang="zh-CN" b="0" dirty="0">
+                <a:solidFill>
+                  <a:srgbClr val="D4D4D4"/>
+                </a:solidFill>
+                <a:effectLst/>
+                <a:latin typeface="Consolas" panose="020B0609020204030204" pitchFamily="49" charset="0"/>
+              </a:rPr>
+              <a:t> </a:t>
+            </a:r>
+            <a:r>
+              <a:rPr lang="en-US" altLang="zh-CN" b="0" dirty="0">
+                <a:solidFill>
+                  <a:srgbClr val="DCDCAA"/>
+                </a:solidFill>
+                <a:effectLst/>
+                <a:latin typeface="Consolas" panose="020B0609020204030204" pitchFamily="49" charset="0"/>
+              </a:rPr>
+              <a:t>operator=</a:t>
+            </a:r>
+            <a:r>
+              <a:rPr lang="en-US" altLang="zh-CN" b="0" dirty="0">
+                <a:solidFill>
+                  <a:srgbClr val="D4D4D4"/>
+                </a:solidFill>
+                <a:effectLst/>
+                <a:latin typeface="Consolas" panose="020B0609020204030204" pitchFamily="49" charset="0"/>
+              </a:rPr>
+              <a:t>(</a:t>
+            </a:r>
+            <a:r>
+              <a:rPr lang="en-US" altLang="zh-CN" b="0" dirty="0">
+                <a:solidFill>
+                  <a:srgbClr val="569CD6"/>
+                </a:solidFill>
+                <a:effectLst/>
+                <a:latin typeface="Consolas" panose="020B0609020204030204" pitchFamily="49" charset="0"/>
+              </a:rPr>
+              <a:t>const</a:t>
+            </a:r>
+            <a:r>
+              <a:rPr lang="en-US" altLang="zh-CN" b="0" dirty="0">
+                <a:solidFill>
+                  <a:srgbClr val="D4D4D4"/>
+                </a:solidFill>
+                <a:effectLst/>
+                <a:latin typeface="Consolas" panose="020B0609020204030204" pitchFamily="49" charset="0"/>
+              </a:rPr>
+              <a:t> </a:t>
+            </a:r>
+            <a:r>
+              <a:rPr lang="en-US" altLang="zh-CN" b="0" dirty="0" err="1">
+                <a:solidFill>
+                  <a:srgbClr val="4EC9B0"/>
+                </a:solidFill>
+                <a:effectLst/>
+                <a:latin typeface="Consolas" panose="020B0609020204030204" pitchFamily="49" charset="0"/>
+              </a:rPr>
+              <a:t>HomeForSale</a:t>
+            </a:r>
+            <a:r>
+              <a:rPr lang="en-US" altLang="zh-CN" b="0" dirty="0">
+                <a:solidFill>
+                  <a:srgbClr val="569CD6"/>
+                </a:solidFill>
+                <a:effectLst/>
+                <a:latin typeface="Consolas" panose="020B0609020204030204" pitchFamily="49" charset="0"/>
+              </a:rPr>
+              <a:t>&amp;</a:t>
+            </a:r>
+            <a:r>
+              <a:rPr lang="en-US" altLang="zh-CN" b="0" dirty="0">
+                <a:solidFill>
+                  <a:srgbClr val="D4D4D4"/>
+                </a:solidFill>
+                <a:effectLst/>
+                <a:latin typeface="Consolas" panose="020B0609020204030204" pitchFamily="49" charset="0"/>
+              </a:rPr>
+              <a:t>);</a:t>
+            </a:r>
+          </a:p>
+          <a:p>
+            <a:r>
+              <a:rPr lang="en-US" altLang="zh-CN" b="0" dirty="0">
+                <a:solidFill>
+                  <a:srgbClr val="D4D4D4"/>
+                </a:solidFill>
+                <a:effectLst/>
+                <a:latin typeface="Consolas" panose="020B0609020204030204" pitchFamily="49" charset="0"/>
+              </a:rPr>
+              <a:t>};</a:t>
+            </a:r>
+          </a:p>
+        </p:txBody>
+      </p:sp>
+    </p:spTree>
+    <p:extLst>
+      <p:ext uri="{BB962C8B-B14F-4D97-AF65-F5344CB8AC3E}">
+        <p14:creationId xmlns:p14="http://schemas.microsoft.com/office/powerpoint/2010/main" val="1694252994"/>
+      </p:ext>
+    </p:extLst>
+  </p:cSld>
+  <p:clrMapOvr>
+    <a:masterClrMapping/>
+  </p:clrMapOvr>
+</p:sld>
+</file>
+
+<file path=ppt/slides/slide24.xml><?xml version="1.0" encoding="utf-8"?>
+<p:sld xmlns:a="http://schemas.openxmlformats.org/drawingml/2006/main" xmlns:r="http://schemas.openxmlformats.org/officeDocument/2006/relationships" xmlns:p="http://schemas.openxmlformats.org/presentationml/2006/main">
+  <p:cSld>
+    <p:spTree>
+      <p:nvGrpSpPr>
+        <p:cNvPr id="1" name=""/>
+        <p:cNvGrpSpPr/>
+        <p:nvPr/>
+      </p:nvGrpSpPr>
+      <p:grpSpPr>
+        <a:xfrm>
+          <a:off x="0" y="0"/>
+          <a:ext cx="0" cy="0"/>
+          <a:chOff x="0" y="0"/>
+          <a:chExt cx="0" cy="0"/>
+        </a:xfrm>
+      </p:grpSpPr>
+      <p:sp>
+        <p:nvSpPr>
+          <p:cNvPr id="2" name="标题 1">
+            <a:extLst>
+              <a:ext uri="{FF2B5EF4-FFF2-40B4-BE49-F238E27FC236}">
+                <a16:creationId xmlns:a16="http://schemas.microsoft.com/office/drawing/2014/main" id="{72CE97F8-452E-4C38-9E14-93C10A09FDB0}"/>
+              </a:ext>
+            </a:extLst>
+          </p:cNvPr>
+          <p:cNvSpPr>
+            <a:spLocks noGrp="1"/>
+          </p:cNvSpPr>
+          <p:nvPr>
+            <p:ph type="title"/>
+          </p:nvPr>
+        </p:nvSpPr>
+        <p:spPr/>
+        <p:txBody>
+          <a:bodyPr/>
+          <a:lstStyle/>
+          <a:p>
+            <a:r>
+              <a:rPr lang="zh-CN" altLang="en-US" dirty="0"/>
+              <a:t>将链接期错误移至编译期</a:t>
+            </a:r>
+          </a:p>
+        </p:txBody>
+      </p:sp>
+      <p:sp>
+        <p:nvSpPr>
+          <p:cNvPr id="3" name="内容占位符 2">
+            <a:extLst>
+              <a:ext uri="{FF2B5EF4-FFF2-40B4-BE49-F238E27FC236}">
+                <a16:creationId xmlns:a16="http://schemas.microsoft.com/office/drawing/2014/main" id="{8F550F06-D135-4F57-BA4D-A4ED2572EBB1}"/>
+              </a:ext>
+            </a:extLst>
+          </p:cNvPr>
+          <p:cNvSpPr>
+            <a:spLocks noGrp="1"/>
+          </p:cNvSpPr>
+          <p:nvPr>
+            <p:ph idx="1"/>
+          </p:nvPr>
+        </p:nvSpPr>
+        <p:spPr>
+          <a:xfrm>
+            <a:off x="838200" y="1825624"/>
+            <a:ext cx="10515600" cy="5032375"/>
+          </a:xfrm>
+        </p:spPr>
+        <p:txBody>
+          <a:bodyPr>
+            <a:normAutofit fontScale="92500" lnSpcReduction="10000"/>
+          </a:bodyPr>
+          <a:lstStyle/>
+          <a:p>
+            <a:pPr marL="514350" indent="-514350">
+              <a:buFont typeface="+mj-lt"/>
+              <a:buAutoNum type="arabicPeriod"/>
+            </a:pPr>
+            <a:r>
+              <a:rPr lang="en-US" altLang="zh-CN" dirty="0"/>
+              <a:t>base class</a:t>
+            </a:r>
+          </a:p>
+          <a:p>
+            <a:endParaRPr lang="en-US" altLang="zh-CN" dirty="0"/>
+          </a:p>
+          <a:p>
+            <a:endParaRPr lang="en-US" altLang="zh-CN" dirty="0"/>
+          </a:p>
+          <a:p>
+            <a:endParaRPr lang="en-US" altLang="zh-CN" dirty="0"/>
+          </a:p>
+          <a:p>
+            <a:endParaRPr lang="en-US" altLang="zh-CN" dirty="0"/>
+          </a:p>
+          <a:p>
+            <a:endParaRPr lang="en-US" altLang="zh-CN" dirty="0"/>
+          </a:p>
+          <a:p>
+            <a:endParaRPr lang="en-US" altLang="zh-CN" dirty="0"/>
+          </a:p>
+          <a:p>
+            <a:endParaRPr lang="en-US" altLang="zh-CN" dirty="0"/>
+          </a:p>
+          <a:p>
+            <a:endParaRPr lang="en-US" altLang="zh-CN" dirty="0"/>
+          </a:p>
+          <a:p>
+            <a:endParaRPr lang="en-US" altLang="zh-CN" dirty="0"/>
+          </a:p>
+          <a:p>
+            <a:r>
+              <a:rPr lang="zh-CN" altLang="en-US" dirty="0"/>
+              <a:t>多重继承的情况下会阻止 </a:t>
+            </a:r>
+            <a:r>
+              <a:rPr lang="en-US" altLang="zh-CN" dirty="0"/>
+              <a:t>empty base class optimization</a:t>
+            </a:r>
+          </a:p>
+        </p:txBody>
+      </p:sp>
+      <p:sp>
+        <p:nvSpPr>
+          <p:cNvPr id="4" name="文本框 3">
+            <a:extLst>
+              <a:ext uri="{FF2B5EF4-FFF2-40B4-BE49-F238E27FC236}">
+                <a16:creationId xmlns:a16="http://schemas.microsoft.com/office/drawing/2014/main" id="{05F9A758-6A79-4D4B-838E-80F7EEAAB0CE}"/>
+              </a:ext>
+            </a:extLst>
+          </p:cNvPr>
+          <p:cNvSpPr txBox="1"/>
+          <p:nvPr/>
+        </p:nvSpPr>
+        <p:spPr>
+          <a:xfrm>
+            <a:off x="2048257" y="2483644"/>
+            <a:ext cx="8095486" cy="3693319"/>
+          </a:xfrm>
+          <a:prstGeom prst="rect">
+            <a:avLst/>
+          </a:prstGeom>
+          <a:solidFill>
+            <a:schemeClr val="tx1"/>
+          </a:solidFill>
+        </p:spPr>
+        <p:txBody>
+          <a:bodyPr wrap="none" rtlCol="0">
+            <a:spAutoFit/>
+          </a:bodyPr>
+          <a:lstStyle/>
+          <a:p>
+            <a:r>
+              <a:rPr lang="en-US" altLang="zh-CN" b="0" dirty="0">
+                <a:solidFill>
+                  <a:srgbClr val="569CD6"/>
+                </a:solidFill>
+                <a:effectLst/>
+                <a:latin typeface="Consolas" panose="020B0609020204030204" pitchFamily="49" charset="0"/>
+              </a:rPr>
+              <a:t>class</a:t>
+            </a:r>
+            <a:r>
+              <a:rPr lang="en-US" altLang="zh-CN" b="0" dirty="0">
+                <a:solidFill>
+                  <a:srgbClr val="D4D4D4"/>
+                </a:solidFill>
+                <a:effectLst/>
+                <a:latin typeface="Consolas" panose="020B0609020204030204" pitchFamily="49" charset="0"/>
+              </a:rPr>
+              <a:t> </a:t>
+            </a:r>
+            <a:r>
+              <a:rPr lang="en-US" altLang="zh-CN" b="0" dirty="0" err="1">
+                <a:solidFill>
+                  <a:srgbClr val="4EC9B0"/>
+                </a:solidFill>
+                <a:effectLst/>
+                <a:latin typeface="Consolas" panose="020B0609020204030204" pitchFamily="49" charset="0"/>
+              </a:rPr>
+              <a:t>Uncopyable</a:t>
+            </a:r>
+            <a:r>
+              <a:rPr lang="en-US" altLang="zh-CN" b="0" dirty="0">
+                <a:solidFill>
+                  <a:srgbClr val="D4D4D4"/>
+                </a:solidFill>
+                <a:effectLst/>
+                <a:latin typeface="Consolas" panose="020B0609020204030204" pitchFamily="49" charset="0"/>
+              </a:rPr>
+              <a:t> {</a:t>
+            </a:r>
+          </a:p>
+          <a:p>
+            <a:r>
+              <a:rPr lang="en-US" altLang="zh-CN" b="0" dirty="0">
+                <a:solidFill>
+                  <a:srgbClr val="D4D4D4"/>
+                </a:solidFill>
+                <a:effectLst/>
+                <a:latin typeface="Consolas" panose="020B0609020204030204" pitchFamily="49" charset="0"/>
+              </a:rPr>
+              <a:t>   </a:t>
+            </a:r>
+            <a:r>
+              <a:rPr lang="en-US" altLang="zh-CN" b="0" dirty="0">
+                <a:solidFill>
+                  <a:srgbClr val="569CD6"/>
+                </a:solidFill>
+                <a:effectLst/>
+                <a:latin typeface="Consolas" panose="020B0609020204030204" pitchFamily="49" charset="0"/>
+              </a:rPr>
+              <a:t>protected:</a:t>
+            </a:r>
+            <a:endParaRPr lang="en-US" altLang="zh-CN" b="0" dirty="0">
+              <a:solidFill>
+                <a:srgbClr val="D4D4D4"/>
+              </a:solidFill>
+              <a:effectLst/>
+              <a:latin typeface="Consolas" panose="020B0609020204030204" pitchFamily="49" charset="0"/>
+            </a:endParaRPr>
+          </a:p>
+          <a:p>
+            <a:r>
+              <a:rPr lang="en-US" altLang="zh-CN" b="0" dirty="0">
+                <a:solidFill>
+                  <a:srgbClr val="D4D4D4"/>
+                </a:solidFill>
+                <a:effectLst/>
+                <a:latin typeface="Consolas" panose="020B0609020204030204" pitchFamily="49" charset="0"/>
+              </a:rPr>
+              <a:t>    </a:t>
+            </a:r>
+            <a:r>
+              <a:rPr lang="en-US" altLang="zh-CN" b="0" dirty="0" err="1">
+                <a:solidFill>
+                  <a:srgbClr val="DCDCAA"/>
+                </a:solidFill>
+                <a:effectLst/>
+                <a:latin typeface="Consolas" panose="020B0609020204030204" pitchFamily="49" charset="0"/>
+              </a:rPr>
+              <a:t>Uncopyable</a:t>
+            </a:r>
+            <a:r>
+              <a:rPr lang="en-US" altLang="zh-CN" b="0" dirty="0">
+                <a:solidFill>
+                  <a:srgbClr val="D4D4D4"/>
+                </a:solidFill>
+                <a:effectLst/>
+                <a:latin typeface="Consolas" panose="020B0609020204030204" pitchFamily="49" charset="0"/>
+              </a:rPr>
+              <a:t>() {}</a:t>
+            </a:r>
+            <a:r>
+              <a:rPr lang="en-US" altLang="zh-CN" b="0" dirty="0">
+                <a:solidFill>
+                  <a:srgbClr val="6A9955"/>
+                </a:solidFill>
+                <a:effectLst/>
+                <a:latin typeface="Consolas" panose="020B0609020204030204" pitchFamily="49" charset="0"/>
+              </a:rPr>
+              <a:t>  // </a:t>
+            </a:r>
+            <a:r>
+              <a:rPr lang="zh-CN" altLang="en-US" b="0" dirty="0">
+                <a:solidFill>
+                  <a:srgbClr val="6A9955"/>
+                </a:solidFill>
+                <a:effectLst/>
+                <a:latin typeface="Consolas" panose="020B0609020204030204" pitchFamily="49" charset="0"/>
+              </a:rPr>
+              <a:t>允许</a:t>
+            </a:r>
+            <a:r>
+              <a:rPr lang="en-US" altLang="zh-CN" b="0" dirty="0">
+                <a:solidFill>
+                  <a:srgbClr val="6A9955"/>
+                </a:solidFill>
+                <a:effectLst/>
+                <a:latin typeface="Consolas" panose="020B0609020204030204" pitchFamily="49" charset="0"/>
+              </a:rPr>
+              <a:t>derive</a:t>
+            </a:r>
+            <a:r>
+              <a:rPr lang="zh-CN" altLang="en-US" b="0" dirty="0">
+                <a:solidFill>
+                  <a:srgbClr val="6A9955"/>
+                </a:solidFill>
+                <a:effectLst/>
+                <a:latin typeface="Consolas" panose="020B0609020204030204" pitchFamily="49" charset="0"/>
+              </a:rPr>
+              <a:t>对象构造和析构</a:t>
+            </a:r>
+            <a:endParaRPr lang="zh-CN" altLang="en-US" b="0" dirty="0">
+              <a:solidFill>
+                <a:srgbClr val="D4D4D4"/>
+              </a:solidFill>
+              <a:effectLst/>
+              <a:latin typeface="Consolas" panose="020B0609020204030204" pitchFamily="49" charset="0"/>
+            </a:endParaRPr>
+          </a:p>
+          <a:p>
+            <a:r>
+              <a:rPr lang="zh-CN" altLang="en-US" b="0" dirty="0">
+                <a:solidFill>
+                  <a:srgbClr val="D4D4D4"/>
+                </a:solidFill>
+                <a:effectLst/>
+                <a:latin typeface="Consolas" panose="020B0609020204030204" pitchFamily="49" charset="0"/>
+              </a:rPr>
+              <a:t>    </a:t>
+            </a:r>
+            <a:r>
+              <a:rPr lang="en-US" altLang="zh-CN" b="0" dirty="0">
+                <a:solidFill>
+                  <a:srgbClr val="DCDCAA"/>
+                </a:solidFill>
+                <a:effectLst/>
+                <a:latin typeface="Consolas" panose="020B0609020204030204" pitchFamily="49" charset="0"/>
+              </a:rPr>
+              <a:t>~</a:t>
+            </a:r>
+            <a:r>
+              <a:rPr lang="en-US" altLang="zh-CN" b="0" dirty="0" err="1">
+                <a:solidFill>
+                  <a:srgbClr val="DCDCAA"/>
+                </a:solidFill>
+                <a:effectLst/>
+                <a:latin typeface="Consolas" panose="020B0609020204030204" pitchFamily="49" charset="0"/>
+              </a:rPr>
+              <a:t>Uncopyable</a:t>
+            </a:r>
+            <a:r>
+              <a:rPr lang="en-US" altLang="zh-CN" b="0" dirty="0">
+                <a:solidFill>
+                  <a:srgbClr val="D4D4D4"/>
+                </a:solidFill>
+                <a:effectLst/>
+                <a:latin typeface="Consolas" panose="020B0609020204030204" pitchFamily="49" charset="0"/>
+              </a:rPr>
+              <a:t>() {}</a:t>
+            </a:r>
+          </a:p>
+          <a:p>
+            <a:br>
+              <a:rPr lang="en-US" altLang="zh-CN" b="0" dirty="0">
+                <a:solidFill>
+                  <a:srgbClr val="D4D4D4"/>
+                </a:solidFill>
+                <a:effectLst/>
+                <a:latin typeface="Consolas" panose="020B0609020204030204" pitchFamily="49" charset="0"/>
+              </a:rPr>
+            </a:br>
+            <a:r>
+              <a:rPr lang="en-US" altLang="zh-CN" b="0" dirty="0">
+                <a:solidFill>
+                  <a:srgbClr val="D4D4D4"/>
+                </a:solidFill>
+                <a:effectLst/>
+                <a:latin typeface="Consolas" panose="020B0609020204030204" pitchFamily="49" charset="0"/>
+              </a:rPr>
+              <a:t>   </a:t>
+            </a:r>
+            <a:r>
+              <a:rPr lang="en-US" altLang="zh-CN" b="0" dirty="0">
+                <a:solidFill>
+                  <a:srgbClr val="569CD6"/>
+                </a:solidFill>
+                <a:effectLst/>
+                <a:latin typeface="Consolas" panose="020B0609020204030204" pitchFamily="49" charset="0"/>
+              </a:rPr>
+              <a:t>private:</a:t>
+            </a:r>
+            <a:endParaRPr lang="en-US" altLang="zh-CN" b="0" dirty="0">
+              <a:solidFill>
+                <a:srgbClr val="D4D4D4"/>
+              </a:solidFill>
+              <a:effectLst/>
+              <a:latin typeface="Consolas" panose="020B0609020204030204" pitchFamily="49" charset="0"/>
+            </a:endParaRPr>
+          </a:p>
+          <a:p>
+            <a:r>
+              <a:rPr lang="en-US" altLang="zh-CN" b="0" dirty="0">
+                <a:solidFill>
+                  <a:srgbClr val="D4D4D4"/>
+                </a:solidFill>
+                <a:effectLst/>
+                <a:latin typeface="Consolas" panose="020B0609020204030204" pitchFamily="49" charset="0"/>
+              </a:rPr>
+              <a:t>    </a:t>
+            </a:r>
+            <a:r>
+              <a:rPr lang="en-US" altLang="zh-CN" b="0" dirty="0" err="1">
+                <a:solidFill>
+                  <a:srgbClr val="DCDCAA"/>
+                </a:solidFill>
+                <a:effectLst/>
+                <a:latin typeface="Consolas" panose="020B0609020204030204" pitchFamily="49" charset="0"/>
+              </a:rPr>
+              <a:t>Uncopyable</a:t>
+            </a:r>
+            <a:r>
+              <a:rPr lang="en-US" altLang="zh-CN" b="0" dirty="0">
+                <a:solidFill>
+                  <a:srgbClr val="D4D4D4"/>
+                </a:solidFill>
+                <a:effectLst/>
+                <a:latin typeface="Consolas" panose="020B0609020204030204" pitchFamily="49" charset="0"/>
+              </a:rPr>
+              <a:t>(</a:t>
+            </a:r>
+            <a:r>
+              <a:rPr lang="en-US" altLang="zh-CN" b="0" dirty="0">
+                <a:solidFill>
+                  <a:srgbClr val="569CD6"/>
+                </a:solidFill>
+                <a:effectLst/>
+                <a:latin typeface="Consolas" panose="020B0609020204030204" pitchFamily="49" charset="0"/>
+              </a:rPr>
+              <a:t>const</a:t>
+            </a:r>
+            <a:r>
+              <a:rPr lang="en-US" altLang="zh-CN" b="0" dirty="0">
+                <a:solidFill>
+                  <a:srgbClr val="D4D4D4"/>
+                </a:solidFill>
+                <a:effectLst/>
+                <a:latin typeface="Consolas" panose="020B0609020204030204" pitchFamily="49" charset="0"/>
+              </a:rPr>
+              <a:t> </a:t>
+            </a:r>
+            <a:r>
+              <a:rPr lang="en-US" altLang="zh-CN" b="0" dirty="0" err="1">
+                <a:solidFill>
+                  <a:srgbClr val="4EC9B0"/>
+                </a:solidFill>
+                <a:effectLst/>
+                <a:latin typeface="Consolas" panose="020B0609020204030204" pitchFamily="49" charset="0"/>
+              </a:rPr>
+              <a:t>Uncopyable</a:t>
+            </a:r>
+            <a:r>
+              <a:rPr lang="en-US" altLang="zh-CN" b="0" dirty="0">
+                <a:solidFill>
+                  <a:srgbClr val="569CD6"/>
+                </a:solidFill>
+                <a:effectLst/>
+                <a:latin typeface="Consolas" panose="020B0609020204030204" pitchFamily="49" charset="0"/>
+              </a:rPr>
+              <a:t>&amp;</a:t>
+            </a:r>
+            <a:r>
+              <a:rPr lang="en-US" altLang="zh-CN" b="0" dirty="0">
+                <a:solidFill>
+                  <a:srgbClr val="D4D4D4"/>
+                </a:solidFill>
+                <a:effectLst/>
+                <a:latin typeface="Consolas" panose="020B0609020204030204" pitchFamily="49" charset="0"/>
+              </a:rPr>
+              <a:t>);</a:t>
+            </a:r>
+          </a:p>
+          <a:p>
+            <a:r>
+              <a:rPr lang="en-US" altLang="zh-CN" b="0" dirty="0">
+                <a:solidFill>
+                  <a:srgbClr val="D4D4D4"/>
+                </a:solidFill>
+                <a:effectLst/>
+                <a:latin typeface="Consolas" panose="020B0609020204030204" pitchFamily="49" charset="0"/>
+              </a:rPr>
+              <a:t>    </a:t>
+            </a:r>
+            <a:r>
+              <a:rPr lang="en-US" altLang="zh-CN" b="0" dirty="0" err="1">
+                <a:solidFill>
+                  <a:srgbClr val="4EC9B0"/>
+                </a:solidFill>
+                <a:effectLst/>
+                <a:latin typeface="Consolas" panose="020B0609020204030204" pitchFamily="49" charset="0"/>
+              </a:rPr>
+              <a:t>Uncopyable</a:t>
+            </a:r>
+            <a:r>
+              <a:rPr lang="en-US" altLang="zh-CN" b="0" dirty="0">
+                <a:solidFill>
+                  <a:srgbClr val="569CD6"/>
+                </a:solidFill>
+                <a:effectLst/>
+                <a:latin typeface="Consolas" panose="020B0609020204030204" pitchFamily="49" charset="0"/>
+              </a:rPr>
+              <a:t>&amp;</a:t>
+            </a:r>
+            <a:r>
+              <a:rPr lang="en-US" altLang="zh-CN" b="0" dirty="0">
+                <a:solidFill>
+                  <a:srgbClr val="D4D4D4"/>
+                </a:solidFill>
+                <a:effectLst/>
+                <a:latin typeface="Consolas" panose="020B0609020204030204" pitchFamily="49" charset="0"/>
+              </a:rPr>
+              <a:t> </a:t>
+            </a:r>
+            <a:r>
+              <a:rPr lang="en-US" altLang="zh-CN" b="0" dirty="0">
+                <a:solidFill>
+                  <a:srgbClr val="DCDCAA"/>
+                </a:solidFill>
+                <a:effectLst/>
+                <a:latin typeface="Consolas" panose="020B0609020204030204" pitchFamily="49" charset="0"/>
+              </a:rPr>
+              <a:t>operator=</a:t>
+            </a:r>
+            <a:r>
+              <a:rPr lang="en-US" altLang="zh-CN" b="0" dirty="0">
+                <a:solidFill>
+                  <a:srgbClr val="D4D4D4"/>
+                </a:solidFill>
+                <a:effectLst/>
+                <a:latin typeface="Consolas" panose="020B0609020204030204" pitchFamily="49" charset="0"/>
+              </a:rPr>
+              <a:t>(</a:t>
+            </a:r>
+            <a:r>
+              <a:rPr lang="en-US" altLang="zh-CN" b="0" dirty="0">
+                <a:solidFill>
+                  <a:srgbClr val="569CD6"/>
+                </a:solidFill>
+                <a:effectLst/>
+                <a:latin typeface="Consolas" panose="020B0609020204030204" pitchFamily="49" charset="0"/>
+              </a:rPr>
+              <a:t>const</a:t>
+            </a:r>
+            <a:r>
+              <a:rPr lang="en-US" altLang="zh-CN" b="0" dirty="0">
+                <a:solidFill>
+                  <a:srgbClr val="D4D4D4"/>
+                </a:solidFill>
+                <a:effectLst/>
+                <a:latin typeface="Consolas" panose="020B0609020204030204" pitchFamily="49" charset="0"/>
+              </a:rPr>
+              <a:t> </a:t>
+            </a:r>
+            <a:r>
+              <a:rPr lang="en-US" altLang="zh-CN" b="0" dirty="0" err="1">
+                <a:solidFill>
+                  <a:srgbClr val="4EC9B0"/>
+                </a:solidFill>
+                <a:effectLst/>
+                <a:latin typeface="Consolas" panose="020B0609020204030204" pitchFamily="49" charset="0"/>
+              </a:rPr>
+              <a:t>Uncopyable</a:t>
+            </a:r>
+            <a:r>
+              <a:rPr lang="en-US" altLang="zh-CN" b="0" dirty="0">
+                <a:solidFill>
+                  <a:srgbClr val="569CD6"/>
+                </a:solidFill>
+                <a:effectLst/>
+                <a:latin typeface="Consolas" panose="020B0609020204030204" pitchFamily="49" charset="0"/>
+              </a:rPr>
+              <a:t>&amp;</a:t>
+            </a:r>
+            <a:r>
+              <a:rPr lang="en-US" altLang="zh-CN" b="0" dirty="0">
+                <a:solidFill>
+                  <a:srgbClr val="D4D4D4"/>
+                </a:solidFill>
+                <a:effectLst/>
+                <a:latin typeface="Consolas" panose="020B0609020204030204" pitchFamily="49" charset="0"/>
+              </a:rPr>
+              <a:t>);</a:t>
+            </a:r>
+            <a:r>
+              <a:rPr lang="en-US" altLang="zh-CN" b="0" dirty="0">
+                <a:solidFill>
+                  <a:srgbClr val="6A9955"/>
+                </a:solidFill>
+                <a:effectLst/>
+                <a:latin typeface="Consolas" panose="020B0609020204030204" pitchFamily="49" charset="0"/>
+              </a:rPr>
+              <a:t>  // </a:t>
+            </a:r>
+            <a:r>
+              <a:rPr lang="zh-CN" altLang="en-US" b="0" dirty="0">
+                <a:solidFill>
+                  <a:srgbClr val="6A9955"/>
+                </a:solidFill>
+                <a:effectLst/>
+                <a:latin typeface="Consolas" panose="020B0609020204030204" pitchFamily="49" charset="0"/>
+              </a:rPr>
+              <a:t>但阻止</a:t>
+            </a:r>
+            <a:r>
+              <a:rPr lang="en-US" altLang="zh-CN" b="0" dirty="0">
+                <a:solidFill>
+                  <a:srgbClr val="6A9955"/>
+                </a:solidFill>
+                <a:effectLst/>
+                <a:latin typeface="Consolas" panose="020B0609020204030204" pitchFamily="49" charset="0"/>
+              </a:rPr>
+              <a:t>copying</a:t>
+            </a:r>
+            <a:endParaRPr lang="en-US" altLang="zh-CN" b="0" dirty="0">
+              <a:solidFill>
+                <a:srgbClr val="D4D4D4"/>
+              </a:solidFill>
+              <a:effectLst/>
+              <a:latin typeface="Consolas" panose="020B0609020204030204" pitchFamily="49" charset="0"/>
+            </a:endParaRPr>
+          </a:p>
+          <a:p>
+            <a:r>
+              <a:rPr lang="en-US" altLang="zh-CN" b="0" dirty="0">
+                <a:solidFill>
+                  <a:srgbClr val="D4D4D4"/>
+                </a:solidFill>
+                <a:effectLst/>
+                <a:latin typeface="Consolas" panose="020B0609020204030204" pitchFamily="49" charset="0"/>
+              </a:rPr>
+              <a:t>};</a:t>
+            </a:r>
+          </a:p>
+          <a:p>
+            <a:endParaRPr lang="en-US" altLang="zh-CN" dirty="0">
+              <a:solidFill>
+                <a:srgbClr val="D4D4D4"/>
+              </a:solidFill>
+              <a:latin typeface="Consolas" panose="020B0609020204030204" pitchFamily="49" charset="0"/>
+            </a:endParaRPr>
+          </a:p>
+          <a:p>
+            <a:r>
+              <a:rPr lang="en-US" altLang="zh-CN" b="0" dirty="0">
+                <a:solidFill>
+                  <a:srgbClr val="569CD6"/>
+                </a:solidFill>
+                <a:effectLst/>
+                <a:latin typeface="Consolas" panose="020B0609020204030204" pitchFamily="49" charset="0"/>
+              </a:rPr>
+              <a:t>class</a:t>
+            </a:r>
+            <a:r>
+              <a:rPr lang="en-US" altLang="zh-CN" b="0" dirty="0">
+                <a:solidFill>
+                  <a:srgbClr val="D4D4D4"/>
+                </a:solidFill>
+                <a:effectLst/>
+                <a:latin typeface="Consolas" panose="020B0609020204030204" pitchFamily="49" charset="0"/>
+              </a:rPr>
+              <a:t> </a:t>
+            </a:r>
+            <a:r>
+              <a:rPr lang="en-US" altLang="zh-CN" b="0" dirty="0" err="1">
+                <a:solidFill>
+                  <a:srgbClr val="4EC9B0"/>
+                </a:solidFill>
+                <a:effectLst/>
+                <a:latin typeface="Consolas" panose="020B0609020204030204" pitchFamily="49" charset="0"/>
+              </a:rPr>
+              <a:t>HomeForSale</a:t>
+            </a:r>
+            <a:r>
+              <a:rPr lang="en-US" altLang="zh-CN" b="0" dirty="0">
+                <a:solidFill>
+                  <a:srgbClr val="D4D4D4"/>
+                </a:solidFill>
+                <a:effectLst/>
+                <a:latin typeface="Consolas" panose="020B0609020204030204" pitchFamily="49" charset="0"/>
+              </a:rPr>
+              <a:t> : </a:t>
+            </a:r>
+            <a:r>
+              <a:rPr lang="en-US" altLang="zh-CN" b="0" dirty="0">
+                <a:solidFill>
+                  <a:srgbClr val="569CD6"/>
+                </a:solidFill>
+                <a:effectLst/>
+                <a:latin typeface="Consolas" panose="020B0609020204030204" pitchFamily="49" charset="0"/>
+              </a:rPr>
+              <a:t>private</a:t>
+            </a:r>
+            <a:r>
+              <a:rPr lang="en-US" altLang="zh-CN" b="0" dirty="0">
+                <a:solidFill>
+                  <a:srgbClr val="D4D4D4"/>
+                </a:solidFill>
+                <a:effectLst/>
+                <a:latin typeface="Consolas" panose="020B0609020204030204" pitchFamily="49" charset="0"/>
+              </a:rPr>
+              <a:t> </a:t>
+            </a:r>
+            <a:r>
+              <a:rPr lang="en-US" altLang="zh-CN" b="0" dirty="0" err="1">
+                <a:solidFill>
+                  <a:srgbClr val="4EC9B0"/>
+                </a:solidFill>
+                <a:effectLst/>
+                <a:latin typeface="Consolas" panose="020B0609020204030204" pitchFamily="49" charset="0"/>
+              </a:rPr>
+              <a:t>Uncopyable</a:t>
+            </a:r>
+            <a:r>
+              <a:rPr lang="en-US" altLang="zh-CN" b="0" dirty="0">
+                <a:solidFill>
+                  <a:srgbClr val="D4D4D4"/>
+                </a:solidFill>
+                <a:effectLst/>
+                <a:latin typeface="Consolas" panose="020B0609020204030204" pitchFamily="49" charset="0"/>
+              </a:rPr>
+              <a:t> {</a:t>
+            </a:r>
+          </a:p>
+          <a:p>
+            <a:r>
+              <a:rPr lang="en-US" altLang="zh-CN" b="0" dirty="0">
+                <a:solidFill>
+                  <a:srgbClr val="D4D4D4"/>
+                </a:solidFill>
+                <a:effectLst/>
+                <a:latin typeface="Consolas" panose="020B0609020204030204" pitchFamily="49" charset="0"/>
+              </a:rPr>
+              <a:t>    ...</a:t>
+            </a:r>
+          </a:p>
+          <a:p>
+            <a:r>
+              <a:rPr lang="en-US" altLang="zh-CN" b="0" dirty="0">
+                <a:solidFill>
+                  <a:srgbClr val="D4D4D4"/>
+                </a:solidFill>
+                <a:effectLst/>
+                <a:latin typeface="Consolas" panose="020B0609020204030204" pitchFamily="49" charset="0"/>
+              </a:rPr>
+              <a:t>};</a:t>
+            </a:r>
+          </a:p>
+        </p:txBody>
+      </p:sp>
+    </p:spTree>
+    <p:extLst>
+      <p:ext uri="{BB962C8B-B14F-4D97-AF65-F5344CB8AC3E}">
+        <p14:creationId xmlns:p14="http://schemas.microsoft.com/office/powerpoint/2010/main" val="4140083670"/>
+      </p:ext>
+    </p:extLst>
+  </p:cSld>
+  <p:clrMapOvr>
+    <a:masterClrMapping/>
+  </p:clrMapOvr>
+</p:sld>
+</file>
+
+<file path=ppt/slides/slide25.xml><?xml version="1.0" encoding="utf-8"?>
+<p:sld xmlns:a="http://schemas.openxmlformats.org/drawingml/2006/main" xmlns:r="http://schemas.openxmlformats.org/officeDocument/2006/relationships" xmlns:p="http://schemas.openxmlformats.org/presentationml/2006/main">
+  <p:cSld>
+    <p:spTree>
+      <p:nvGrpSpPr>
+        <p:cNvPr id="1" name=""/>
+        <p:cNvGrpSpPr/>
+        <p:nvPr/>
+      </p:nvGrpSpPr>
+      <p:grpSpPr>
+        <a:xfrm>
+          <a:off x="0" y="0"/>
+          <a:ext cx="0" cy="0"/>
+          <a:chOff x="0" y="0"/>
+          <a:chExt cx="0" cy="0"/>
+        </a:xfrm>
+      </p:grpSpPr>
+      <p:sp>
+        <p:nvSpPr>
+          <p:cNvPr id="3" name="内容占位符 2">
+            <a:extLst>
+              <a:ext uri="{FF2B5EF4-FFF2-40B4-BE49-F238E27FC236}">
+                <a16:creationId xmlns:a16="http://schemas.microsoft.com/office/drawing/2014/main" id="{ADB9843D-E18C-49FC-89FE-AB9E7A89EF39}"/>
+              </a:ext>
+            </a:extLst>
+          </p:cNvPr>
+          <p:cNvSpPr>
+            <a:spLocks noGrp="1"/>
+          </p:cNvSpPr>
+          <p:nvPr>
+            <p:ph idx="1"/>
+          </p:nvPr>
+        </p:nvSpPr>
+        <p:spPr/>
+        <p:txBody>
+          <a:bodyPr/>
+          <a:lstStyle/>
+          <a:p>
+            <a:pPr marL="0" indent="0">
+              <a:buNone/>
+            </a:pPr>
+            <a:r>
+              <a:rPr lang="en-US" altLang="zh-CN" dirty="0"/>
+              <a:t>2. </a:t>
+            </a:r>
+            <a:r>
+              <a:rPr lang="en-US" altLang="zh-CN" dirty="0" err="1"/>
+              <a:t>noncopyable</a:t>
+            </a:r>
+            <a:r>
+              <a:rPr lang="en-US" altLang="zh-CN" dirty="0"/>
+              <a:t> </a:t>
+            </a:r>
+            <a:endParaRPr lang="zh-CN" altLang="en-US" dirty="0"/>
+          </a:p>
+        </p:txBody>
+      </p:sp>
+      <p:sp>
+        <p:nvSpPr>
+          <p:cNvPr id="4" name="标题 1">
+            <a:extLst>
+              <a:ext uri="{FF2B5EF4-FFF2-40B4-BE49-F238E27FC236}">
+                <a16:creationId xmlns:a16="http://schemas.microsoft.com/office/drawing/2014/main" id="{C2D29589-3852-434B-B5F1-BC6AD0605372}"/>
+              </a:ext>
+            </a:extLst>
+          </p:cNvPr>
+          <p:cNvSpPr>
+            <a:spLocks noGrp="1"/>
+          </p:cNvSpPr>
+          <p:nvPr>
+            <p:ph type="title"/>
+          </p:nvPr>
+        </p:nvSpPr>
+        <p:spPr>
+          <a:xfrm>
+            <a:off x="838200" y="365125"/>
+            <a:ext cx="10515600" cy="1325563"/>
+          </a:xfrm>
+        </p:spPr>
+        <p:txBody>
+          <a:bodyPr/>
+          <a:lstStyle/>
+          <a:p>
+            <a:r>
+              <a:rPr lang="zh-CN" altLang="en-US" dirty="0"/>
+              <a:t>将链接期错误移至编译期</a:t>
+            </a:r>
+          </a:p>
+        </p:txBody>
+      </p:sp>
+    </p:spTree>
+    <p:extLst>
+      <p:ext uri="{BB962C8B-B14F-4D97-AF65-F5344CB8AC3E}">
+        <p14:creationId xmlns:p14="http://schemas.microsoft.com/office/powerpoint/2010/main" val="3027011206"/>
+      </p:ext>
+    </p:extLst>
+  </p:cSld>
+  <p:clrMapOvr>
+    <a:masterClrMapping/>
+  </p:clrMapOvr>
+</p:sld>
+</file>
+
+<file path=ppt/slides/slide26.xml><?xml version="1.0" encoding="utf-8"?>
+<p:sld xmlns:a="http://schemas.openxmlformats.org/drawingml/2006/main" xmlns:r="http://schemas.openxmlformats.org/officeDocument/2006/relationships" xmlns:p="http://schemas.openxmlformats.org/presentationml/2006/main">
+  <p:cSld>
+    <p:spTree>
+      <p:nvGrpSpPr>
+        <p:cNvPr id="1" name=""/>
+        <p:cNvGrpSpPr/>
+        <p:nvPr/>
+      </p:nvGrpSpPr>
+      <p:grpSpPr>
+        <a:xfrm>
+          <a:off x="0" y="0"/>
+          <a:ext cx="0" cy="0"/>
+          <a:chOff x="0" y="0"/>
+          <a:chExt cx="0" cy="0"/>
+        </a:xfrm>
+      </p:grpSpPr>
+      <p:sp>
+        <p:nvSpPr>
+          <p:cNvPr id="4" name="标题 3">
+            <a:extLst>
+              <a:ext uri="{FF2B5EF4-FFF2-40B4-BE49-F238E27FC236}">
+                <a16:creationId xmlns:a16="http://schemas.microsoft.com/office/drawing/2014/main" id="{A6AD5CFE-A07F-4880-8F44-BC6733A1F50D}"/>
+              </a:ext>
+            </a:extLst>
+          </p:cNvPr>
+          <p:cNvSpPr>
+            <a:spLocks noGrp="1"/>
+          </p:cNvSpPr>
+          <p:nvPr>
+            <p:ph type="ctrTitle"/>
+          </p:nvPr>
+        </p:nvSpPr>
+        <p:spPr/>
+        <p:txBody>
+          <a:bodyPr/>
+          <a:lstStyle/>
+          <a:p>
+            <a:r>
+              <a:rPr lang="zh-CN" altLang="en-US" dirty="0"/>
+              <a:t>条款</a:t>
+            </a:r>
+            <a:r>
+              <a:rPr lang="en-US" altLang="zh-CN" dirty="0"/>
+              <a:t>07</a:t>
+            </a:r>
+            <a:r>
+              <a:rPr lang="zh-CN" altLang="en-US" dirty="0"/>
+              <a:t>：为多态基类声明为</a:t>
+            </a:r>
+            <a:r>
+              <a:rPr lang="en-US" altLang="zh-CN" dirty="0"/>
+              <a:t>virtual</a:t>
+            </a:r>
+            <a:r>
+              <a:rPr lang="zh-CN" altLang="en-US" dirty="0"/>
+              <a:t>析构函数</a:t>
+            </a:r>
+          </a:p>
+        </p:txBody>
+      </p:sp>
+    </p:spTree>
+    <p:extLst>
+      <p:ext uri="{BB962C8B-B14F-4D97-AF65-F5344CB8AC3E}">
+        <p14:creationId xmlns:p14="http://schemas.microsoft.com/office/powerpoint/2010/main" val="1204364545"/>
+      </p:ext>
+    </p:extLst>
+  </p:cSld>
+  <p:clrMapOvr>
+    <a:masterClrMapping/>
+  </p:clrMapOvr>
+</p:sld>
+</file>
+
+<file path=ppt/slides/slide27.xml><?xml version="1.0" encoding="utf-8"?>
+<p:sld xmlns:a="http://schemas.openxmlformats.org/drawingml/2006/main" xmlns:r="http://schemas.openxmlformats.org/officeDocument/2006/relationships" xmlns:p="http://schemas.openxmlformats.org/presentationml/2006/main">
+  <p:cSld>
+    <p:spTree>
+      <p:nvGrpSpPr>
+        <p:cNvPr id="1" name=""/>
+        <p:cNvGrpSpPr/>
+        <p:nvPr/>
+      </p:nvGrpSpPr>
+      <p:grpSpPr>
+        <a:xfrm>
+          <a:off x="0" y="0"/>
+          <a:ext cx="0" cy="0"/>
+          <a:chOff x="0" y="0"/>
+          <a:chExt cx="0" cy="0"/>
+        </a:xfrm>
+      </p:grpSpPr>
+      <p:sp>
+        <p:nvSpPr>
+          <p:cNvPr id="2" name="标题 1">
+            <a:extLst>
+              <a:ext uri="{FF2B5EF4-FFF2-40B4-BE49-F238E27FC236}">
+                <a16:creationId xmlns:a16="http://schemas.microsoft.com/office/drawing/2014/main" id="{6C7FCA44-5FE7-4F95-9835-1B12BA1C116C}"/>
+              </a:ext>
+            </a:extLst>
+          </p:cNvPr>
+          <p:cNvSpPr>
+            <a:spLocks noGrp="1"/>
+          </p:cNvSpPr>
+          <p:nvPr>
+            <p:ph type="title"/>
+          </p:nvPr>
+        </p:nvSpPr>
+        <p:spPr/>
+        <p:txBody>
+          <a:bodyPr/>
+          <a:lstStyle/>
+          <a:p>
+            <a:r>
+              <a:rPr lang="zh-CN" altLang="en-US" dirty="0"/>
+              <a:t>什么情况下需要使用</a:t>
+            </a:r>
+            <a:r>
+              <a:rPr lang="en-US" altLang="zh-CN" dirty="0"/>
+              <a:t>virtual</a:t>
+            </a:r>
+            <a:r>
+              <a:rPr lang="zh-CN" altLang="en-US" dirty="0"/>
+              <a:t>析构函数？</a:t>
+            </a:r>
+          </a:p>
+        </p:txBody>
+      </p:sp>
+      <p:sp>
+        <p:nvSpPr>
+          <p:cNvPr id="3" name="内容占位符 2">
+            <a:extLst>
+              <a:ext uri="{FF2B5EF4-FFF2-40B4-BE49-F238E27FC236}">
+                <a16:creationId xmlns:a16="http://schemas.microsoft.com/office/drawing/2014/main" id="{1C67D520-9568-4A99-AFCC-D72E18817553}"/>
+              </a:ext>
+            </a:extLst>
+          </p:cNvPr>
+          <p:cNvSpPr>
+            <a:spLocks noGrp="1"/>
+          </p:cNvSpPr>
+          <p:nvPr>
+            <p:ph idx="1"/>
+          </p:nvPr>
+        </p:nvSpPr>
+        <p:spPr/>
+        <p:txBody>
+          <a:bodyPr/>
+          <a:lstStyle/>
+          <a:p>
+            <a:r>
+              <a:rPr lang="zh-CN" altLang="en-US" dirty="0"/>
+              <a:t>基类指针指向派生类对象，通过</a:t>
+            </a:r>
+            <a:r>
+              <a:rPr lang="en-US" altLang="zh-CN" dirty="0"/>
+              <a:t>base class</a:t>
+            </a:r>
+            <a:r>
+              <a:rPr lang="zh-CN" altLang="en-US" dirty="0"/>
+              <a:t>接口处理</a:t>
+            </a:r>
+            <a:r>
+              <a:rPr lang="en-US" altLang="zh-CN" dirty="0"/>
+              <a:t>derived class</a:t>
+            </a:r>
+            <a:r>
+              <a:rPr lang="zh-CN" altLang="en-US" dirty="0"/>
+              <a:t>对象</a:t>
+            </a:r>
+            <a:endParaRPr lang="en-US" altLang="zh-CN" dirty="0"/>
+          </a:p>
+          <a:p>
+            <a:endParaRPr lang="zh-CN" altLang="en-US" dirty="0"/>
+          </a:p>
+        </p:txBody>
+      </p:sp>
+      <p:sp>
+        <p:nvSpPr>
+          <p:cNvPr id="4" name="文本框 3">
+            <a:extLst>
+              <a:ext uri="{FF2B5EF4-FFF2-40B4-BE49-F238E27FC236}">
+                <a16:creationId xmlns:a16="http://schemas.microsoft.com/office/drawing/2014/main" id="{B6E08146-8EA0-490A-9C78-DBB38E889B69}"/>
+              </a:ext>
+            </a:extLst>
+          </p:cNvPr>
+          <p:cNvSpPr txBox="1"/>
+          <p:nvPr/>
+        </p:nvSpPr>
+        <p:spPr>
+          <a:xfrm>
+            <a:off x="972642" y="2762053"/>
+            <a:ext cx="10246716" cy="3970318"/>
+          </a:xfrm>
+          <a:prstGeom prst="rect">
+            <a:avLst/>
+          </a:prstGeom>
+          <a:solidFill>
+            <a:schemeClr val="tx1"/>
+          </a:solidFill>
+        </p:spPr>
+        <p:txBody>
+          <a:bodyPr wrap="none" rtlCol="0">
+            <a:spAutoFit/>
+          </a:bodyPr>
+          <a:lstStyle/>
+          <a:p>
+            <a:r>
+              <a:rPr lang="en-US" altLang="zh-CN" b="0" dirty="0">
+                <a:solidFill>
+                  <a:srgbClr val="569CD6"/>
+                </a:solidFill>
+                <a:effectLst/>
+                <a:latin typeface="Consolas" panose="020B0609020204030204" pitchFamily="49" charset="0"/>
+              </a:rPr>
+              <a:t>class</a:t>
+            </a:r>
+            <a:r>
+              <a:rPr lang="en-US" altLang="zh-CN" b="0" dirty="0">
+                <a:solidFill>
+                  <a:srgbClr val="D4D4D4"/>
+                </a:solidFill>
+                <a:effectLst/>
+                <a:latin typeface="Consolas" panose="020B0609020204030204" pitchFamily="49" charset="0"/>
+              </a:rPr>
+              <a:t> </a:t>
+            </a:r>
+            <a:r>
+              <a:rPr lang="en-US" altLang="zh-CN" b="0" dirty="0" err="1">
+                <a:solidFill>
+                  <a:srgbClr val="4EC9B0"/>
+                </a:solidFill>
+                <a:effectLst/>
+                <a:latin typeface="Consolas" panose="020B0609020204030204" pitchFamily="49" charset="0"/>
+              </a:rPr>
+              <a:t>TimeKeeper</a:t>
+            </a:r>
+            <a:r>
+              <a:rPr lang="en-US" altLang="zh-CN" b="0" dirty="0">
+                <a:solidFill>
+                  <a:srgbClr val="D4D4D4"/>
+                </a:solidFill>
+                <a:effectLst/>
+                <a:latin typeface="Consolas" panose="020B0609020204030204" pitchFamily="49" charset="0"/>
+              </a:rPr>
+              <a:t> {	</a:t>
+            </a:r>
+            <a:r>
+              <a:rPr lang="en-US" altLang="zh-CN" b="0" dirty="0">
+                <a:solidFill>
+                  <a:srgbClr val="6A9955"/>
+                </a:solidFill>
+                <a:effectLst/>
+                <a:latin typeface="Consolas" panose="020B0609020204030204" pitchFamily="49" charset="0"/>
+              </a:rPr>
+              <a:t> // </a:t>
+            </a:r>
+            <a:r>
+              <a:rPr lang="zh-CN" altLang="en-US" dirty="0">
+                <a:solidFill>
+                  <a:srgbClr val="6A9955"/>
+                </a:solidFill>
+                <a:latin typeface="Consolas" panose="020B0609020204030204" pitchFamily="49" charset="0"/>
+              </a:rPr>
+              <a:t>带有多态性质的</a:t>
+            </a:r>
+            <a:r>
+              <a:rPr lang="en-US" altLang="zh-CN" dirty="0">
+                <a:solidFill>
+                  <a:srgbClr val="6A9955"/>
+                </a:solidFill>
+                <a:latin typeface="Consolas" panose="020B0609020204030204" pitchFamily="49" charset="0"/>
+              </a:rPr>
+              <a:t>base class</a:t>
+            </a:r>
+            <a:endParaRPr lang="en-US" altLang="zh-CN" b="0" dirty="0">
+              <a:solidFill>
+                <a:srgbClr val="D4D4D4"/>
+              </a:solidFill>
+              <a:effectLst/>
+              <a:latin typeface="Consolas" panose="020B0609020204030204" pitchFamily="49" charset="0"/>
+            </a:endParaRPr>
+          </a:p>
+          <a:p>
+            <a:r>
+              <a:rPr lang="en-US" altLang="zh-CN" b="0" dirty="0">
+                <a:solidFill>
+                  <a:srgbClr val="D4D4D4"/>
+                </a:solidFill>
+                <a:effectLst/>
+                <a:latin typeface="Consolas" panose="020B0609020204030204" pitchFamily="49" charset="0"/>
+              </a:rPr>
+              <a:t>   </a:t>
+            </a:r>
+            <a:r>
+              <a:rPr lang="en-US" altLang="zh-CN" b="0" dirty="0">
+                <a:solidFill>
+                  <a:srgbClr val="569CD6"/>
+                </a:solidFill>
+                <a:effectLst/>
+                <a:latin typeface="Consolas" panose="020B0609020204030204" pitchFamily="49" charset="0"/>
+              </a:rPr>
+              <a:t>public:</a:t>
+            </a:r>
+            <a:endParaRPr lang="en-US" altLang="zh-CN" b="0" dirty="0">
+              <a:solidFill>
+                <a:srgbClr val="D4D4D4"/>
+              </a:solidFill>
+              <a:effectLst/>
+              <a:latin typeface="Consolas" panose="020B0609020204030204" pitchFamily="49" charset="0"/>
+            </a:endParaRPr>
+          </a:p>
+          <a:p>
+            <a:r>
+              <a:rPr lang="en-US" altLang="zh-CN" b="0" dirty="0">
+                <a:solidFill>
+                  <a:srgbClr val="D4D4D4"/>
+                </a:solidFill>
+                <a:effectLst/>
+                <a:latin typeface="Consolas" panose="020B0609020204030204" pitchFamily="49" charset="0"/>
+              </a:rPr>
+              <a:t>    </a:t>
+            </a:r>
+            <a:r>
+              <a:rPr lang="en-US" altLang="zh-CN" b="0" dirty="0" err="1">
+                <a:solidFill>
+                  <a:srgbClr val="DCDCAA"/>
+                </a:solidFill>
+                <a:effectLst/>
+                <a:latin typeface="Consolas" panose="020B0609020204030204" pitchFamily="49" charset="0"/>
+              </a:rPr>
+              <a:t>TimeKeeper</a:t>
+            </a:r>
+            <a:r>
+              <a:rPr lang="en-US" altLang="zh-CN" b="0" dirty="0">
+                <a:solidFill>
+                  <a:srgbClr val="D4D4D4"/>
+                </a:solidFill>
+                <a:effectLst/>
+                <a:latin typeface="Consolas" panose="020B0609020204030204" pitchFamily="49" charset="0"/>
+              </a:rPr>
+              <a:t>();</a:t>
+            </a:r>
+          </a:p>
+          <a:p>
+            <a:r>
+              <a:rPr lang="en-US" altLang="zh-CN" b="0" dirty="0">
+                <a:solidFill>
+                  <a:srgbClr val="D4D4D4"/>
+                </a:solidFill>
+                <a:effectLst/>
+                <a:latin typeface="Consolas" panose="020B0609020204030204" pitchFamily="49" charset="0"/>
+              </a:rPr>
+              <a:t>    </a:t>
+            </a:r>
+            <a:r>
+              <a:rPr lang="en-US" altLang="zh-CN" b="0" dirty="0">
+                <a:solidFill>
+                  <a:srgbClr val="DCDCAA"/>
+                </a:solidFill>
+                <a:effectLst/>
+                <a:latin typeface="Consolas" panose="020B0609020204030204" pitchFamily="49" charset="0"/>
+              </a:rPr>
+              <a:t>~</a:t>
+            </a:r>
+            <a:r>
+              <a:rPr lang="en-US" altLang="zh-CN" b="0" dirty="0" err="1">
+                <a:solidFill>
+                  <a:srgbClr val="DCDCAA"/>
+                </a:solidFill>
+                <a:effectLst/>
+                <a:latin typeface="Consolas" panose="020B0609020204030204" pitchFamily="49" charset="0"/>
+              </a:rPr>
+              <a:t>TimeKeeper</a:t>
+            </a:r>
+            <a:r>
+              <a:rPr lang="en-US" altLang="zh-CN" b="0" dirty="0">
+                <a:solidFill>
+                  <a:srgbClr val="D4D4D4"/>
+                </a:solidFill>
+                <a:effectLst/>
+                <a:latin typeface="Consolas" panose="020B0609020204030204" pitchFamily="49" charset="0"/>
+              </a:rPr>
+              <a:t>();</a:t>
+            </a:r>
+          </a:p>
+          <a:p>
+            <a:r>
+              <a:rPr lang="en-US" altLang="zh-CN" b="0" dirty="0">
+                <a:solidFill>
+                  <a:srgbClr val="D4D4D4"/>
+                </a:solidFill>
+                <a:effectLst/>
+                <a:latin typeface="Consolas" panose="020B0609020204030204" pitchFamily="49" charset="0"/>
+              </a:rPr>
+              <a:t>    ...;</a:t>
+            </a:r>
+          </a:p>
+          <a:p>
+            <a:r>
+              <a:rPr lang="en-US" altLang="zh-CN" b="0" dirty="0">
+                <a:solidFill>
+                  <a:srgbClr val="D4D4D4"/>
+                </a:solidFill>
+                <a:effectLst/>
+                <a:latin typeface="Consolas" panose="020B0609020204030204" pitchFamily="49" charset="0"/>
+              </a:rPr>
+              <a:t>};</a:t>
+            </a:r>
+            <a:br>
+              <a:rPr lang="en-US" altLang="zh-CN" b="0" dirty="0">
+                <a:solidFill>
+                  <a:srgbClr val="D4D4D4"/>
+                </a:solidFill>
+                <a:effectLst/>
+                <a:latin typeface="Consolas" panose="020B0609020204030204" pitchFamily="49" charset="0"/>
+              </a:rPr>
+            </a:br>
+            <a:r>
+              <a:rPr lang="en-US" altLang="zh-CN" b="0" dirty="0">
+                <a:solidFill>
+                  <a:srgbClr val="569CD6"/>
+                </a:solidFill>
+                <a:effectLst/>
+                <a:latin typeface="Consolas" panose="020B0609020204030204" pitchFamily="49" charset="0"/>
+              </a:rPr>
+              <a:t>class</a:t>
+            </a:r>
+            <a:r>
+              <a:rPr lang="en-US" altLang="zh-CN" b="0" dirty="0">
+                <a:solidFill>
+                  <a:srgbClr val="D4D4D4"/>
+                </a:solidFill>
+                <a:effectLst/>
+                <a:latin typeface="Consolas" panose="020B0609020204030204" pitchFamily="49" charset="0"/>
+              </a:rPr>
+              <a:t> </a:t>
+            </a:r>
+            <a:r>
+              <a:rPr lang="en-US" altLang="zh-CN" b="0" dirty="0" err="1">
+                <a:solidFill>
+                  <a:srgbClr val="4EC9B0"/>
+                </a:solidFill>
+                <a:effectLst/>
+                <a:latin typeface="Consolas" panose="020B0609020204030204" pitchFamily="49" charset="0"/>
+              </a:rPr>
+              <a:t>AtomicClock</a:t>
+            </a:r>
+            <a:r>
+              <a:rPr lang="en-US" altLang="zh-CN" b="0" dirty="0">
+                <a:solidFill>
+                  <a:srgbClr val="D4D4D4"/>
+                </a:solidFill>
+                <a:effectLst/>
+                <a:latin typeface="Consolas" panose="020B0609020204030204" pitchFamily="49" charset="0"/>
+              </a:rPr>
+              <a:t> : </a:t>
+            </a:r>
+            <a:r>
+              <a:rPr lang="en-US" altLang="zh-CN" b="0" dirty="0">
+                <a:solidFill>
+                  <a:srgbClr val="569CD6"/>
+                </a:solidFill>
+                <a:effectLst/>
+                <a:latin typeface="Consolas" panose="020B0609020204030204" pitchFamily="49" charset="0"/>
+              </a:rPr>
+              <a:t>public</a:t>
+            </a:r>
+            <a:r>
+              <a:rPr lang="en-US" altLang="zh-CN" b="0" dirty="0">
+                <a:solidFill>
+                  <a:srgbClr val="D4D4D4"/>
+                </a:solidFill>
+                <a:effectLst/>
+                <a:latin typeface="Consolas" panose="020B0609020204030204" pitchFamily="49" charset="0"/>
+              </a:rPr>
+              <a:t> </a:t>
+            </a:r>
+            <a:r>
+              <a:rPr lang="en-US" altLang="zh-CN" b="0" dirty="0" err="1">
+                <a:solidFill>
+                  <a:srgbClr val="4EC9B0"/>
+                </a:solidFill>
+                <a:effectLst/>
+                <a:latin typeface="Consolas" panose="020B0609020204030204" pitchFamily="49" charset="0"/>
+              </a:rPr>
+              <a:t>TimeKeeper</a:t>
+            </a:r>
+            <a:r>
+              <a:rPr lang="en-US" altLang="zh-CN" b="0" dirty="0">
+                <a:solidFill>
+                  <a:srgbClr val="D4D4D4"/>
+                </a:solidFill>
+                <a:effectLst/>
+                <a:latin typeface="Consolas" panose="020B0609020204030204" pitchFamily="49" charset="0"/>
+              </a:rPr>
+              <a:t> {...};</a:t>
+            </a:r>
+          </a:p>
+          <a:p>
+            <a:r>
+              <a:rPr lang="en-US" altLang="zh-CN" b="0" dirty="0">
+                <a:solidFill>
+                  <a:srgbClr val="569CD6"/>
+                </a:solidFill>
+                <a:effectLst/>
+                <a:latin typeface="Consolas" panose="020B0609020204030204" pitchFamily="49" charset="0"/>
+              </a:rPr>
+              <a:t>class</a:t>
+            </a:r>
+            <a:r>
+              <a:rPr lang="en-US" altLang="zh-CN" b="0" dirty="0">
+                <a:solidFill>
+                  <a:srgbClr val="D4D4D4"/>
+                </a:solidFill>
+                <a:effectLst/>
+                <a:latin typeface="Consolas" panose="020B0609020204030204" pitchFamily="49" charset="0"/>
+              </a:rPr>
+              <a:t> </a:t>
+            </a:r>
+            <a:r>
+              <a:rPr lang="en-US" altLang="zh-CN" b="0" dirty="0" err="1">
+                <a:solidFill>
+                  <a:srgbClr val="4EC9B0"/>
+                </a:solidFill>
+                <a:effectLst/>
+                <a:latin typeface="Consolas" panose="020B0609020204030204" pitchFamily="49" charset="0"/>
+              </a:rPr>
+              <a:t>WaterClock</a:t>
+            </a:r>
+            <a:r>
+              <a:rPr lang="en-US" altLang="zh-CN" b="0" dirty="0">
+                <a:solidFill>
+                  <a:srgbClr val="D4D4D4"/>
+                </a:solidFill>
+                <a:effectLst/>
+                <a:latin typeface="Consolas" panose="020B0609020204030204" pitchFamily="49" charset="0"/>
+              </a:rPr>
+              <a:t> : </a:t>
+            </a:r>
+            <a:r>
+              <a:rPr lang="en-US" altLang="zh-CN" b="0" dirty="0">
+                <a:solidFill>
+                  <a:srgbClr val="569CD6"/>
+                </a:solidFill>
+                <a:effectLst/>
+                <a:latin typeface="Consolas" panose="020B0609020204030204" pitchFamily="49" charset="0"/>
+              </a:rPr>
+              <a:t>public</a:t>
+            </a:r>
+            <a:r>
+              <a:rPr lang="en-US" altLang="zh-CN" b="0" dirty="0">
+                <a:solidFill>
+                  <a:srgbClr val="D4D4D4"/>
+                </a:solidFill>
+                <a:effectLst/>
+                <a:latin typeface="Consolas" panose="020B0609020204030204" pitchFamily="49" charset="0"/>
+              </a:rPr>
+              <a:t> </a:t>
+            </a:r>
+            <a:r>
+              <a:rPr lang="en-US" altLang="zh-CN" b="0" dirty="0" err="1">
+                <a:solidFill>
+                  <a:srgbClr val="4EC9B0"/>
+                </a:solidFill>
+                <a:effectLst/>
+                <a:latin typeface="Consolas" panose="020B0609020204030204" pitchFamily="49" charset="0"/>
+              </a:rPr>
+              <a:t>TimeKeeper</a:t>
+            </a:r>
+            <a:r>
+              <a:rPr lang="en-US" altLang="zh-CN" b="0" dirty="0">
+                <a:solidFill>
+                  <a:srgbClr val="D4D4D4"/>
+                </a:solidFill>
+                <a:effectLst/>
+                <a:latin typeface="Consolas" panose="020B0609020204030204" pitchFamily="49" charset="0"/>
+              </a:rPr>
+              <a:t> {...};</a:t>
+            </a:r>
+          </a:p>
+          <a:p>
+            <a:r>
+              <a:rPr lang="en-US" altLang="zh-CN" b="0" dirty="0">
+                <a:solidFill>
+                  <a:srgbClr val="569CD6"/>
+                </a:solidFill>
+                <a:effectLst/>
+                <a:latin typeface="Consolas" panose="020B0609020204030204" pitchFamily="49" charset="0"/>
+              </a:rPr>
+              <a:t>class</a:t>
+            </a:r>
+            <a:r>
+              <a:rPr lang="en-US" altLang="zh-CN" b="0" dirty="0">
+                <a:solidFill>
+                  <a:srgbClr val="D4D4D4"/>
+                </a:solidFill>
+                <a:effectLst/>
+                <a:latin typeface="Consolas" panose="020B0609020204030204" pitchFamily="49" charset="0"/>
+              </a:rPr>
+              <a:t> </a:t>
+            </a:r>
+            <a:r>
+              <a:rPr lang="en-US" altLang="zh-CN" b="0" dirty="0" err="1">
+                <a:solidFill>
+                  <a:srgbClr val="4EC9B0"/>
+                </a:solidFill>
+                <a:effectLst/>
+                <a:latin typeface="Consolas" panose="020B0609020204030204" pitchFamily="49" charset="0"/>
+              </a:rPr>
+              <a:t>WristWatch</a:t>
+            </a:r>
+            <a:r>
+              <a:rPr lang="en-US" altLang="zh-CN" b="0" dirty="0">
+                <a:solidFill>
+                  <a:srgbClr val="D4D4D4"/>
+                </a:solidFill>
+                <a:effectLst/>
+                <a:latin typeface="Consolas" panose="020B0609020204030204" pitchFamily="49" charset="0"/>
+              </a:rPr>
+              <a:t> : </a:t>
+            </a:r>
+            <a:r>
+              <a:rPr lang="en-US" altLang="zh-CN" b="0" dirty="0">
+                <a:solidFill>
+                  <a:srgbClr val="569CD6"/>
+                </a:solidFill>
+                <a:effectLst/>
+                <a:latin typeface="Consolas" panose="020B0609020204030204" pitchFamily="49" charset="0"/>
+              </a:rPr>
+              <a:t>public</a:t>
+            </a:r>
+            <a:r>
+              <a:rPr lang="en-US" altLang="zh-CN" b="0" dirty="0">
+                <a:solidFill>
+                  <a:srgbClr val="D4D4D4"/>
+                </a:solidFill>
+                <a:effectLst/>
+                <a:latin typeface="Consolas" panose="020B0609020204030204" pitchFamily="49" charset="0"/>
+              </a:rPr>
+              <a:t> </a:t>
+            </a:r>
+            <a:r>
+              <a:rPr lang="en-US" altLang="zh-CN" b="0" dirty="0" err="1">
+                <a:solidFill>
+                  <a:srgbClr val="4EC9B0"/>
+                </a:solidFill>
+                <a:effectLst/>
+                <a:latin typeface="Consolas" panose="020B0609020204030204" pitchFamily="49" charset="0"/>
+              </a:rPr>
+              <a:t>TimeKeeper</a:t>
+            </a:r>
+            <a:r>
+              <a:rPr lang="en-US" altLang="zh-CN" b="0" dirty="0">
+                <a:solidFill>
+                  <a:srgbClr val="D4D4D4"/>
+                </a:solidFill>
+                <a:effectLst/>
+                <a:latin typeface="Consolas" panose="020B0609020204030204" pitchFamily="49" charset="0"/>
+              </a:rPr>
+              <a:t> {...};</a:t>
+            </a:r>
+          </a:p>
+          <a:p>
+            <a:br>
+              <a:rPr lang="en-US" altLang="zh-CN" b="0" dirty="0">
+                <a:solidFill>
+                  <a:srgbClr val="D4D4D4"/>
+                </a:solidFill>
+                <a:effectLst/>
+                <a:latin typeface="Consolas" panose="020B0609020204030204" pitchFamily="49" charset="0"/>
+              </a:rPr>
+            </a:br>
+            <a:r>
+              <a:rPr lang="en-US" altLang="zh-CN" b="0" dirty="0" err="1">
+                <a:solidFill>
+                  <a:srgbClr val="4EC9B0"/>
+                </a:solidFill>
+                <a:effectLst/>
+                <a:latin typeface="Consolas" panose="020B0609020204030204" pitchFamily="49" charset="0"/>
+              </a:rPr>
+              <a:t>TimeKeeper</a:t>
+            </a:r>
+            <a:r>
+              <a:rPr lang="en-US" altLang="zh-CN" b="0" dirty="0">
+                <a:solidFill>
+                  <a:srgbClr val="D4D4D4"/>
+                </a:solidFill>
+                <a:effectLst/>
+                <a:latin typeface="Consolas" panose="020B0609020204030204" pitchFamily="49" charset="0"/>
+              </a:rPr>
+              <a:t>* </a:t>
+            </a:r>
+            <a:r>
+              <a:rPr lang="en-US" altLang="zh-CN" b="0" dirty="0" err="1">
+                <a:solidFill>
+                  <a:srgbClr val="DCDCAA"/>
+                </a:solidFill>
+                <a:effectLst/>
+                <a:latin typeface="Consolas" panose="020B0609020204030204" pitchFamily="49" charset="0"/>
+              </a:rPr>
+              <a:t>getTimeKeeper</a:t>
+            </a:r>
+            <a:r>
+              <a:rPr lang="en-US" altLang="zh-CN" b="0" dirty="0">
+                <a:solidFill>
+                  <a:srgbClr val="D4D4D4"/>
+                </a:solidFill>
+                <a:effectLst/>
+                <a:latin typeface="Consolas" panose="020B0609020204030204" pitchFamily="49" charset="0"/>
+              </a:rPr>
+              <a:t>();</a:t>
+            </a:r>
+            <a:r>
+              <a:rPr lang="en-US" altLang="zh-CN" b="0" dirty="0">
+                <a:solidFill>
+                  <a:srgbClr val="6A9955"/>
+                </a:solidFill>
+                <a:effectLst/>
+                <a:latin typeface="Consolas" panose="020B0609020204030204" pitchFamily="49" charset="0"/>
+              </a:rPr>
+              <a:t>  // </a:t>
+            </a:r>
+            <a:r>
+              <a:rPr lang="zh-CN" altLang="en-US" b="0" dirty="0">
+                <a:solidFill>
+                  <a:srgbClr val="6A9955"/>
+                </a:solidFill>
+                <a:effectLst/>
+                <a:latin typeface="Consolas" panose="020B0609020204030204" pitchFamily="49" charset="0"/>
+              </a:rPr>
+              <a:t>返回一个指针指向一个</a:t>
+            </a:r>
+            <a:r>
+              <a:rPr lang="en-US" altLang="zh-CN" b="0" dirty="0" err="1">
+                <a:solidFill>
+                  <a:srgbClr val="6A9955"/>
+                </a:solidFill>
+                <a:effectLst/>
+                <a:latin typeface="Consolas" panose="020B0609020204030204" pitchFamily="49" charset="0"/>
+              </a:rPr>
+              <a:t>TimeKeeper</a:t>
+            </a:r>
+            <a:r>
+              <a:rPr lang="zh-CN" altLang="en-US" b="0" dirty="0">
+                <a:solidFill>
+                  <a:srgbClr val="6A9955"/>
+                </a:solidFill>
+                <a:effectLst/>
+                <a:latin typeface="Consolas" panose="020B0609020204030204" pitchFamily="49" charset="0"/>
+              </a:rPr>
+              <a:t>派生类的动态分配对象</a:t>
+            </a:r>
+            <a:br>
+              <a:rPr lang="zh-CN" altLang="en-US" b="0" dirty="0">
+                <a:solidFill>
+                  <a:srgbClr val="D4D4D4"/>
+                </a:solidFill>
+                <a:effectLst/>
+                <a:latin typeface="Consolas" panose="020B0609020204030204" pitchFamily="49" charset="0"/>
+              </a:rPr>
+            </a:br>
+            <a:r>
+              <a:rPr lang="en-US" altLang="zh-CN" b="0" dirty="0" err="1">
+                <a:solidFill>
+                  <a:srgbClr val="4EC9B0"/>
+                </a:solidFill>
+                <a:effectLst/>
+                <a:latin typeface="Consolas" panose="020B0609020204030204" pitchFamily="49" charset="0"/>
+              </a:rPr>
+              <a:t>TimeKeeper</a:t>
+            </a:r>
+            <a:r>
+              <a:rPr lang="en-US" altLang="zh-CN" b="0" dirty="0">
+                <a:solidFill>
+                  <a:srgbClr val="D4D4D4"/>
+                </a:solidFill>
+                <a:effectLst/>
+                <a:latin typeface="Consolas" panose="020B0609020204030204" pitchFamily="49" charset="0"/>
+              </a:rPr>
+              <a:t>* </a:t>
+            </a:r>
+            <a:r>
+              <a:rPr lang="en-US" altLang="zh-CN" b="0" dirty="0" err="1">
+                <a:solidFill>
+                  <a:srgbClr val="9CDCFE"/>
+                </a:solidFill>
+                <a:effectLst/>
+                <a:latin typeface="Consolas" panose="020B0609020204030204" pitchFamily="49" charset="0"/>
+              </a:rPr>
+              <a:t>ptk</a:t>
+            </a:r>
+            <a:r>
+              <a:rPr lang="en-US" altLang="zh-CN" b="0" dirty="0">
+                <a:solidFill>
+                  <a:srgbClr val="D4D4D4"/>
+                </a:solidFill>
+                <a:effectLst/>
+                <a:latin typeface="Consolas" panose="020B0609020204030204" pitchFamily="49" charset="0"/>
+              </a:rPr>
+              <a:t> = </a:t>
+            </a:r>
+            <a:r>
+              <a:rPr lang="en-US" altLang="zh-CN" b="0" dirty="0" err="1">
+                <a:solidFill>
+                  <a:srgbClr val="DCDCAA"/>
+                </a:solidFill>
+                <a:effectLst/>
+                <a:latin typeface="Consolas" panose="020B0609020204030204" pitchFamily="49" charset="0"/>
+              </a:rPr>
+              <a:t>getTimeKeeper</a:t>
+            </a:r>
+            <a:r>
+              <a:rPr lang="en-US" altLang="zh-CN" b="0" dirty="0">
+                <a:solidFill>
+                  <a:srgbClr val="D4D4D4"/>
+                </a:solidFill>
+                <a:effectLst/>
+                <a:latin typeface="Consolas" panose="020B0609020204030204" pitchFamily="49" charset="0"/>
+              </a:rPr>
+              <a:t>();</a:t>
+            </a:r>
+            <a:r>
+              <a:rPr lang="en-US" altLang="zh-CN" b="0" dirty="0">
+                <a:solidFill>
+                  <a:srgbClr val="6A9955"/>
+                </a:solidFill>
+                <a:effectLst/>
+                <a:latin typeface="Consolas" panose="020B0609020204030204" pitchFamily="49" charset="0"/>
+              </a:rPr>
+              <a:t>  // </a:t>
+            </a:r>
+            <a:r>
+              <a:rPr lang="zh-CN" altLang="en-US" b="0" dirty="0">
+                <a:solidFill>
+                  <a:srgbClr val="6A9955"/>
+                </a:solidFill>
+                <a:effectLst/>
+                <a:latin typeface="Consolas" panose="020B0609020204030204" pitchFamily="49" charset="0"/>
+              </a:rPr>
+              <a:t>从</a:t>
+            </a:r>
+            <a:r>
+              <a:rPr lang="en-US" altLang="zh-CN" b="0" dirty="0" err="1">
+                <a:solidFill>
+                  <a:srgbClr val="6A9955"/>
+                </a:solidFill>
+                <a:effectLst/>
+                <a:latin typeface="Consolas" panose="020B0609020204030204" pitchFamily="49" charset="0"/>
+              </a:rPr>
+              <a:t>TimeKeeper</a:t>
+            </a:r>
+            <a:r>
+              <a:rPr lang="zh-CN" altLang="en-US" b="0" dirty="0">
+                <a:solidFill>
+                  <a:srgbClr val="6A9955"/>
+                </a:solidFill>
+                <a:effectLst/>
+                <a:latin typeface="Consolas" panose="020B0609020204030204" pitchFamily="49" charset="0"/>
+              </a:rPr>
+              <a:t>继承体系，获得一个动态分配对象</a:t>
+            </a:r>
+            <a:endParaRPr lang="zh-CN" altLang="en-US" b="0" dirty="0">
+              <a:solidFill>
+                <a:srgbClr val="D4D4D4"/>
+              </a:solidFill>
+              <a:effectLst/>
+              <a:latin typeface="Consolas" panose="020B0609020204030204" pitchFamily="49" charset="0"/>
+            </a:endParaRPr>
+          </a:p>
+          <a:p>
+            <a:r>
+              <a:rPr lang="en-US" altLang="zh-CN" b="0" dirty="0">
+                <a:solidFill>
+                  <a:srgbClr val="D4D4D4"/>
+                </a:solidFill>
+                <a:effectLst/>
+                <a:latin typeface="Consolas" panose="020B0609020204030204" pitchFamily="49" charset="0"/>
+              </a:rPr>
+              <a:t>...;</a:t>
+            </a:r>
+          </a:p>
+          <a:p>
+            <a:r>
+              <a:rPr lang="en-US" altLang="zh-CN" b="0" dirty="0">
+                <a:solidFill>
+                  <a:srgbClr val="C586C0"/>
+                </a:solidFill>
+                <a:effectLst/>
+                <a:latin typeface="Consolas" panose="020B0609020204030204" pitchFamily="49" charset="0"/>
+              </a:rPr>
+              <a:t>delete</a:t>
+            </a:r>
+            <a:r>
+              <a:rPr lang="en-US" altLang="zh-CN" b="0" dirty="0">
+                <a:solidFill>
+                  <a:srgbClr val="D4D4D4"/>
+                </a:solidFill>
+                <a:effectLst/>
+                <a:latin typeface="Consolas" panose="020B0609020204030204" pitchFamily="49" charset="0"/>
+              </a:rPr>
+              <a:t> </a:t>
+            </a:r>
+            <a:r>
+              <a:rPr lang="en-US" altLang="zh-CN" b="0" dirty="0" err="1">
+                <a:solidFill>
+                  <a:srgbClr val="D4D4D4"/>
+                </a:solidFill>
+                <a:effectLst/>
+                <a:latin typeface="Consolas" panose="020B0609020204030204" pitchFamily="49" charset="0"/>
+              </a:rPr>
+              <a:t>ptk</a:t>
+            </a:r>
+            <a:r>
+              <a:rPr lang="en-US" altLang="zh-CN" b="0" dirty="0">
+                <a:solidFill>
+                  <a:srgbClr val="D4D4D4"/>
+                </a:solidFill>
+                <a:effectLst/>
+                <a:latin typeface="Consolas" panose="020B0609020204030204" pitchFamily="49" charset="0"/>
+              </a:rPr>
+              <a:t>;</a:t>
+            </a:r>
+          </a:p>
+        </p:txBody>
+      </p:sp>
+    </p:spTree>
+    <p:extLst>
+      <p:ext uri="{BB962C8B-B14F-4D97-AF65-F5344CB8AC3E}">
+        <p14:creationId xmlns:p14="http://schemas.microsoft.com/office/powerpoint/2010/main" val="3747873015"/>
+      </p:ext>
+    </p:extLst>
+  </p:cSld>
+  <p:clrMapOvr>
+    <a:masterClrMapping/>
+  </p:clrMapOvr>
+</p:sld>
+</file>
+
+<file path=ppt/slides/slide28.xml><?xml version="1.0" encoding="utf-8"?>
+<p:sld xmlns:a="http://schemas.openxmlformats.org/drawingml/2006/main" xmlns:r="http://schemas.openxmlformats.org/officeDocument/2006/relationships" xmlns:p="http://schemas.openxmlformats.org/presentationml/2006/main">
+  <p:cSld>
+    <p:spTree>
+      <p:nvGrpSpPr>
+        <p:cNvPr id="1" name=""/>
+        <p:cNvGrpSpPr/>
+        <p:nvPr/>
+      </p:nvGrpSpPr>
+      <p:grpSpPr>
+        <a:xfrm>
+          <a:off x="0" y="0"/>
+          <a:ext cx="0" cy="0"/>
+          <a:chOff x="0" y="0"/>
+          <a:chExt cx="0" cy="0"/>
+        </a:xfrm>
+      </p:grpSpPr>
+      <p:sp>
+        <p:nvSpPr>
+          <p:cNvPr id="3" name="内容占位符 2">
+            <a:extLst>
+              <a:ext uri="{FF2B5EF4-FFF2-40B4-BE49-F238E27FC236}">
+                <a16:creationId xmlns:a16="http://schemas.microsoft.com/office/drawing/2014/main" id="{68455D20-280F-4215-9B37-A376D5D88080}"/>
+              </a:ext>
+            </a:extLst>
+          </p:cNvPr>
+          <p:cNvSpPr>
+            <a:spLocks noGrp="1"/>
+          </p:cNvSpPr>
+          <p:nvPr>
+            <p:ph idx="1"/>
+          </p:nvPr>
+        </p:nvSpPr>
+        <p:spPr>
+          <a:xfrm>
+            <a:off x="838200" y="659876"/>
+            <a:ext cx="10515600" cy="5517087"/>
+          </a:xfrm>
+        </p:spPr>
+        <p:txBody>
+          <a:bodyPr/>
+          <a:lstStyle/>
+          <a:p>
+            <a:r>
+              <a:rPr lang="en-US" altLang="zh-CN" dirty="0"/>
+              <a:t>C++</a:t>
+            </a:r>
+            <a:r>
+              <a:rPr lang="zh-CN" altLang="en-US" dirty="0"/>
+              <a:t>明确指出，当</a:t>
+            </a:r>
+            <a:r>
+              <a:rPr lang="en-US" altLang="zh-CN" dirty="0"/>
+              <a:t>derived class</a:t>
+            </a:r>
+            <a:r>
+              <a:rPr lang="zh-CN" altLang="en-US" dirty="0"/>
+              <a:t>对象经由一个</a:t>
+            </a:r>
+            <a:r>
+              <a:rPr lang="en-US" altLang="zh-CN" dirty="0"/>
+              <a:t>base class</a:t>
+            </a:r>
+            <a:r>
+              <a:rPr lang="zh-CN" altLang="en-US" dirty="0"/>
+              <a:t>指针删除，而该</a:t>
+            </a:r>
+            <a:r>
+              <a:rPr lang="en-US" altLang="zh-CN" dirty="0"/>
+              <a:t>base class</a:t>
+            </a:r>
+            <a:r>
+              <a:rPr lang="zh-CN" altLang="en-US" dirty="0"/>
+              <a:t>带着一个</a:t>
+            </a:r>
+            <a:r>
+              <a:rPr lang="en-US" altLang="zh-CN" dirty="0"/>
+              <a:t>non-virtual</a:t>
+            </a:r>
+            <a:r>
+              <a:rPr lang="zh-CN" altLang="en-US" dirty="0"/>
+              <a:t>析构函数，结果未有定义</a:t>
+            </a:r>
+            <a:r>
+              <a:rPr lang="en-US" altLang="zh-CN" dirty="0"/>
+              <a:t>——</a:t>
+            </a:r>
+            <a:r>
+              <a:rPr lang="zh-CN" altLang="en-US" dirty="0"/>
+              <a:t>执行时通常发生的是对象的</a:t>
+            </a:r>
+            <a:r>
+              <a:rPr lang="en-US" altLang="zh-CN" dirty="0"/>
+              <a:t>derived</a:t>
+            </a:r>
+            <a:r>
+              <a:rPr lang="zh-CN" altLang="en-US" dirty="0"/>
+              <a:t>成分没被销毁。</a:t>
+            </a:r>
+            <a:endParaRPr lang="en-US" altLang="zh-CN" dirty="0"/>
+          </a:p>
+          <a:p>
+            <a:endParaRPr lang="en-US" altLang="zh-CN" dirty="0"/>
+          </a:p>
+          <a:p>
+            <a:endParaRPr lang="en-US" altLang="zh-CN" dirty="0"/>
+          </a:p>
+          <a:p>
+            <a:endParaRPr lang="en-US" altLang="zh-CN" dirty="0"/>
+          </a:p>
+          <a:p>
+            <a:endParaRPr lang="en-US" altLang="zh-CN" dirty="0"/>
+          </a:p>
+          <a:p>
+            <a:endParaRPr lang="en-US" altLang="zh-CN" dirty="0"/>
+          </a:p>
+          <a:p>
+            <a:pPr marL="0" indent="0">
+              <a:buNone/>
+            </a:pPr>
+            <a:endParaRPr lang="en-US" altLang="zh-CN" dirty="0"/>
+          </a:p>
+        </p:txBody>
+      </p:sp>
+      <p:sp>
+        <p:nvSpPr>
+          <p:cNvPr id="4" name="文本框 3">
+            <a:extLst>
+              <a:ext uri="{FF2B5EF4-FFF2-40B4-BE49-F238E27FC236}">
+                <a16:creationId xmlns:a16="http://schemas.microsoft.com/office/drawing/2014/main" id="{E9BD54D6-637C-448A-A960-9DD7487CEFA9}"/>
+              </a:ext>
+            </a:extLst>
+          </p:cNvPr>
+          <p:cNvSpPr txBox="1"/>
+          <p:nvPr/>
+        </p:nvSpPr>
+        <p:spPr>
+          <a:xfrm>
+            <a:off x="3850834" y="2136338"/>
+            <a:ext cx="4490332" cy="2585323"/>
+          </a:xfrm>
+          <a:prstGeom prst="rect">
+            <a:avLst/>
+          </a:prstGeom>
+          <a:solidFill>
+            <a:schemeClr val="tx1"/>
+          </a:solidFill>
+        </p:spPr>
+        <p:txBody>
+          <a:bodyPr wrap="none" rtlCol="0">
+            <a:spAutoFit/>
+          </a:bodyPr>
+          <a:lstStyle/>
+          <a:p>
+            <a:r>
+              <a:rPr lang="en-US" altLang="zh-CN" b="0" dirty="0">
+                <a:solidFill>
+                  <a:srgbClr val="569CD6"/>
+                </a:solidFill>
+                <a:effectLst/>
+                <a:latin typeface="Consolas" panose="020B0609020204030204" pitchFamily="49" charset="0"/>
+              </a:rPr>
+              <a:t>class</a:t>
+            </a:r>
+            <a:r>
+              <a:rPr lang="en-US" altLang="zh-CN" b="0" dirty="0">
+                <a:solidFill>
+                  <a:srgbClr val="D4D4D4"/>
+                </a:solidFill>
+                <a:effectLst/>
+                <a:latin typeface="Consolas" panose="020B0609020204030204" pitchFamily="49" charset="0"/>
+              </a:rPr>
+              <a:t> </a:t>
+            </a:r>
+            <a:r>
+              <a:rPr lang="en-US" altLang="zh-CN" b="0" dirty="0" err="1">
+                <a:solidFill>
+                  <a:srgbClr val="4EC9B0"/>
+                </a:solidFill>
+                <a:effectLst/>
+                <a:latin typeface="Consolas" panose="020B0609020204030204" pitchFamily="49" charset="0"/>
+              </a:rPr>
+              <a:t>TimeKeeper</a:t>
+            </a:r>
+            <a:r>
+              <a:rPr lang="en-US" altLang="zh-CN" b="0" dirty="0">
+                <a:solidFill>
+                  <a:srgbClr val="D4D4D4"/>
+                </a:solidFill>
+                <a:effectLst/>
+                <a:latin typeface="Consolas" panose="020B0609020204030204" pitchFamily="49" charset="0"/>
+              </a:rPr>
+              <a:t> {</a:t>
+            </a:r>
+          </a:p>
+          <a:p>
+            <a:r>
+              <a:rPr lang="en-US" altLang="zh-CN" b="0" dirty="0">
+                <a:solidFill>
+                  <a:srgbClr val="D4D4D4"/>
+                </a:solidFill>
+                <a:effectLst/>
+                <a:latin typeface="Consolas" panose="020B0609020204030204" pitchFamily="49" charset="0"/>
+              </a:rPr>
+              <a:t>   </a:t>
+            </a:r>
+            <a:r>
+              <a:rPr lang="en-US" altLang="zh-CN" b="0" dirty="0">
+                <a:solidFill>
+                  <a:srgbClr val="569CD6"/>
+                </a:solidFill>
+                <a:effectLst/>
+                <a:latin typeface="Consolas" panose="020B0609020204030204" pitchFamily="49" charset="0"/>
+              </a:rPr>
+              <a:t>public:</a:t>
+            </a:r>
+            <a:endParaRPr lang="en-US" altLang="zh-CN" b="0" dirty="0">
+              <a:solidFill>
+                <a:srgbClr val="D4D4D4"/>
+              </a:solidFill>
+              <a:effectLst/>
+              <a:latin typeface="Consolas" panose="020B0609020204030204" pitchFamily="49" charset="0"/>
+            </a:endParaRPr>
+          </a:p>
+          <a:p>
+            <a:r>
+              <a:rPr lang="en-US" altLang="zh-CN" b="0" dirty="0">
+                <a:solidFill>
+                  <a:srgbClr val="D4D4D4"/>
+                </a:solidFill>
+                <a:effectLst/>
+                <a:latin typeface="Consolas" panose="020B0609020204030204" pitchFamily="49" charset="0"/>
+              </a:rPr>
+              <a:t>    </a:t>
+            </a:r>
+            <a:r>
+              <a:rPr lang="en-US" altLang="zh-CN" b="0" dirty="0" err="1">
+                <a:solidFill>
+                  <a:srgbClr val="DCDCAA"/>
+                </a:solidFill>
+                <a:effectLst/>
+                <a:latin typeface="Consolas" panose="020B0609020204030204" pitchFamily="49" charset="0"/>
+              </a:rPr>
+              <a:t>TimeKeeper</a:t>
+            </a:r>
+            <a:r>
+              <a:rPr lang="en-US" altLang="zh-CN" b="0" dirty="0">
+                <a:solidFill>
+                  <a:srgbClr val="D4D4D4"/>
+                </a:solidFill>
+                <a:effectLst/>
+                <a:latin typeface="Consolas" panose="020B0609020204030204" pitchFamily="49" charset="0"/>
+              </a:rPr>
+              <a:t>();</a:t>
+            </a:r>
+          </a:p>
+          <a:p>
+            <a:r>
+              <a:rPr lang="en-US" altLang="zh-CN" b="0" dirty="0">
+                <a:solidFill>
+                  <a:srgbClr val="D4D4D4"/>
+                </a:solidFill>
+                <a:effectLst/>
+                <a:latin typeface="Consolas" panose="020B0609020204030204" pitchFamily="49" charset="0"/>
+              </a:rPr>
+              <a:t>    </a:t>
+            </a:r>
+            <a:r>
+              <a:rPr lang="en-US" altLang="zh-CN" b="0" dirty="0">
+                <a:solidFill>
+                  <a:srgbClr val="569CD6"/>
+                </a:solidFill>
+                <a:effectLst/>
+                <a:latin typeface="Consolas" panose="020B0609020204030204" pitchFamily="49" charset="0"/>
+              </a:rPr>
+              <a:t>virtual</a:t>
+            </a:r>
+            <a:r>
+              <a:rPr lang="en-US" altLang="zh-CN" b="0" dirty="0">
+                <a:solidFill>
+                  <a:srgbClr val="D4D4D4"/>
+                </a:solidFill>
+                <a:effectLst/>
+                <a:latin typeface="Consolas" panose="020B0609020204030204" pitchFamily="49" charset="0"/>
+              </a:rPr>
+              <a:t> </a:t>
+            </a:r>
+            <a:r>
+              <a:rPr lang="en-US" altLang="zh-CN" b="0" dirty="0">
+                <a:solidFill>
+                  <a:srgbClr val="DCDCAA"/>
+                </a:solidFill>
+                <a:effectLst/>
+                <a:latin typeface="Consolas" panose="020B0609020204030204" pitchFamily="49" charset="0"/>
+              </a:rPr>
+              <a:t>~</a:t>
+            </a:r>
+            <a:r>
+              <a:rPr lang="en-US" altLang="zh-CN" b="0" dirty="0" err="1">
+                <a:solidFill>
+                  <a:srgbClr val="DCDCAA"/>
+                </a:solidFill>
+                <a:effectLst/>
+                <a:latin typeface="Consolas" panose="020B0609020204030204" pitchFamily="49" charset="0"/>
+              </a:rPr>
+              <a:t>TimeKeeper</a:t>
+            </a:r>
+            <a:r>
+              <a:rPr lang="en-US" altLang="zh-CN" b="0" dirty="0">
+                <a:solidFill>
+                  <a:srgbClr val="D4D4D4"/>
+                </a:solidFill>
+                <a:effectLst/>
+                <a:latin typeface="Consolas" panose="020B0609020204030204" pitchFamily="49" charset="0"/>
+              </a:rPr>
+              <a:t>();</a:t>
+            </a:r>
+          </a:p>
+          <a:p>
+            <a:r>
+              <a:rPr lang="en-US" altLang="zh-CN" b="0" dirty="0">
+                <a:solidFill>
+                  <a:srgbClr val="D4D4D4"/>
+                </a:solidFill>
+                <a:effectLst/>
+                <a:latin typeface="Consolas" panose="020B0609020204030204" pitchFamily="49" charset="0"/>
+              </a:rPr>
+              <a:t>    ...;</a:t>
+            </a:r>
+          </a:p>
+          <a:p>
+            <a:r>
+              <a:rPr lang="en-US" altLang="zh-CN" b="0" dirty="0">
+                <a:solidFill>
+                  <a:srgbClr val="D4D4D4"/>
+                </a:solidFill>
+                <a:effectLst/>
+                <a:latin typeface="Consolas" panose="020B0609020204030204" pitchFamily="49" charset="0"/>
+              </a:rPr>
+              <a:t>};</a:t>
+            </a:r>
+          </a:p>
+          <a:p>
+            <a:r>
+              <a:rPr lang="en-US" altLang="zh-CN" b="0" dirty="0" err="1">
+                <a:solidFill>
+                  <a:srgbClr val="4EC9B0"/>
+                </a:solidFill>
+                <a:effectLst/>
+                <a:latin typeface="Consolas" panose="020B0609020204030204" pitchFamily="49" charset="0"/>
+              </a:rPr>
+              <a:t>TimeKeeper</a:t>
+            </a:r>
+            <a:r>
+              <a:rPr lang="en-US" altLang="zh-CN" b="0" dirty="0">
+                <a:solidFill>
+                  <a:srgbClr val="D4D4D4"/>
+                </a:solidFill>
+                <a:effectLst/>
+                <a:latin typeface="Consolas" panose="020B0609020204030204" pitchFamily="49" charset="0"/>
+              </a:rPr>
+              <a:t>* </a:t>
+            </a:r>
+            <a:r>
+              <a:rPr lang="en-US" altLang="zh-CN" b="0" dirty="0" err="1">
+                <a:solidFill>
+                  <a:srgbClr val="9CDCFE"/>
+                </a:solidFill>
+                <a:effectLst/>
+                <a:latin typeface="Consolas" panose="020B0609020204030204" pitchFamily="49" charset="0"/>
+              </a:rPr>
+              <a:t>ptk</a:t>
+            </a:r>
+            <a:r>
+              <a:rPr lang="en-US" altLang="zh-CN" b="0" dirty="0">
+                <a:solidFill>
+                  <a:srgbClr val="D4D4D4"/>
+                </a:solidFill>
+                <a:effectLst/>
+                <a:latin typeface="Consolas" panose="020B0609020204030204" pitchFamily="49" charset="0"/>
+              </a:rPr>
+              <a:t> = </a:t>
+            </a:r>
+            <a:r>
+              <a:rPr lang="en-US" altLang="zh-CN" b="0" dirty="0" err="1">
+                <a:solidFill>
+                  <a:srgbClr val="DCDCAA"/>
+                </a:solidFill>
+                <a:effectLst/>
+                <a:latin typeface="Consolas" panose="020B0609020204030204" pitchFamily="49" charset="0"/>
+              </a:rPr>
+              <a:t>getTimeKeeper</a:t>
+            </a:r>
+            <a:r>
+              <a:rPr lang="en-US" altLang="zh-CN" b="0" dirty="0">
+                <a:solidFill>
+                  <a:srgbClr val="D4D4D4"/>
+                </a:solidFill>
+                <a:effectLst/>
+                <a:latin typeface="Consolas" panose="020B0609020204030204" pitchFamily="49" charset="0"/>
+              </a:rPr>
+              <a:t>();</a:t>
+            </a:r>
+          </a:p>
+          <a:p>
+            <a:r>
+              <a:rPr lang="en-US" altLang="zh-CN" b="0" dirty="0">
+                <a:solidFill>
+                  <a:srgbClr val="D4D4D4"/>
+                </a:solidFill>
+                <a:effectLst/>
+                <a:latin typeface="Consolas" panose="020B0609020204030204" pitchFamily="49" charset="0"/>
+              </a:rPr>
+              <a:t>...;</a:t>
+            </a:r>
+          </a:p>
+          <a:p>
+            <a:r>
+              <a:rPr lang="en-US" altLang="zh-CN" b="0" dirty="0">
+                <a:solidFill>
+                  <a:srgbClr val="C586C0"/>
+                </a:solidFill>
+                <a:effectLst/>
+                <a:latin typeface="Consolas" panose="020B0609020204030204" pitchFamily="49" charset="0"/>
+              </a:rPr>
+              <a:t>delete</a:t>
+            </a:r>
+            <a:r>
+              <a:rPr lang="en-US" altLang="zh-CN" b="0" dirty="0">
+                <a:solidFill>
+                  <a:srgbClr val="D4D4D4"/>
+                </a:solidFill>
+                <a:effectLst/>
+                <a:latin typeface="Consolas" panose="020B0609020204030204" pitchFamily="49" charset="0"/>
+              </a:rPr>
+              <a:t> </a:t>
+            </a:r>
+            <a:r>
+              <a:rPr lang="en-US" altLang="zh-CN" b="0" dirty="0" err="1">
+                <a:solidFill>
+                  <a:srgbClr val="D4D4D4"/>
+                </a:solidFill>
+                <a:effectLst/>
+                <a:latin typeface="Consolas" panose="020B0609020204030204" pitchFamily="49" charset="0"/>
+              </a:rPr>
+              <a:t>ptk</a:t>
+            </a:r>
+            <a:r>
+              <a:rPr lang="en-US" altLang="zh-CN" b="0" dirty="0">
+                <a:solidFill>
+                  <a:srgbClr val="D4D4D4"/>
+                </a:solidFill>
+                <a:effectLst/>
+                <a:latin typeface="Consolas" panose="020B0609020204030204" pitchFamily="49" charset="0"/>
+              </a:rPr>
+              <a:t>;</a:t>
+            </a:r>
+            <a:r>
+              <a:rPr lang="en-US" altLang="zh-CN" b="0" dirty="0">
+                <a:solidFill>
+                  <a:srgbClr val="6A9955"/>
+                </a:solidFill>
+                <a:effectLst/>
+                <a:latin typeface="Consolas" panose="020B0609020204030204" pitchFamily="49" charset="0"/>
+              </a:rPr>
+              <a:t>  // </a:t>
+            </a:r>
+            <a:r>
+              <a:rPr lang="zh-CN" altLang="en-US" b="0" dirty="0">
+                <a:solidFill>
+                  <a:srgbClr val="6A9955"/>
+                </a:solidFill>
+                <a:effectLst/>
+                <a:latin typeface="Consolas" panose="020B0609020204030204" pitchFamily="49" charset="0"/>
+              </a:rPr>
+              <a:t>现在行为正确</a:t>
+            </a:r>
+            <a:endParaRPr lang="zh-CN" altLang="en-US" b="0" dirty="0">
+              <a:solidFill>
+                <a:srgbClr val="D4D4D4"/>
+              </a:solidFill>
+              <a:effectLst/>
+              <a:latin typeface="Consolas" panose="020B0609020204030204" pitchFamily="49" charset="0"/>
+            </a:endParaRPr>
+          </a:p>
+        </p:txBody>
+      </p:sp>
+    </p:spTree>
+    <p:extLst>
+      <p:ext uri="{BB962C8B-B14F-4D97-AF65-F5344CB8AC3E}">
+        <p14:creationId xmlns:p14="http://schemas.microsoft.com/office/powerpoint/2010/main" val="765925493"/>
+      </p:ext>
+    </p:extLst>
+  </p:cSld>
+  <p:clrMapOvr>
+    <a:masterClrMapping/>
+  </p:clrMapOvr>
+</p:sld>
+</file>
+
+<file path=ppt/slides/slide29.xml><?xml version="1.0" encoding="utf-8"?>
+<p:sld xmlns:a="http://schemas.openxmlformats.org/drawingml/2006/main" xmlns:r="http://schemas.openxmlformats.org/officeDocument/2006/relationships" xmlns:p="http://schemas.openxmlformats.org/presentationml/2006/main">
+  <p:cSld>
+    <p:spTree>
+      <p:nvGrpSpPr>
+        <p:cNvPr id="1" name=""/>
+        <p:cNvGrpSpPr/>
+        <p:nvPr/>
+      </p:nvGrpSpPr>
+      <p:grpSpPr>
+        <a:xfrm>
+          <a:off x="0" y="0"/>
+          <a:ext cx="0" cy="0"/>
+          <a:chOff x="0" y="0"/>
+          <a:chExt cx="0" cy="0"/>
+        </a:xfrm>
+      </p:grpSpPr>
+      <p:sp>
+        <p:nvSpPr>
+          <p:cNvPr id="2" name="标题 1">
+            <a:extLst>
+              <a:ext uri="{FF2B5EF4-FFF2-40B4-BE49-F238E27FC236}">
+                <a16:creationId xmlns:a16="http://schemas.microsoft.com/office/drawing/2014/main" id="{41C08974-501A-448B-B7BE-A41CF386A713}"/>
+              </a:ext>
+            </a:extLst>
+          </p:cNvPr>
+          <p:cNvSpPr>
+            <a:spLocks noGrp="1"/>
+          </p:cNvSpPr>
+          <p:nvPr>
+            <p:ph type="title"/>
+          </p:nvPr>
+        </p:nvSpPr>
+        <p:spPr/>
+        <p:txBody>
+          <a:bodyPr/>
+          <a:lstStyle/>
+          <a:p>
+            <a:r>
+              <a:rPr lang="zh-CN" altLang="en-US" dirty="0"/>
+              <a:t>什么情况下不需要使用</a:t>
+            </a:r>
+            <a:r>
+              <a:rPr lang="en-US" altLang="zh-CN" dirty="0"/>
+              <a:t>virtual</a:t>
+            </a:r>
+            <a:r>
+              <a:rPr lang="zh-CN" altLang="en-US" dirty="0"/>
+              <a:t>析构函数？</a:t>
+            </a:r>
+          </a:p>
+        </p:txBody>
+      </p:sp>
+      <p:sp>
+        <p:nvSpPr>
+          <p:cNvPr id="3" name="内容占位符 2">
+            <a:extLst>
+              <a:ext uri="{FF2B5EF4-FFF2-40B4-BE49-F238E27FC236}">
+                <a16:creationId xmlns:a16="http://schemas.microsoft.com/office/drawing/2014/main" id="{DFCC5484-1646-4E96-AEE3-8E7C1CDD6F4E}"/>
+              </a:ext>
+            </a:extLst>
+          </p:cNvPr>
+          <p:cNvSpPr>
+            <a:spLocks noGrp="1"/>
+          </p:cNvSpPr>
+          <p:nvPr>
+            <p:ph idx="1"/>
+          </p:nvPr>
+        </p:nvSpPr>
+        <p:spPr/>
+        <p:txBody>
+          <a:bodyPr/>
+          <a:lstStyle/>
+          <a:p>
+            <a:r>
+              <a:rPr lang="en-US" altLang="zh-CN" dirty="0"/>
+              <a:t>base class</a:t>
+            </a:r>
+            <a:r>
+              <a:rPr lang="zh-CN" altLang="en-US" dirty="0"/>
+              <a:t>不是为了实现多态而设计（如：</a:t>
+            </a:r>
+            <a:r>
+              <a:rPr lang="en-US" altLang="zh-CN" dirty="0"/>
+              <a:t>string</a:t>
+            </a:r>
+            <a:r>
+              <a:rPr lang="zh-CN" altLang="en-US" dirty="0"/>
+              <a:t>，</a:t>
+            </a:r>
+            <a:r>
+              <a:rPr lang="en-US" altLang="zh-CN" dirty="0"/>
+              <a:t>STL</a:t>
+            </a:r>
+            <a:r>
+              <a:rPr lang="zh-CN" altLang="en-US" dirty="0"/>
+              <a:t>容器，</a:t>
+            </a:r>
+            <a:r>
+              <a:rPr lang="en-US" altLang="zh-CN" dirty="0" err="1"/>
+              <a:t>noncopyable</a:t>
+            </a:r>
+            <a:r>
+              <a:rPr lang="zh-CN" altLang="en-US" dirty="0"/>
+              <a:t>）</a:t>
+            </a:r>
+            <a:endParaRPr lang="en-US" altLang="zh-CN" dirty="0"/>
+          </a:p>
+          <a:p>
+            <a:endParaRPr lang="en-US" altLang="zh-CN" dirty="0"/>
+          </a:p>
+          <a:p>
+            <a:endParaRPr lang="zh-CN" altLang="en-US" dirty="0"/>
+          </a:p>
+        </p:txBody>
+      </p:sp>
+      <p:sp>
+        <p:nvSpPr>
+          <p:cNvPr id="4" name="文本框 3">
+            <a:extLst>
+              <a:ext uri="{FF2B5EF4-FFF2-40B4-BE49-F238E27FC236}">
+                <a16:creationId xmlns:a16="http://schemas.microsoft.com/office/drawing/2014/main" id="{9315C9F2-A1D0-4DAF-8C99-A23DEE5F6B4C}"/>
+              </a:ext>
+            </a:extLst>
+          </p:cNvPr>
+          <p:cNvSpPr txBox="1"/>
+          <p:nvPr/>
+        </p:nvSpPr>
+        <p:spPr>
+          <a:xfrm>
+            <a:off x="3850834" y="3035431"/>
+            <a:ext cx="4490332" cy="2308324"/>
+          </a:xfrm>
+          <a:prstGeom prst="rect">
+            <a:avLst/>
+          </a:prstGeom>
+          <a:solidFill>
+            <a:schemeClr val="tx1"/>
+          </a:solidFill>
+        </p:spPr>
+        <p:txBody>
+          <a:bodyPr wrap="none" rtlCol="0">
+            <a:spAutoFit/>
+          </a:bodyPr>
+          <a:lstStyle/>
+          <a:p>
+            <a:r>
+              <a:rPr lang="en-US" altLang="zh-CN" b="0" dirty="0">
+                <a:solidFill>
+                  <a:srgbClr val="569CD6"/>
+                </a:solidFill>
+                <a:effectLst/>
+                <a:latin typeface="Consolas" panose="020B0609020204030204" pitchFamily="49" charset="0"/>
+              </a:rPr>
+              <a:t>class</a:t>
+            </a:r>
+            <a:r>
+              <a:rPr lang="en-US" altLang="zh-CN" b="0" dirty="0">
+                <a:solidFill>
+                  <a:srgbClr val="D4D4D4"/>
+                </a:solidFill>
+                <a:effectLst/>
+                <a:latin typeface="Consolas" panose="020B0609020204030204" pitchFamily="49" charset="0"/>
+              </a:rPr>
+              <a:t> </a:t>
+            </a:r>
+            <a:r>
+              <a:rPr lang="en-US" altLang="zh-CN" b="0" dirty="0">
+                <a:solidFill>
+                  <a:srgbClr val="4EC9B0"/>
+                </a:solidFill>
+                <a:effectLst/>
+                <a:latin typeface="Consolas" panose="020B0609020204030204" pitchFamily="49" charset="0"/>
+              </a:rPr>
+              <a:t>Point</a:t>
+            </a:r>
+            <a:r>
+              <a:rPr lang="en-US" altLang="zh-CN" b="0" dirty="0">
+                <a:solidFill>
+                  <a:srgbClr val="D4D4D4"/>
+                </a:solidFill>
+                <a:effectLst/>
+                <a:latin typeface="Consolas" panose="020B0609020204030204" pitchFamily="49" charset="0"/>
+              </a:rPr>
+              <a:t> {</a:t>
+            </a:r>
+          </a:p>
+          <a:p>
+            <a:r>
+              <a:rPr lang="en-US" altLang="zh-CN" b="0" dirty="0">
+                <a:solidFill>
+                  <a:srgbClr val="D4D4D4"/>
+                </a:solidFill>
+                <a:effectLst/>
+                <a:latin typeface="Consolas" panose="020B0609020204030204" pitchFamily="49" charset="0"/>
+              </a:rPr>
+              <a:t>   </a:t>
+            </a:r>
+            <a:r>
+              <a:rPr lang="en-US" altLang="zh-CN" b="0" dirty="0">
+                <a:solidFill>
+                  <a:srgbClr val="569CD6"/>
+                </a:solidFill>
+                <a:effectLst/>
+                <a:latin typeface="Consolas" panose="020B0609020204030204" pitchFamily="49" charset="0"/>
+              </a:rPr>
+              <a:t>public:</a:t>
+            </a:r>
+            <a:endParaRPr lang="en-US" altLang="zh-CN" b="0" dirty="0">
+              <a:solidFill>
+                <a:srgbClr val="D4D4D4"/>
+              </a:solidFill>
+              <a:effectLst/>
+              <a:latin typeface="Consolas" panose="020B0609020204030204" pitchFamily="49" charset="0"/>
+            </a:endParaRPr>
+          </a:p>
+          <a:p>
+            <a:r>
+              <a:rPr lang="en-US" altLang="zh-CN" b="0" dirty="0">
+                <a:solidFill>
+                  <a:srgbClr val="D4D4D4"/>
+                </a:solidFill>
+                <a:effectLst/>
+                <a:latin typeface="Consolas" panose="020B0609020204030204" pitchFamily="49" charset="0"/>
+              </a:rPr>
+              <a:t>    </a:t>
+            </a:r>
+            <a:r>
+              <a:rPr lang="en-US" altLang="zh-CN" b="0" dirty="0">
+                <a:solidFill>
+                  <a:srgbClr val="DCDCAA"/>
+                </a:solidFill>
+                <a:effectLst/>
+                <a:latin typeface="Consolas" panose="020B0609020204030204" pitchFamily="49" charset="0"/>
+              </a:rPr>
+              <a:t>Point</a:t>
+            </a:r>
+            <a:r>
+              <a:rPr lang="en-US" altLang="zh-CN" b="0" dirty="0">
+                <a:solidFill>
+                  <a:srgbClr val="D4D4D4"/>
+                </a:solidFill>
+                <a:effectLst/>
+                <a:latin typeface="Consolas" panose="020B0609020204030204" pitchFamily="49" charset="0"/>
+              </a:rPr>
+              <a:t>(</a:t>
+            </a:r>
+            <a:r>
+              <a:rPr lang="en-US" altLang="zh-CN" b="0" dirty="0">
+                <a:solidFill>
+                  <a:srgbClr val="569CD6"/>
+                </a:solidFill>
+                <a:effectLst/>
+                <a:latin typeface="Consolas" panose="020B0609020204030204" pitchFamily="49" charset="0"/>
+              </a:rPr>
+              <a:t>int</a:t>
+            </a:r>
+            <a:r>
+              <a:rPr lang="en-US" altLang="zh-CN" b="0" dirty="0">
+                <a:solidFill>
+                  <a:srgbClr val="D4D4D4"/>
+                </a:solidFill>
+                <a:effectLst/>
+                <a:latin typeface="Consolas" panose="020B0609020204030204" pitchFamily="49" charset="0"/>
+              </a:rPr>
+              <a:t> </a:t>
+            </a:r>
+            <a:r>
+              <a:rPr lang="en-US" altLang="zh-CN" b="0" dirty="0" err="1">
+                <a:solidFill>
+                  <a:srgbClr val="9CDCFE"/>
+                </a:solidFill>
+                <a:effectLst/>
+                <a:latin typeface="Consolas" panose="020B0609020204030204" pitchFamily="49" charset="0"/>
+              </a:rPr>
+              <a:t>XCoord</a:t>
+            </a:r>
+            <a:r>
+              <a:rPr lang="en-US" altLang="zh-CN" b="0" dirty="0">
+                <a:solidFill>
+                  <a:srgbClr val="D4D4D4"/>
+                </a:solidFill>
+                <a:effectLst/>
+                <a:latin typeface="Consolas" panose="020B0609020204030204" pitchFamily="49" charset="0"/>
+              </a:rPr>
+              <a:t>, </a:t>
+            </a:r>
+            <a:r>
+              <a:rPr lang="en-US" altLang="zh-CN" b="0" dirty="0">
+                <a:solidFill>
+                  <a:srgbClr val="569CD6"/>
+                </a:solidFill>
+                <a:effectLst/>
+                <a:latin typeface="Consolas" panose="020B0609020204030204" pitchFamily="49" charset="0"/>
+              </a:rPr>
+              <a:t>int</a:t>
+            </a:r>
+            <a:r>
+              <a:rPr lang="en-US" altLang="zh-CN" b="0" dirty="0">
+                <a:solidFill>
+                  <a:srgbClr val="D4D4D4"/>
+                </a:solidFill>
+                <a:effectLst/>
+                <a:latin typeface="Consolas" panose="020B0609020204030204" pitchFamily="49" charset="0"/>
+              </a:rPr>
+              <a:t> </a:t>
+            </a:r>
+            <a:r>
+              <a:rPr lang="en-US" altLang="zh-CN" b="0" dirty="0" err="1">
+                <a:solidFill>
+                  <a:srgbClr val="9CDCFE"/>
+                </a:solidFill>
+                <a:effectLst/>
+                <a:latin typeface="Consolas" panose="020B0609020204030204" pitchFamily="49" charset="0"/>
+              </a:rPr>
+              <a:t>yCoord</a:t>
+            </a:r>
+            <a:r>
+              <a:rPr lang="en-US" altLang="zh-CN" b="0" dirty="0">
+                <a:solidFill>
+                  <a:srgbClr val="D4D4D4"/>
+                </a:solidFill>
+                <a:effectLst/>
+                <a:latin typeface="Consolas" panose="020B0609020204030204" pitchFamily="49" charset="0"/>
+              </a:rPr>
+              <a:t>);</a:t>
+            </a:r>
+          </a:p>
+          <a:p>
+            <a:r>
+              <a:rPr lang="en-US" altLang="zh-CN" b="0" dirty="0">
+                <a:solidFill>
+                  <a:srgbClr val="D4D4D4"/>
+                </a:solidFill>
+                <a:effectLst/>
+                <a:latin typeface="Consolas" panose="020B0609020204030204" pitchFamily="49" charset="0"/>
+              </a:rPr>
+              <a:t>    </a:t>
+            </a:r>
+            <a:r>
+              <a:rPr lang="en-US" altLang="zh-CN" b="0" dirty="0">
+                <a:solidFill>
+                  <a:srgbClr val="DCDCAA"/>
+                </a:solidFill>
+                <a:effectLst/>
+                <a:latin typeface="Consolas" panose="020B0609020204030204" pitchFamily="49" charset="0"/>
+              </a:rPr>
+              <a:t>~Point</a:t>
+            </a:r>
+            <a:r>
+              <a:rPr lang="en-US" altLang="zh-CN" b="0" dirty="0">
+                <a:solidFill>
+                  <a:srgbClr val="D4D4D4"/>
+                </a:solidFill>
+                <a:effectLst/>
+                <a:latin typeface="Consolas" panose="020B0609020204030204" pitchFamily="49" charset="0"/>
+              </a:rPr>
+              <a:t>();</a:t>
+            </a:r>
+          </a:p>
+          <a:p>
+            <a:br>
+              <a:rPr lang="en-US" altLang="zh-CN" b="0" dirty="0">
+                <a:solidFill>
+                  <a:srgbClr val="D4D4D4"/>
+                </a:solidFill>
+                <a:effectLst/>
+                <a:latin typeface="Consolas" panose="020B0609020204030204" pitchFamily="49" charset="0"/>
+              </a:rPr>
+            </a:br>
+            <a:r>
+              <a:rPr lang="en-US" altLang="zh-CN" b="0" dirty="0">
+                <a:solidFill>
+                  <a:srgbClr val="D4D4D4"/>
+                </a:solidFill>
+                <a:effectLst/>
+                <a:latin typeface="Consolas" panose="020B0609020204030204" pitchFamily="49" charset="0"/>
+              </a:rPr>
+              <a:t>   </a:t>
+            </a:r>
+            <a:r>
+              <a:rPr lang="en-US" altLang="zh-CN" b="0" dirty="0">
+                <a:solidFill>
+                  <a:srgbClr val="569CD6"/>
+                </a:solidFill>
+                <a:effectLst/>
+                <a:latin typeface="Consolas" panose="020B0609020204030204" pitchFamily="49" charset="0"/>
+              </a:rPr>
+              <a:t>private:</a:t>
+            </a:r>
+            <a:endParaRPr lang="en-US" altLang="zh-CN" b="0" dirty="0">
+              <a:solidFill>
+                <a:srgbClr val="D4D4D4"/>
+              </a:solidFill>
+              <a:effectLst/>
+              <a:latin typeface="Consolas" panose="020B0609020204030204" pitchFamily="49" charset="0"/>
+            </a:endParaRPr>
+          </a:p>
+          <a:p>
+            <a:r>
+              <a:rPr lang="en-US" altLang="zh-CN" b="0" dirty="0">
+                <a:solidFill>
+                  <a:srgbClr val="D4D4D4"/>
+                </a:solidFill>
+                <a:effectLst/>
+                <a:latin typeface="Consolas" panose="020B0609020204030204" pitchFamily="49" charset="0"/>
+              </a:rPr>
+              <a:t>    </a:t>
+            </a:r>
+            <a:r>
+              <a:rPr lang="en-US" altLang="zh-CN" b="0" dirty="0">
+                <a:solidFill>
+                  <a:srgbClr val="569CD6"/>
+                </a:solidFill>
+                <a:effectLst/>
+                <a:latin typeface="Consolas" panose="020B0609020204030204" pitchFamily="49" charset="0"/>
+              </a:rPr>
+              <a:t>int</a:t>
+            </a:r>
+            <a:r>
+              <a:rPr lang="en-US" altLang="zh-CN" b="0" dirty="0">
+                <a:solidFill>
+                  <a:srgbClr val="D4D4D4"/>
+                </a:solidFill>
+                <a:effectLst/>
+                <a:latin typeface="Consolas" panose="020B0609020204030204" pitchFamily="49" charset="0"/>
+              </a:rPr>
+              <a:t> </a:t>
+            </a:r>
+            <a:r>
+              <a:rPr lang="en-US" altLang="zh-CN" b="0" dirty="0">
+                <a:solidFill>
+                  <a:srgbClr val="9CDCFE"/>
+                </a:solidFill>
+                <a:effectLst/>
+                <a:latin typeface="Consolas" panose="020B0609020204030204" pitchFamily="49" charset="0"/>
+              </a:rPr>
+              <a:t>x</a:t>
+            </a:r>
+            <a:r>
+              <a:rPr lang="en-US" altLang="zh-CN" b="0" dirty="0">
+                <a:solidFill>
+                  <a:srgbClr val="D4D4D4"/>
+                </a:solidFill>
+                <a:effectLst/>
+                <a:latin typeface="Consolas" panose="020B0609020204030204" pitchFamily="49" charset="0"/>
+              </a:rPr>
+              <a:t>, </a:t>
+            </a:r>
+            <a:r>
+              <a:rPr lang="en-US" altLang="zh-CN" b="0" dirty="0">
+                <a:solidFill>
+                  <a:srgbClr val="9CDCFE"/>
+                </a:solidFill>
+                <a:effectLst/>
+                <a:latin typeface="Consolas" panose="020B0609020204030204" pitchFamily="49" charset="0"/>
+              </a:rPr>
+              <a:t>y</a:t>
+            </a:r>
+            <a:r>
+              <a:rPr lang="en-US" altLang="zh-CN" b="0" dirty="0">
+                <a:solidFill>
+                  <a:srgbClr val="D4D4D4"/>
+                </a:solidFill>
+                <a:effectLst/>
+                <a:latin typeface="Consolas" panose="020B0609020204030204" pitchFamily="49" charset="0"/>
+              </a:rPr>
+              <a:t>;</a:t>
+            </a:r>
+          </a:p>
+          <a:p>
+            <a:r>
+              <a:rPr lang="en-US" altLang="zh-CN" b="0" dirty="0">
+                <a:solidFill>
+                  <a:srgbClr val="D4D4D4"/>
+                </a:solidFill>
+                <a:effectLst/>
+                <a:latin typeface="Consolas" panose="020B0609020204030204" pitchFamily="49" charset="0"/>
+              </a:rPr>
+              <a:t>};</a:t>
+            </a:r>
+          </a:p>
+        </p:txBody>
+      </p:sp>
+    </p:spTree>
+    <p:extLst>
+      <p:ext uri="{BB962C8B-B14F-4D97-AF65-F5344CB8AC3E}">
+        <p14:creationId xmlns:p14="http://schemas.microsoft.com/office/powerpoint/2010/main" val="815932487"/>
+      </p:ext>
+    </p:extLst>
+  </p:cSld>
+  <p:clrMapOvr>
+    <a:masterClrMapping/>
+  </p:clrMapOvr>
+</p:sld>
+</file>
+
 <file path=ppt/slides/slide3.xml><?xml version="1.0" encoding="utf-8"?>
 <p:sld xmlns:a="http://schemas.openxmlformats.org/drawingml/2006/main" xmlns:r="http://schemas.openxmlformats.org/officeDocument/2006/relationships" xmlns:p="http://schemas.openxmlformats.org/presentationml/2006/main">
   <p:cSld>
@@ -10414,6 +14253,1375 @@
     <p:extLst>
       <p:ext uri="{BB962C8B-B14F-4D97-AF65-F5344CB8AC3E}">
         <p14:creationId xmlns:p14="http://schemas.microsoft.com/office/powerpoint/2010/main" val="519353370"/>
+      </p:ext>
+    </p:extLst>
+  </p:cSld>
+  <p:clrMapOvr>
+    <a:masterClrMapping/>
+  </p:clrMapOvr>
+</p:sld>
+</file>
+
+<file path=ppt/slides/slide30.xml><?xml version="1.0" encoding="utf-8"?>
+<p:sld xmlns:a="http://schemas.openxmlformats.org/drawingml/2006/main" xmlns:r="http://schemas.openxmlformats.org/officeDocument/2006/relationships" xmlns:p="http://schemas.openxmlformats.org/presentationml/2006/main">
+  <p:cSld>
+    <p:spTree>
+      <p:nvGrpSpPr>
+        <p:cNvPr id="1" name=""/>
+        <p:cNvGrpSpPr/>
+        <p:nvPr/>
+      </p:nvGrpSpPr>
+      <p:grpSpPr>
+        <a:xfrm>
+          <a:off x="0" y="0"/>
+          <a:ext cx="0" cy="0"/>
+          <a:chOff x="0" y="0"/>
+          <a:chExt cx="0" cy="0"/>
+        </a:xfrm>
+      </p:grpSpPr>
+      <p:sp>
+        <p:nvSpPr>
+          <p:cNvPr id="3" name="内容占位符 2">
+            <a:extLst>
+              <a:ext uri="{FF2B5EF4-FFF2-40B4-BE49-F238E27FC236}">
+                <a16:creationId xmlns:a16="http://schemas.microsoft.com/office/drawing/2014/main" id="{11CD1EE2-7DC8-4AD4-8E7E-1AE1870C47E6}"/>
+              </a:ext>
+            </a:extLst>
+          </p:cNvPr>
+          <p:cNvSpPr>
+            <a:spLocks noGrp="1"/>
+          </p:cNvSpPr>
+          <p:nvPr>
+            <p:ph idx="1"/>
+          </p:nvPr>
+        </p:nvSpPr>
+        <p:spPr>
+          <a:xfrm>
+            <a:off x="838200" y="603315"/>
+            <a:ext cx="10515600" cy="5573648"/>
+          </a:xfrm>
+        </p:spPr>
+        <p:txBody>
+          <a:bodyPr/>
+          <a:lstStyle/>
+          <a:p>
+            <a:endParaRPr lang="en-US" altLang="zh-CN" dirty="0"/>
+          </a:p>
+          <a:p>
+            <a:endParaRPr lang="en-US" altLang="zh-CN" dirty="0"/>
+          </a:p>
+          <a:p>
+            <a:endParaRPr lang="en-US" altLang="zh-CN" dirty="0"/>
+          </a:p>
+          <a:p>
+            <a:r>
+              <a:rPr lang="zh-CN" altLang="en-US" dirty="0"/>
+              <a:t>类中的虚函数会生成</a:t>
+            </a:r>
+            <a:r>
+              <a:rPr lang="en-US" altLang="zh-CN" dirty="0" err="1"/>
+              <a:t>vptr</a:t>
+            </a:r>
+            <a:r>
+              <a:rPr lang="zh-CN" altLang="en-US" dirty="0"/>
+              <a:t>指向</a:t>
+            </a:r>
+            <a:r>
+              <a:rPr lang="en-US" altLang="zh-CN" dirty="0" err="1"/>
+              <a:t>vtbl</a:t>
+            </a:r>
+            <a:r>
+              <a:rPr lang="zh-CN" altLang="en-US" dirty="0"/>
+              <a:t>，生成的</a:t>
+            </a:r>
+            <a:r>
+              <a:rPr lang="en-US" altLang="zh-CN" dirty="0" err="1"/>
+              <a:t>vptr</a:t>
+            </a:r>
+            <a:r>
+              <a:rPr lang="zh-CN" altLang="en-US" dirty="0"/>
+              <a:t>会增大对象的体积。从而使得采用其他不含</a:t>
+            </a:r>
+            <a:r>
+              <a:rPr lang="en-US" altLang="zh-CN" dirty="0" err="1"/>
+              <a:t>vptr</a:t>
+            </a:r>
+            <a:r>
+              <a:rPr lang="zh-CN" altLang="en-US" dirty="0"/>
+              <a:t>的语言（如</a:t>
+            </a:r>
+            <a:r>
+              <a:rPr lang="en-US" altLang="zh-CN" dirty="0"/>
+              <a:t>C</a:t>
+            </a:r>
+            <a:r>
+              <a:rPr lang="zh-CN" altLang="en-US" dirty="0"/>
+              <a:t>语言）有相同的声明，但是，却有不同的结构。因此，不能够将它传递给其他语言所写的函数。</a:t>
+            </a:r>
+          </a:p>
+        </p:txBody>
+      </p:sp>
+    </p:spTree>
+    <p:extLst>
+      <p:ext uri="{BB962C8B-B14F-4D97-AF65-F5344CB8AC3E}">
+        <p14:creationId xmlns:p14="http://schemas.microsoft.com/office/powerpoint/2010/main" val="1055900170"/>
+      </p:ext>
+    </p:extLst>
+  </p:cSld>
+  <p:clrMapOvr>
+    <a:masterClrMapping/>
+  </p:clrMapOvr>
+</p:sld>
+</file>
+
+<file path=ppt/slides/slide31.xml><?xml version="1.0" encoding="utf-8"?>
+<p:sld xmlns:a="http://schemas.openxmlformats.org/drawingml/2006/main" xmlns:r="http://schemas.openxmlformats.org/officeDocument/2006/relationships" xmlns:p="http://schemas.openxmlformats.org/presentationml/2006/main">
+  <p:cSld>
+    <p:spTree>
+      <p:nvGrpSpPr>
+        <p:cNvPr id="1" name=""/>
+        <p:cNvGrpSpPr/>
+        <p:nvPr/>
+      </p:nvGrpSpPr>
+      <p:grpSpPr>
+        <a:xfrm>
+          <a:off x="0" y="0"/>
+          <a:ext cx="0" cy="0"/>
+          <a:chOff x="0" y="0"/>
+          <a:chExt cx="0" cy="0"/>
+        </a:xfrm>
+      </p:grpSpPr>
+      <p:sp>
+        <p:nvSpPr>
+          <p:cNvPr id="2" name="标题 1">
+            <a:extLst>
+              <a:ext uri="{FF2B5EF4-FFF2-40B4-BE49-F238E27FC236}">
+                <a16:creationId xmlns:a16="http://schemas.microsoft.com/office/drawing/2014/main" id="{D9949476-2B6D-4751-88AD-802E0B6EB2CF}"/>
+              </a:ext>
+            </a:extLst>
+          </p:cNvPr>
+          <p:cNvSpPr>
+            <a:spLocks noGrp="1"/>
+          </p:cNvSpPr>
+          <p:nvPr>
+            <p:ph type="title"/>
+          </p:nvPr>
+        </p:nvSpPr>
+        <p:spPr/>
+        <p:txBody>
+          <a:bodyPr/>
+          <a:lstStyle/>
+          <a:p>
+            <a:r>
+              <a:rPr lang="en-US" altLang="zh-CN" dirty="0"/>
+              <a:t>virtual</a:t>
+            </a:r>
+            <a:r>
+              <a:rPr lang="zh-CN" altLang="en-US" dirty="0"/>
+              <a:t>函数与</a:t>
+            </a:r>
+            <a:r>
+              <a:rPr lang="en-US" altLang="zh-CN" dirty="0"/>
+              <a:t>virtual</a:t>
+            </a:r>
+            <a:r>
+              <a:rPr lang="zh-CN" altLang="en-US" dirty="0"/>
+              <a:t>析构函数</a:t>
+            </a:r>
+          </a:p>
+        </p:txBody>
+      </p:sp>
+      <p:sp>
+        <p:nvSpPr>
+          <p:cNvPr id="3" name="内容占位符 2">
+            <a:extLst>
+              <a:ext uri="{FF2B5EF4-FFF2-40B4-BE49-F238E27FC236}">
+                <a16:creationId xmlns:a16="http://schemas.microsoft.com/office/drawing/2014/main" id="{57714C17-8AD0-4A3A-82AC-1D31AE68C58C}"/>
+              </a:ext>
+            </a:extLst>
+          </p:cNvPr>
+          <p:cNvSpPr>
+            <a:spLocks noGrp="1"/>
+          </p:cNvSpPr>
+          <p:nvPr>
+            <p:ph idx="1"/>
+          </p:nvPr>
+        </p:nvSpPr>
+        <p:spPr>
+          <a:xfrm>
+            <a:off x="838200" y="1825624"/>
+            <a:ext cx="10515600" cy="4791991"/>
+          </a:xfrm>
+        </p:spPr>
+        <p:txBody>
+          <a:bodyPr>
+            <a:normAutofit fontScale="92500" lnSpcReduction="10000"/>
+          </a:bodyPr>
+          <a:lstStyle/>
+          <a:p>
+            <a:r>
+              <a:rPr lang="zh-CN" altLang="en-US" dirty="0"/>
+              <a:t>大多数人的观点：只有当类中至少含有一个</a:t>
+            </a:r>
+            <a:r>
+              <a:rPr lang="en-US" altLang="zh-CN" dirty="0"/>
+              <a:t>virtual</a:t>
+            </a:r>
+            <a:r>
+              <a:rPr lang="zh-CN" altLang="en-US" dirty="0"/>
+              <a:t>函数，才会将其声明为</a:t>
+            </a:r>
+            <a:r>
+              <a:rPr lang="en-US" altLang="zh-CN" dirty="0"/>
+              <a:t>virtual</a:t>
+            </a:r>
+            <a:r>
+              <a:rPr lang="zh-CN" altLang="en-US" dirty="0"/>
+              <a:t>析构函数。</a:t>
+            </a:r>
+            <a:endParaRPr lang="en-US" altLang="zh-CN" dirty="0"/>
+          </a:p>
+          <a:p>
+            <a:endParaRPr lang="en-US" altLang="zh-CN" dirty="0"/>
+          </a:p>
+          <a:p>
+            <a:endParaRPr lang="en-US" altLang="zh-CN" dirty="0"/>
+          </a:p>
+          <a:p>
+            <a:endParaRPr lang="en-US" altLang="zh-CN" dirty="0"/>
+          </a:p>
+          <a:p>
+            <a:endParaRPr lang="en-US" altLang="zh-CN" dirty="0"/>
+          </a:p>
+          <a:p>
+            <a:endParaRPr lang="en-US" altLang="zh-CN" dirty="0"/>
+          </a:p>
+          <a:p>
+            <a:endParaRPr lang="en-US" altLang="zh-CN" dirty="0"/>
+          </a:p>
+          <a:p>
+            <a:endParaRPr lang="en-US" altLang="zh-CN" dirty="0"/>
+          </a:p>
+          <a:p>
+            <a:endParaRPr lang="en-US" altLang="zh-CN" dirty="0"/>
+          </a:p>
+          <a:p>
+            <a:r>
+              <a:rPr lang="zh-CN" altLang="en-US" dirty="0"/>
+              <a:t>将</a:t>
+            </a:r>
+            <a:r>
+              <a:rPr lang="en-US" altLang="zh-CN" dirty="0"/>
+              <a:t>STL</a:t>
+            </a:r>
+            <a:r>
+              <a:rPr lang="zh-CN" altLang="en-US" dirty="0"/>
+              <a:t>中的所有容器当做基类使用，都会产生以上的问题。</a:t>
+            </a:r>
+          </a:p>
+        </p:txBody>
+      </p:sp>
+      <p:sp>
+        <p:nvSpPr>
+          <p:cNvPr id="4" name="文本框 3">
+            <a:extLst>
+              <a:ext uri="{FF2B5EF4-FFF2-40B4-BE49-F238E27FC236}">
+                <a16:creationId xmlns:a16="http://schemas.microsoft.com/office/drawing/2014/main" id="{D69164CA-73B5-407C-A338-60538CC71320}"/>
+              </a:ext>
+            </a:extLst>
+          </p:cNvPr>
+          <p:cNvSpPr txBox="1"/>
+          <p:nvPr/>
+        </p:nvSpPr>
+        <p:spPr>
+          <a:xfrm>
+            <a:off x="1575371" y="2721989"/>
+            <a:ext cx="9041258" cy="3139321"/>
+          </a:xfrm>
+          <a:prstGeom prst="rect">
+            <a:avLst/>
+          </a:prstGeom>
+          <a:solidFill>
+            <a:schemeClr val="tx1"/>
+          </a:solidFill>
+        </p:spPr>
+        <p:txBody>
+          <a:bodyPr wrap="none" rtlCol="0">
+            <a:spAutoFit/>
+          </a:bodyPr>
+          <a:lstStyle/>
+          <a:p>
+            <a:r>
+              <a:rPr lang="en-US" altLang="zh-CN" b="0" dirty="0">
+                <a:solidFill>
+                  <a:srgbClr val="569CD6"/>
+                </a:solidFill>
+                <a:effectLst/>
+                <a:latin typeface="Consolas" panose="020B0609020204030204" pitchFamily="49" charset="0"/>
+              </a:rPr>
+              <a:t>class</a:t>
+            </a:r>
+            <a:r>
+              <a:rPr lang="en-US" altLang="zh-CN" b="0" dirty="0">
+                <a:solidFill>
+                  <a:srgbClr val="D4D4D4"/>
+                </a:solidFill>
+                <a:effectLst/>
+                <a:latin typeface="Consolas" panose="020B0609020204030204" pitchFamily="49" charset="0"/>
+              </a:rPr>
+              <a:t> </a:t>
+            </a:r>
+            <a:r>
+              <a:rPr lang="en-US" altLang="zh-CN" b="0" dirty="0" err="1">
+                <a:solidFill>
+                  <a:srgbClr val="4EC9B0"/>
+                </a:solidFill>
+                <a:effectLst/>
+                <a:latin typeface="Consolas" panose="020B0609020204030204" pitchFamily="49" charset="0"/>
+              </a:rPr>
+              <a:t>SpecialString</a:t>
+            </a:r>
+            <a:r>
+              <a:rPr lang="en-US" altLang="zh-CN" b="0" dirty="0">
+                <a:solidFill>
+                  <a:srgbClr val="D4D4D4"/>
+                </a:solidFill>
+                <a:effectLst/>
+                <a:latin typeface="Consolas" panose="020B0609020204030204" pitchFamily="49" charset="0"/>
+              </a:rPr>
+              <a:t> : </a:t>
+            </a:r>
+            <a:r>
+              <a:rPr lang="en-US" altLang="zh-CN" b="0" dirty="0">
+                <a:solidFill>
+                  <a:srgbClr val="569CD6"/>
+                </a:solidFill>
+                <a:effectLst/>
+                <a:latin typeface="Consolas" panose="020B0609020204030204" pitchFamily="49" charset="0"/>
+              </a:rPr>
+              <a:t>public</a:t>
+            </a:r>
+            <a:r>
+              <a:rPr lang="en-US" altLang="zh-CN" b="0" dirty="0">
+                <a:solidFill>
+                  <a:srgbClr val="D4D4D4"/>
+                </a:solidFill>
+                <a:effectLst/>
+                <a:latin typeface="Consolas" panose="020B0609020204030204" pitchFamily="49" charset="0"/>
+              </a:rPr>
+              <a:t> </a:t>
+            </a:r>
+            <a:r>
+              <a:rPr lang="en-US" altLang="zh-CN" b="0" dirty="0">
+                <a:solidFill>
+                  <a:srgbClr val="4EC9B0"/>
+                </a:solidFill>
+                <a:effectLst/>
+                <a:latin typeface="Consolas" panose="020B0609020204030204" pitchFamily="49" charset="0"/>
+              </a:rPr>
+              <a:t>std</a:t>
+            </a:r>
+            <a:r>
+              <a:rPr lang="en-US" altLang="zh-CN" b="0" dirty="0">
+                <a:solidFill>
+                  <a:srgbClr val="D4D4D4"/>
+                </a:solidFill>
+                <a:effectLst/>
+                <a:latin typeface="Consolas" panose="020B0609020204030204" pitchFamily="49" charset="0"/>
+              </a:rPr>
+              <a:t>::</a:t>
+            </a:r>
+            <a:r>
+              <a:rPr lang="en-US" altLang="zh-CN" b="0" dirty="0">
+                <a:solidFill>
+                  <a:srgbClr val="4EC9B0"/>
+                </a:solidFill>
+                <a:effectLst/>
+                <a:latin typeface="Consolas" panose="020B0609020204030204" pitchFamily="49" charset="0"/>
+              </a:rPr>
+              <a:t>string</a:t>
+            </a:r>
+            <a:r>
+              <a:rPr lang="en-US" altLang="zh-CN" b="0" dirty="0">
+                <a:solidFill>
+                  <a:srgbClr val="D4D4D4"/>
+                </a:solidFill>
+                <a:effectLst/>
+                <a:latin typeface="Consolas" panose="020B0609020204030204" pitchFamily="49" charset="0"/>
+              </a:rPr>
+              <a:t> {</a:t>
+            </a:r>
+            <a:r>
+              <a:rPr lang="en-US" altLang="zh-CN" b="0" dirty="0">
+                <a:solidFill>
+                  <a:srgbClr val="6A9955"/>
+                </a:solidFill>
+                <a:effectLst/>
+                <a:latin typeface="Consolas" panose="020B0609020204030204" pitchFamily="49" charset="0"/>
+              </a:rPr>
+              <a:t>  // </a:t>
+            </a:r>
+            <a:r>
+              <a:rPr lang="zh-CN" altLang="en-US" b="0" dirty="0">
+                <a:solidFill>
+                  <a:srgbClr val="6A9955"/>
+                </a:solidFill>
+                <a:effectLst/>
+                <a:latin typeface="Consolas" panose="020B0609020204030204" pitchFamily="49" charset="0"/>
+              </a:rPr>
+              <a:t>馊主意！ </a:t>
+            </a:r>
+            <a:r>
+              <a:rPr lang="en-US" altLang="zh-CN" b="0" dirty="0">
+                <a:solidFill>
+                  <a:srgbClr val="6A9955"/>
+                </a:solidFill>
+                <a:effectLst/>
+                <a:latin typeface="Consolas" panose="020B0609020204030204" pitchFamily="49" charset="0"/>
+              </a:rPr>
+              <a:t>std::string</a:t>
+            </a:r>
+            <a:r>
+              <a:rPr lang="zh-CN" altLang="en-US" b="0" dirty="0">
+                <a:solidFill>
+                  <a:srgbClr val="6A9955"/>
+                </a:solidFill>
+                <a:effectLst/>
+                <a:latin typeface="Consolas" panose="020B0609020204030204" pitchFamily="49" charset="0"/>
+              </a:rPr>
+              <a:t>有个</a:t>
+            </a:r>
+            <a:endParaRPr lang="zh-CN" altLang="en-US" b="0" dirty="0">
+              <a:solidFill>
+                <a:srgbClr val="D4D4D4"/>
+              </a:solidFill>
+              <a:effectLst/>
+              <a:latin typeface="Consolas" panose="020B0609020204030204" pitchFamily="49" charset="0"/>
+            </a:endParaRPr>
+          </a:p>
+          <a:p>
+            <a:r>
+              <a:rPr lang="zh-CN" altLang="en-US" b="0" dirty="0">
+                <a:solidFill>
+                  <a:srgbClr val="D4D4D4"/>
+                </a:solidFill>
+                <a:effectLst/>
+                <a:latin typeface="Consolas" panose="020B0609020204030204" pitchFamily="49" charset="0"/>
+              </a:rPr>
+              <a:t>    </a:t>
+            </a:r>
+            <a:r>
+              <a:rPr lang="en-US" altLang="zh-CN" b="0" dirty="0">
+                <a:solidFill>
+                  <a:srgbClr val="D4D4D4"/>
+                </a:solidFill>
+                <a:effectLst/>
+                <a:latin typeface="Consolas" panose="020B0609020204030204" pitchFamily="49" charset="0"/>
+              </a:rPr>
+              <a:t>...;</a:t>
+            </a:r>
+            <a:r>
+              <a:rPr lang="zh-CN" altLang="en-US" b="0" dirty="0">
+                <a:solidFill>
+                  <a:srgbClr val="6A9955"/>
+                </a:solidFill>
+                <a:effectLst/>
+                <a:latin typeface="Consolas" panose="020B0609020204030204" pitchFamily="49" charset="0"/>
+              </a:rPr>
+              <a:t>                                    </a:t>
+            </a:r>
+            <a:r>
+              <a:rPr lang="en-US" altLang="zh-CN" b="0" dirty="0">
+                <a:solidFill>
+                  <a:srgbClr val="6A9955"/>
+                </a:solidFill>
+                <a:effectLst/>
+                <a:latin typeface="Consolas" panose="020B0609020204030204" pitchFamily="49" charset="0"/>
+              </a:rPr>
+              <a:t>// non-virtual</a:t>
+            </a:r>
+            <a:r>
+              <a:rPr lang="zh-CN" altLang="en-US" b="0" dirty="0">
+                <a:solidFill>
+                  <a:srgbClr val="6A9955"/>
+                </a:solidFill>
+                <a:effectLst/>
+                <a:latin typeface="Consolas" panose="020B0609020204030204" pitchFamily="49" charset="0"/>
+              </a:rPr>
+              <a:t>析构函数</a:t>
+            </a:r>
+            <a:endParaRPr lang="zh-CN" altLang="en-US" b="0" dirty="0">
+              <a:solidFill>
+                <a:srgbClr val="D4D4D4"/>
+              </a:solidFill>
+              <a:effectLst/>
+              <a:latin typeface="Consolas" panose="020B0609020204030204" pitchFamily="49" charset="0"/>
+            </a:endParaRPr>
+          </a:p>
+          <a:p>
+            <a:r>
+              <a:rPr lang="en-US" altLang="zh-CN" b="0" dirty="0">
+                <a:solidFill>
+                  <a:srgbClr val="D4D4D4"/>
+                </a:solidFill>
+                <a:effectLst/>
+                <a:latin typeface="Consolas" panose="020B0609020204030204" pitchFamily="49" charset="0"/>
+              </a:rPr>
+              <a:t>};</a:t>
+            </a:r>
+          </a:p>
+          <a:p>
+            <a:br>
+              <a:rPr lang="en-US" altLang="zh-CN" b="0" dirty="0">
+                <a:solidFill>
+                  <a:srgbClr val="D4D4D4"/>
+                </a:solidFill>
+                <a:effectLst/>
+                <a:latin typeface="Consolas" panose="020B0609020204030204" pitchFamily="49" charset="0"/>
+              </a:rPr>
+            </a:br>
+            <a:r>
+              <a:rPr lang="en-US" altLang="zh-CN" b="0" dirty="0" err="1">
+                <a:solidFill>
+                  <a:srgbClr val="4EC9B0"/>
+                </a:solidFill>
+                <a:effectLst/>
+                <a:latin typeface="Consolas" panose="020B0609020204030204" pitchFamily="49" charset="0"/>
+              </a:rPr>
+              <a:t>SpecialString</a:t>
+            </a:r>
+            <a:r>
+              <a:rPr lang="en-US" altLang="zh-CN" b="0" dirty="0">
+                <a:solidFill>
+                  <a:srgbClr val="D4D4D4"/>
+                </a:solidFill>
+                <a:effectLst/>
+                <a:latin typeface="Consolas" panose="020B0609020204030204" pitchFamily="49" charset="0"/>
+              </a:rPr>
+              <a:t>* </a:t>
+            </a:r>
+            <a:r>
+              <a:rPr lang="en-US" altLang="zh-CN" b="0" dirty="0" err="1">
+                <a:solidFill>
+                  <a:srgbClr val="9CDCFE"/>
+                </a:solidFill>
+                <a:effectLst/>
+                <a:latin typeface="Consolas" panose="020B0609020204030204" pitchFamily="49" charset="0"/>
+              </a:rPr>
+              <a:t>pss</a:t>
+            </a:r>
+            <a:r>
+              <a:rPr lang="en-US" altLang="zh-CN" b="0" dirty="0">
+                <a:solidFill>
+                  <a:srgbClr val="D4D4D4"/>
+                </a:solidFill>
+                <a:effectLst/>
+                <a:latin typeface="Consolas" panose="020B0609020204030204" pitchFamily="49" charset="0"/>
+              </a:rPr>
+              <a:t> = </a:t>
+            </a:r>
+            <a:r>
+              <a:rPr lang="en-US" altLang="zh-CN" b="0" dirty="0">
+                <a:solidFill>
+                  <a:srgbClr val="C586C0"/>
+                </a:solidFill>
+                <a:effectLst/>
+                <a:latin typeface="Consolas" panose="020B0609020204030204" pitchFamily="49" charset="0"/>
+              </a:rPr>
+              <a:t>new</a:t>
+            </a:r>
+            <a:r>
+              <a:rPr lang="en-US" altLang="zh-CN" b="0" dirty="0">
+                <a:solidFill>
+                  <a:srgbClr val="D4D4D4"/>
+                </a:solidFill>
+                <a:effectLst/>
+                <a:latin typeface="Consolas" panose="020B0609020204030204" pitchFamily="49" charset="0"/>
+              </a:rPr>
+              <a:t> </a:t>
+            </a:r>
+            <a:r>
+              <a:rPr lang="en-US" altLang="zh-CN" b="0" dirty="0" err="1">
+                <a:solidFill>
+                  <a:srgbClr val="4EC9B0"/>
+                </a:solidFill>
+                <a:effectLst/>
+                <a:latin typeface="Consolas" panose="020B0609020204030204" pitchFamily="49" charset="0"/>
+              </a:rPr>
+              <a:t>SpecialString</a:t>
+            </a:r>
+            <a:r>
+              <a:rPr lang="en-US" altLang="zh-CN" b="0" dirty="0">
+                <a:solidFill>
+                  <a:srgbClr val="D4D4D4"/>
+                </a:solidFill>
+                <a:effectLst/>
+                <a:latin typeface="Consolas" panose="020B0609020204030204" pitchFamily="49" charset="0"/>
+              </a:rPr>
+              <a:t>(</a:t>
+            </a:r>
+            <a:r>
+              <a:rPr lang="en-US" altLang="zh-CN" b="0" dirty="0">
+                <a:solidFill>
+                  <a:srgbClr val="CE9178"/>
+                </a:solidFill>
+                <a:effectLst/>
+                <a:latin typeface="Consolas" panose="020B0609020204030204" pitchFamily="49" charset="0"/>
+              </a:rPr>
+              <a:t>"Impending Doom"</a:t>
+            </a:r>
+            <a:r>
+              <a:rPr lang="en-US" altLang="zh-CN" b="0" dirty="0">
+                <a:solidFill>
+                  <a:srgbClr val="D4D4D4"/>
+                </a:solidFill>
+                <a:effectLst/>
+                <a:latin typeface="Consolas" panose="020B0609020204030204" pitchFamily="49" charset="0"/>
+              </a:rPr>
+              <a:t>);</a:t>
+            </a:r>
+          </a:p>
+          <a:p>
+            <a:r>
+              <a:rPr lang="en-US" altLang="zh-CN" b="0" dirty="0">
+                <a:solidFill>
+                  <a:srgbClr val="4EC9B0"/>
+                </a:solidFill>
+                <a:effectLst/>
+                <a:latin typeface="Consolas" panose="020B0609020204030204" pitchFamily="49" charset="0"/>
+              </a:rPr>
+              <a:t>std</a:t>
+            </a:r>
+            <a:r>
+              <a:rPr lang="en-US" altLang="zh-CN" b="0" dirty="0">
+                <a:solidFill>
+                  <a:srgbClr val="D4D4D4"/>
+                </a:solidFill>
+                <a:effectLst/>
+                <a:latin typeface="Consolas" panose="020B0609020204030204" pitchFamily="49" charset="0"/>
+              </a:rPr>
+              <a:t>::string* </a:t>
+            </a:r>
+            <a:r>
+              <a:rPr lang="en-US" altLang="zh-CN" b="0" dirty="0" err="1">
+                <a:solidFill>
+                  <a:srgbClr val="9CDCFE"/>
+                </a:solidFill>
+                <a:effectLst/>
+                <a:latin typeface="Consolas" panose="020B0609020204030204" pitchFamily="49" charset="0"/>
+              </a:rPr>
+              <a:t>ps</a:t>
+            </a:r>
+            <a:r>
+              <a:rPr lang="en-US" altLang="zh-CN" b="0" dirty="0">
+                <a:solidFill>
+                  <a:srgbClr val="D4D4D4"/>
+                </a:solidFill>
+                <a:effectLst/>
+                <a:latin typeface="Consolas" panose="020B0609020204030204" pitchFamily="49" charset="0"/>
+              </a:rPr>
+              <a:t>;</a:t>
+            </a:r>
+          </a:p>
+          <a:p>
+            <a:r>
+              <a:rPr lang="en-US" altLang="zh-CN" b="0" dirty="0">
+                <a:solidFill>
+                  <a:srgbClr val="D4D4D4"/>
+                </a:solidFill>
+                <a:effectLst/>
+                <a:latin typeface="Consolas" panose="020B0609020204030204" pitchFamily="49" charset="0"/>
+              </a:rPr>
+              <a:t>...;</a:t>
+            </a:r>
+          </a:p>
+          <a:p>
+            <a:r>
+              <a:rPr lang="en-US" altLang="zh-CN" b="0" dirty="0" err="1">
+                <a:solidFill>
+                  <a:srgbClr val="9CDCFE"/>
+                </a:solidFill>
+                <a:effectLst/>
+                <a:latin typeface="Consolas" panose="020B0609020204030204" pitchFamily="49" charset="0"/>
+              </a:rPr>
+              <a:t>ps</a:t>
+            </a:r>
+            <a:r>
+              <a:rPr lang="en-US" altLang="zh-CN" b="0" dirty="0">
+                <a:solidFill>
+                  <a:srgbClr val="D4D4D4"/>
+                </a:solidFill>
+                <a:effectLst/>
+                <a:latin typeface="Consolas" panose="020B0609020204030204" pitchFamily="49" charset="0"/>
+              </a:rPr>
+              <a:t> = </a:t>
+            </a:r>
+            <a:r>
+              <a:rPr lang="en-US" altLang="zh-CN" b="0" dirty="0" err="1">
+                <a:solidFill>
+                  <a:srgbClr val="9CDCFE"/>
+                </a:solidFill>
+                <a:effectLst/>
+                <a:latin typeface="Consolas" panose="020B0609020204030204" pitchFamily="49" charset="0"/>
+              </a:rPr>
+              <a:t>pss</a:t>
+            </a:r>
+            <a:r>
+              <a:rPr lang="en-US" altLang="zh-CN" b="0" dirty="0">
+                <a:solidFill>
+                  <a:srgbClr val="D4D4D4"/>
+                </a:solidFill>
+                <a:effectLst/>
+                <a:latin typeface="Consolas" panose="020B0609020204030204" pitchFamily="49" charset="0"/>
+              </a:rPr>
+              <a:t>;</a:t>
+            </a:r>
+            <a:r>
+              <a:rPr lang="en-US" altLang="zh-CN" b="0" dirty="0">
+                <a:solidFill>
+                  <a:srgbClr val="6A9955"/>
+                </a:solidFill>
+                <a:effectLst/>
+                <a:latin typeface="Consolas" panose="020B0609020204030204" pitchFamily="49" charset="0"/>
+              </a:rPr>
+              <a:t>  // </a:t>
+            </a:r>
+            <a:r>
+              <a:rPr lang="en-US" altLang="zh-CN" b="0" dirty="0" err="1">
+                <a:solidFill>
+                  <a:srgbClr val="6A9955"/>
+                </a:solidFill>
+                <a:effectLst/>
+                <a:latin typeface="Consolas" panose="020B0609020204030204" pitchFamily="49" charset="0"/>
+              </a:rPr>
+              <a:t>SpecialString</a:t>
+            </a:r>
+            <a:r>
+              <a:rPr lang="en-US" altLang="zh-CN" b="0" dirty="0">
+                <a:solidFill>
+                  <a:srgbClr val="6A9955"/>
+                </a:solidFill>
+                <a:effectLst/>
+                <a:latin typeface="Consolas" panose="020B0609020204030204" pitchFamily="49" charset="0"/>
+              </a:rPr>
+              <a:t>* =&gt; string*</a:t>
+            </a:r>
+            <a:endParaRPr lang="en-US" altLang="zh-CN" b="0" dirty="0">
+              <a:solidFill>
+                <a:srgbClr val="D4D4D4"/>
+              </a:solidFill>
+              <a:effectLst/>
+              <a:latin typeface="Consolas" panose="020B0609020204030204" pitchFamily="49" charset="0"/>
+            </a:endParaRPr>
+          </a:p>
+          <a:p>
+            <a:r>
+              <a:rPr lang="en-US" altLang="zh-CN" b="0" dirty="0">
+                <a:solidFill>
+                  <a:srgbClr val="D4D4D4"/>
+                </a:solidFill>
+                <a:effectLst/>
+                <a:latin typeface="Consolas" panose="020B0609020204030204" pitchFamily="49" charset="0"/>
+              </a:rPr>
+              <a:t>...;</a:t>
+            </a:r>
+          </a:p>
+          <a:p>
+            <a:r>
+              <a:rPr lang="en-US" altLang="zh-CN" b="0" dirty="0">
+                <a:solidFill>
+                  <a:srgbClr val="C586C0"/>
+                </a:solidFill>
+                <a:effectLst/>
+                <a:latin typeface="Consolas" panose="020B0609020204030204" pitchFamily="49" charset="0"/>
+              </a:rPr>
+              <a:t>delete</a:t>
+            </a:r>
+            <a:r>
+              <a:rPr lang="en-US" altLang="zh-CN" b="0" dirty="0">
+                <a:solidFill>
+                  <a:srgbClr val="D4D4D4"/>
+                </a:solidFill>
+                <a:effectLst/>
+                <a:latin typeface="Consolas" panose="020B0609020204030204" pitchFamily="49" charset="0"/>
+              </a:rPr>
+              <a:t> </a:t>
+            </a:r>
+            <a:r>
+              <a:rPr lang="en-US" altLang="zh-CN" b="0" dirty="0" err="1">
+                <a:solidFill>
+                  <a:srgbClr val="D4D4D4"/>
+                </a:solidFill>
+                <a:effectLst/>
+                <a:latin typeface="Consolas" panose="020B0609020204030204" pitchFamily="49" charset="0"/>
+              </a:rPr>
+              <a:t>ps</a:t>
+            </a:r>
+            <a:r>
+              <a:rPr lang="en-US" altLang="zh-CN" b="0" dirty="0">
+                <a:solidFill>
+                  <a:srgbClr val="D4D4D4"/>
+                </a:solidFill>
+                <a:effectLst/>
+                <a:latin typeface="Consolas" panose="020B0609020204030204" pitchFamily="49" charset="0"/>
+              </a:rPr>
+              <a:t>;</a:t>
+            </a:r>
+            <a:r>
+              <a:rPr lang="en-US" altLang="zh-CN" b="0" dirty="0">
+                <a:solidFill>
+                  <a:srgbClr val="6A9955"/>
+                </a:solidFill>
+                <a:effectLst/>
+                <a:latin typeface="Consolas" panose="020B0609020204030204" pitchFamily="49" charset="0"/>
+              </a:rPr>
+              <a:t>  // </a:t>
+            </a:r>
+            <a:r>
+              <a:rPr lang="zh-CN" altLang="en-US" b="0" dirty="0">
+                <a:solidFill>
+                  <a:srgbClr val="6A9955"/>
+                </a:solidFill>
+                <a:effectLst/>
+                <a:latin typeface="Consolas" panose="020B0609020204030204" pitchFamily="49" charset="0"/>
+              </a:rPr>
+              <a:t>未有定义！现实中*</a:t>
+            </a:r>
+            <a:r>
+              <a:rPr lang="en-US" altLang="zh-CN" b="0" dirty="0" err="1">
+                <a:solidFill>
+                  <a:srgbClr val="6A9955"/>
+                </a:solidFill>
+                <a:effectLst/>
+                <a:latin typeface="Consolas" panose="020B0609020204030204" pitchFamily="49" charset="0"/>
+              </a:rPr>
+              <a:t>ps</a:t>
+            </a:r>
+            <a:r>
+              <a:rPr lang="zh-CN" altLang="en-US" b="0" dirty="0">
+                <a:solidFill>
+                  <a:srgbClr val="6A9955"/>
+                </a:solidFill>
+                <a:effectLst/>
+                <a:latin typeface="Consolas" panose="020B0609020204030204" pitchFamily="49" charset="0"/>
+              </a:rPr>
+              <a:t>的</a:t>
+            </a:r>
+            <a:r>
+              <a:rPr lang="en-US" altLang="zh-CN" b="0" dirty="0" err="1">
+                <a:solidFill>
+                  <a:srgbClr val="6A9955"/>
+                </a:solidFill>
+                <a:effectLst/>
+                <a:latin typeface="Consolas" panose="020B0609020204030204" pitchFamily="49" charset="0"/>
+              </a:rPr>
+              <a:t>SpecialString</a:t>
+            </a:r>
+            <a:r>
+              <a:rPr lang="zh-CN" altLang="en-US" b="0" dirty="0">
+                <a:solidFill>
+                  <a:srgbClr val="6A9955"/>
+                </a:solidFill>
+                <a:effectLst/>
+                <a:latin typeface="Consolas" panose="020B0609020204030204" pitchFamily="49" charset="0"/>
+              </a:rPr>
+              <a:t>资源会泄露，</a:t>
+            </a:r>
+            <a:endParaRPr lang="zh-CN" altLang="en-US" b="0" dirty="0">
+              <a:solidFill>
+                <a:srgbClr val="D4D4D4"/>
+              </a:solidFill>
+              <a:effectLst/>
+              <a:latin typeface="Consolas" panose="020B0609020204030204" pitchFamily="49" charset="0"/>
+            </a:endParaRPr>
+          </a:p>
+          <a:p>
+            <a:r>
+              <a:rPr lang="zh-CN" altLang="en-US" b="0" dirty="0">
+                <a:solidFill>
+                  <a:srgbClr val="6A9955"/>
+                </a:solidFill>
+                <a:effectLst/>
+                <a:latin typeface="Consolas" panose="020B0609020204030204" pitchFamily="49" charset="0"/>
+              </a:rPr>
+              <a:t>            </a:t>
+            </a:r>
+            <a:r>
+              <a:rPr lang="en-US" altLang="zh-CN" b="0" dirty="0">
+                <a:solidFill>
+                  <a:srgbClr val="6A9955"/>
+                </a:solidFill>
+                <a:effectLst/>
+                <a:latin typeface="Consolas" panose="020B0609020204030204" pitchFamily="49" charset="0"/>
+              </a:rPr>
+              <a:t>// </a:t>
+            </a:r>
+            <a:r>
+              <a:rPr lang="zh-CN" altLang="en-US" b="0" dirty="0">
+                <a:solidFill>
+                  <a:srgbClr val="6A9955"/>
+                </a:solidFill>
+                <a:effectLst/>
+                <a:latin typeface="Consolas" panose="020B0609020204030204" pitchFamily="49" charset="0"/>
+              </a:rPr>
+              <a:t>因为</a:t>
+            </a:r>
+            <a:r>
+              <a:rPr lang="en-US" altLang="zh-CN" b="0" dirty="0" err="1">
+                <a:solidFill>
+                  <a:srgbClr val="6A9955"/>
+                </a:solidFill>
+                <a:effectLst/>
+                <a:latin typeface="Consolas" panose="020B0609020204030204" pitchFamily="49" charset="0"/>
+              </a:rPr>
+              <a:t>SpecialString</a:t>
+            </a:r>
+            <a:r>
+              <a:rPr lang="zh-CN" altLang="en-US" b="0" dirty="0">
+                <a:solidFill>
+                  <a:srgbClr val="6A9955"/>
+                </a:solidFill>
+                <a:effectLst/>
+                <a:latin typeface="Consolas" panose="020B0609020204030204" pitchFamily="49" charset="0"/>
+              </a:rPr>
+              <a:t>析构函数没有被调用</a:t>
+            </a:r>
+            <a:endParaRPr lang="zh-CN" altLang="en-US" b="0" dirty="0">
+              <a:solidFill>
+                <a:srgbClr val="D4D4D4"/>
+              </a:solidFill>
+              <a:effectLst/>
+              <a:latin typeface="Consolas" panose="020B0609020204030204" pitchFamily="49" charset="0"/>
+            </a:endParaRPr>
+          </a:p>
+        </p:txBody>
+      </p:sp>
+    </p:spTree>
+    <p:extLst>
+      <p:ext uri="{BB962C8B-B14F-4D97-AF65-F5344CB8AC3E}">
+        <p14:creationId xmlns:p14="http://schemas.microsoft.com/office/powerpoint/2010/main" val="4077631980"/>
+      </p:ext>
+    </p:extLst>
+  </p:cSld>
+  <p:clrMapOvr>
+    <a:masterClrMapping/>
+  </p:clrMapOvr>
+</p:sld>
+</file>
+
+<file path=ppt/slides/slide32.xml><?xml version="1.0" encoding="utf-8"?>
+<p:sld xmlns:a="http://schemas.openxmlformats.org/drawingml/2006/main" xmlns:r="http://schemas.openxmlformats.org/officeDocument/2006/relationships" xmlns:p="http://schemas.openxmlformats.org/presentationml/2006/main">
+  <p:cSld>
+    <p:spTree>
+      <p:nvGrpSpPr>
+        <p:cNvPr id="1" name=""/>
+        <p:cNvGrpSpPr/>
+        <p:nvPr/>
+      </p:nvGrpSpPr>
+      <p:grpSpPr>
+        <a:xfrm>
+          <a:off x="0" y="0"/>
+          <a:ext cx="0" cy="0"/>
+          <a:chOff x="0" y="0"/>
+          <a:chExt cx="0" cy="0"/>
+        </a:xfrm>
+      </p:grpSpPr>
+      <p:sp>
+        <p:nvSpPr>
+          <p:cNvPr id="2" name="标题 1">
+            <a:extLst>
+              <a:ext uri="{FF2B5EF4-FFF2-40B4-BE49-F238E27FC236}">
+                <a16:creationId xmlns:a16="http://schemas.microsoft.com/office/drawing/2014/main" id="{236F8FA7-53AA-49FF-83FB-944ED9878013}"/>
+              </a:ext>
+            </a:extLst>
+          </p:cNvPr>
+          <p:cNvSpPr>
+            <a:spLocks noGrp="1"/>
+          </p:cNvSpPr>
+          <p:nvPr>
+            <p:ph type="title"/>
+          </p:nvPr>
+        </p:nvSpPr>
+        <p:spPr/>
+        <p:txBody>
+          <a:bodyPr/>
+          <a:lstStyle/>
+          <a:p>
+            <a:r>
+              <a:rPr lang="en-US" altLang="zh-CN" dirty="0"/>
+              <a:t>pure virtual</a:t>
+            </a:r>
+            <a:r>
+              <a:rPr lang="zh-CN" altLang="en-US" dirty="0"/>
+              <a:t>析构函数</a:t>
+            </a:r>
+          </a:p>
+        </p:txBody>
+      </p:sp>
+      <p:sp>
+        <p:nvSpPr>
+          <p:cNvPr id="3" name="内容占位符 2">
+            <a:extLst>
+              <a:ext uri="{FF2B5EF4-FFF2-40B4-BE49-F238E27FC236}">
+                <a16:creationId xmlns:a16="http://schemas.microsoft.com/office/drawing/2014/main" id="{FD63FE23-A5CC-4CBF-9373-ED82E71222D0}"/>
+              </a:ext>
+            </a:extLst>
+          </p:cNvPr>
+          <p:cNvSpPr>
+            <a:spLocks noGrp="1"/>
+          </p:cNvSpPr>
+          <p:nvPr>
+            <p:ph idx="1"/>
+          </p:nvPr>
+        </p:nvSpPr>
+        <p:spPr>
+          <a:xfrm>
+            <a:off x="838200" y="3751869"/>
+            <a:ext cx="10515600" cy="2425094"/>
+          </a:xfrm>
+        </p:spPr>
+        <p:txBody>
+          <a:bodyPr/>
+          <a:lstStyle/>
+          <a:p>
+            <a:r>
+              <a:rPr lang="zh-CN" altLang="en-US" dirty="0"/>
+              <a:t>析构函数的运作：先调用子类的析构函数，再调用父类的析构函数。编译器会在子类的析构函数中创建一个对</a:t>
+            </a:r>
+            <a:r>
+              <a:rPr lang="en-US" altLang="zh-CN" dirty="0"/>
+              <a:t>~AWOV()</a:t>
+            </a:r>
+            <a:r>
+              <a:rPr lang="zh-CN" altLang="en-US" dirty="0"/>
+              <a:t>的调用动作，如果不对</a:t>
+            </a:r>
+            <a:r>
+              <a:rPr lang="en-US" altLang="zh-CN" dirty="0"/>
+              <a:t>~AWOV()</a:t>
+            </a:r>
+            <a:r>
+              <a:rPr lang="zh-CN" altLang="en-US" dirty="0"/>
+              <a:t>进行实现，编译器会报错。</a:t>
+            </a:r>
+          </a:p>
+        </p:txBody>
+      </p:sp>
+      <p:sp>
+        <p:nvSpPr>
+          <p:cNvPr id="4" name="文本框 3">
+            <a:extLst>
+              <a:ext uri="{FF2B5EF4-FFF2-40B4-BE49-F238E27FC236}">
+                <a16:creationId xmlns:a16="http://schemas.microsoft.com/office/drawing/2014/main" id="{2ABC3A00-9C2F-4FD0-B5C9-B0AF4C555528}"/>
+              </a:ext>
+            </a:extLst>
+          </p:cNvPr>
+          <p:cNvSpPr txBox="1"/>
+          <p:nvPr/>
+        </p:nvSpPr>
+        <p:spPr>
+          <a:xfrm>
+            <a:off x="2715106" y="1674674"/>
+            <a:ext cx="6761787" cy="1754326"/>
+          </a:xfrm>
+          <a:prstGeom prst="rect">
+            <a:avLst/>
+          </a:prstGeom>
+          <a:solidFill>
+            <a:schemeClr val="tx1"/>
+          </a:solidFill>
+        </p:spPr>
+        <p:txBody>
+          <a:bodyPr wrap="none" rtlCol="0">
+            <a:spAutoFit/>
+          </a:bodyPr>
+          <a:lstStyle/>
+          <a:p>
+            <a:r>
+              <a:rPr lang="en-US" altLang="zh-CN" b="0" dirty="0">
+                <a:solidFill>
+                  <a:srgbClr val="569CD6"/>
+                </a:solidFill>
+                <a:effectLst/>
+                <a:latin typeface="Consolas" panose="020B0609020204030204" pitchFamily="49" charset="0"/>
+              </a:rPr>
+              <a:t>class</a:t>
+            </a:r>
+            <a:r>
+              <a:rPr lang="en-US" altLang="zh-CN" b="0" dirty="0">
+                <a:solidFill>
+                  <a:srgbClr val="D4D4D4"/>
+                </a:solidFill>
+                <a:effectLst/>
+                <a:latin typeface="Consolas" panose="020B0609020204030204" pitchFamily="49" charset="0"/>
+              </a:rPr>
+              <a:t> </a:t>
+            </a:r>
+            <a:r>
+              <a:rPr lang="en-US" altLang="zh-CN" b="0" dirty="0">
+                <a:solidFill>
+                  <a:srgbClr val="4EC9B0"/>
+                </a:solidFill>
+                <a:effectLst/>
+                <a:latin typeface="Consolas" panose="020B0609020204030204" pitchFamily="49" charset="0"/>
+              </a:rPr>
+              <a:t>AWOV</a:t>
+            </a:r>
+            <a:r>
+              <a:rPr lang="en-US" altLang="zh-CN" b="0" dirty="0">
+                <a:solidFill>
+                  <a:srgbClr val="D4D4D4"/>
+                </a:solidFill>
+                <a:effectLst/>
+                <a:latin typeface="Consolas" panose="020B0609020204030204" pitchFamily="49" charset="0"/>
+              </a:rPr>
+              <a:t> {</a:t>
+            </a:r>
+          </a:p>
+          <a:p>
+            <a:r>
+              <a:rPr lang="en-US" altLang="zh-CN" b="0" dirty="0">
+                <a:solidFill>
+                  <a:srgbClr val="D4D4D4"/>
+                </a:solidFill>
+                <a:effectLst/>
+                <a:latin typeface="Consolas" panose="020B0609020204030204" pitchFamily="49" charset="0"/>
+              </a:rPr>
+              <a:t>   </a:t>
+            </a:r>
+            <a:r>
+              <a:rPr lang="en-US" altLang="zh-CN" b="0" dirty="0">
+                <a:solidFill>
+                  <a:srgbClr val="569CD6"/>
+                </a:solidFill>
+                <a:effectLst/>
+                <a:latin typeface="Consolas" panose="020B0609020204030204" pitchFamily="49" charset="0"/>
+              </a:rPr>
+              <a:t>public:</a:t>
+            </a:r>
+            <a:endParaRPr lang="en-US" altLang="zh-CN" b="0" dirty="0">
+              <a:solidFill>
+                <a:srgbClr val="D4D4D4"/>
+              </a:solidFill>
+              <a:effectLst/>
+              <a:latin typeface="Consolas" panose="020B0609020204030204" pitchFamily="49" charset="0"/>
+            </a:endParaRPr>
+          </a:p>
+          <a:p>
+            <a:r>
+              <a:rPr lang="en-US" altLang="zh-CN" b="0" dirty="0">
+                <a:solidFill>
+                  <a:srgbClr val="D4D4D4"/>
+                </a:solidFill>
+                <a:effectLst/>
+                <a:latin typeface="Consolas" panose="020B0609020204030204" pitchFamily="49" charset="0"/>
+              </a:rPr>
+              <a:t>    </a:t>
+            </a:r>
+            <a:r>
+              <a:rPr lang="en-US" altLang="zh-CN" b="0" dirty="0">
+                <a:solidFill>
+                  <a:srgbClr val="569CD6"/>
+                </a:solidFill>
+                <a:effectLst/>
+                <a:latin typeface="Consolas" panose="020B0609020204030204" pitchFamily="49" charset="0"/>
+              </a:rPr>
+              <a:t>virtual</a:t>
+            </a:r>
+            <a:r>
+              <a:rPr lang="en-US" altLang="zh-CN" b="0" dirty="0">
+                <a:solidFill>
+                  <a:srgbClr val="D4D4D4"/>
+                </a:solidFill>
+                <a:effectLst/>
+                <a:latin typeface="Consolas" panose="020B0609020204030204" pitchFamily="49" charset="0"/>
+              </a:rPr>
+              <a:t> </a:t>
+            </a:r>
+            <a:r>
+              <a:rPr lang="en-US" altLang="zh-CN" b="0" dirty="0">
+                <a:solidFill>
+                  <a:srgbClr val="DCDCAA"/>
+                </a:solidFill>
+                <a:effectLst/>
+                <a:latin typeface="Consolas" panose="020B0609020204030204" pitchFamily="49" charset="0"/>
+              </a:rPr>
+              <a:t>~AWOV</a:t>
+            </a:r>
+            <a:r>
+              <a:rPr lang="en-US" altLang="zh-CN" b="0" dirty="0">
+                <a:solidFill>
+                  <a:srgbClr val="D4D4D4"/>
+                </a:solidFill>
+                <a:effectLst/>
+                <a:latin typeface="Consolas" panose="020B0609020204030204" pitchFamily="49" charset="0"/>
+              </a:rPr>
+              <a:t>() = </a:t>
+            </a:r>
+            <a:r>
+              <a:rPr lang="en-US" altLang="zh-CN" b="0" dirty="0">
+                <a:solidFill>
+                  <a:srgbClr val="B5CEA8"/>
+                </a:solidFill>
+                <a:effectLst/>
+                <a:latin typeface="Consolas" panose="020B0609020204030204" pitchFamily="49" charset="0"/>
+              </a:rPr>
+              <a:t>0</a:t>
+            </a:r>
+            <a:r>
+              <a:rPr lang="en-US" altLang="zh-CN" b="0" dirty="0">
+                <a:solidFill>
+                  <a:srgbClr val="D4D4D4"/>
+                </a:solidFill>
+                <a:effectLst/>
+                <a:latin typeface="Consolas" panose="020B0609020204030204" pitchFamily="49" charset="0"/>
+              </a:rPr>
+              <a:t>;</a:t>
+            </a:r>
+            <a:r>
+              <a:rPr lang="en-US" altLang="zh-CN" b="0" dirty="0">
+                <a:solidFill>
+                  <a:srgbClr val="6A9955"/>
+                </a:solidFill>
+                <a:effectLst/>
+                <a:latin typeface="Consolas" panose="020B0609020204030204" pitchFamily="49" charset="0"/>
+              </a:rPr>
+              <a:t>  // </a:t>
+            </a:r>
+            <a:r>
+              <a:rPr lang="zh-CN" altLang="en-US" b="0" dirty="0">
+                <a:solidFill>
+                  <a:srgbClr val="6A9955"/>
+                </a:solidFill>
+                <a:effectLst/>
+                <a:latin typeface="Consolas" panose="020B0609020204030204" pitchFamily="49" charset="0"/>
+              </a:rPr>
+              <a:t>声明</a:t>
+            </a:r>
+            <a:r>
+              <a:rPr lang="en-US" altLang="zh-CN" b="0" dirty="0">
+                <a:solidFill>
+                  <a:srgbClr val="6A9955"/>
+                </a:solidFill>
+                <a:effectLst/>
+                <a:latin typeface="Consolas" panose="020B0609020204030204" pitchFamily="49" charset="0"/>
+              </a:rPr>
+              <a:t>pure virtual</a:t>
+            </a:r>
+            <a:r>
+              <a:rPr lang="zh-CN" altLang="en-US" b="0" dirty="0">
+                <a:solidFill>
+                  <a:srgbClr val="6A9955"/>
+                </a:solidFill>
+                <a:effectLst/>
+                <a:latin typeface="Consolas" panose="020B0609020204030204" pitchFamily="49" charset="0"/>
+              </a:rPr>
+              <a:t>析构函数</a:t>
+            </a:r>
+            <a:endParaRPr lang="zh-CN" altLang="en-US" b="0" dirty="0">
+              <a:solidFill>
+                <a:srgbClr val="D4D4D4"/>
+              </a:solidFill>
+              <a:effectLst/>
+              <a:latin typeface="Consolas" panose="020B0609020204030204" pitchFamily="49" charset="0"/>
+            </a:endParaRPr>
+          </a:p>
+          <a:p>
+            <a:r>
+              <a:rPr lang="en-US" altLang="zh-CN" b="0" dirty="0">
+                <a:solidFill>
+                  <a:srgbClr val="D4D4D4"/>
+                </a:solidFill>
+                <a:effectLst/>
+                <a:latin typeface="Consolas" panose="020B0609020204030204" pitchFamily="49" charset="0"/>
+              </a:rPr>
+              <a:t>};</a:t>
+            </a:r>
+          </a:p>
+          <a:p>
+            <a:br>
+              <a:rPr lang="en-US" altLang="zh-CN" b="0" dirty="0">
+                <a:solidFill>
+                  <a:srgbClr val="D4D4D4"/>
+                </a:solidFill>
+                <a:effectLst/>
+                <a:latin typeface="Consolas" panose="020B0609020204030204" pitchFamily="49" charset="0"/>
+              </a:rPr>
+            </a:br>
+            <a:r>
+              <a:rPr lang="en-US" altLang="zh-CN" b="0" dirty="0">
+                <a:solidFill>
+                  <a:srgbClr val="4EC9B0"/>
+                </a:solidFill>
+                <a:effectLst/>
+                <a:latin typeface="Consolas" panose="020B0609020204030204" pitchFamily="49" charset="0"/>
+              </a:rPr>
+              <a:t>AWOV</a:t>
+            </a:r>
+            <a:r>
+              <a:rPr lang="en-US" altLang="zh-CN" b="0" dirty="0">
+                <a:solidFill>
+                  <a:srgbClr val="D4D4D4"/>
+                </a:solidFill>
+                <a:effectLst/>
+                <a:latin typeface="Consolas" panose="020B0609020204030204" pitchFamily="49" charset="0"/>
+              </a:rPr>
+              <a:t>::</a:t>
+            </a:r>
+            <a:r>
+              <a:rPr lang="en-US" altLang="zh-CN" b="0" dirty="0">
+                <a:solidFill>
+                  <a:srgbClr val="DCDCAA"/>
+                </a:solidFill>
+                <a:effectLst/>
+                <a:latin typeface="Consolas" panose="020B0609020204030204" pitchFamily="49" charset="0"/>
+              </a:rPr>
+              <a:t>~AWOV</a:t>
+            </a:r>
+            <a:r>
+              <a:rPr lang="en-US" altLang="zh-CN" b="0" dirty="0">
+                <a:solidFill>
+                  <a:srgbClr val="D4D4D4"/>
+                </a:solidFill>
+                <a:effectLst/>
+                <a:latin typeface="Consolas" panose="020B0609020204030204" pitchFamily="49" charset="0"/>
+              </a:rPr>
+              <a:t>() {}	    // </a:t>
+            </a:r>
+            <a:r>
+              <a:rPr lang="en-US" altLang="zh-CN" b="0" dirty="0">
+                <a:solidFill>
+                  <a:srgbClr val="6A9955"/>
+                </a:solidFill>
+                <a:effectLst/>
+                <a:latin typeface="Consolas" panose="020B0609020204030204" pitchFamily="49" charset="0"/>
+              </a:rPr>
+              <a:t>pure virtual</a:t>
+            </a:r>
+            <a:r>
+              <a:rPr lang="zh-CN" altLang="en-US" b="0" dirty="0">
+                <a:solidFill>
+                  <a:srgbClr val="6A9955"/>
+                </a:solidFill>
+                <a:effectLst/>
+                <a:latin typeface="Consolas" panose="020B0609020204030204" pitchFamily="49" charset="0"/>
+              </a:rPr>
+              <a:t>析构函数定义</a:t>
+            </a:r>
+            <a:endParaRPr lang="en-US" altLang="zh-CN" b="0" dirty="0">
+              <a:solidFill>
+                <a:srgbClr val="D4D4D4"/>
+              </a:solidFill>
+              <a:effectLst/>
+              <a:latin typeface="Consolas" panose="020B0609020204030204" pitchFamily="49" charset="0"/>
+            </a:endParaRPr>
+          </a:p>
+        </p:txBody>
+      </p:sp>
+    </p:spTree>
+    <p:extLst>
+      <p:ext uri="{BB962C8B-B14F-4D97-AF65-F5344CB8AC3E}">
+        <p14:creationId xmlns:p14="http://schemas.microsoft.com/office/powerpoint/2010/main" val="2417231154"/>
       </p:ext>
     </p:extLst>
   </p:cSld>
